--- a/Presentatie.pptx
+++ b/Presentatie.pptx
@@ -5,10 +5,10 @@
     <p:sldMasterId id="2147483687" r:id="rId1"/>
   </p:sldMasterIdLst>
   <p:notesMasterIdLst>
-    <p:notesMasterId r:id="rId16"/>
+    <p:notesMasterId r:id="rId28"/>
   </p:notesMasterIdLst>
   <p:handoutMasterIdLst>
-    <p:handoutMasterId r:id="rId17"/>
+    <p:handoutMasterId r:id="rId29"/>
   </p:handoutMasterIdLst>
   <p:sldIdLst>
     <p:sldId id="256" r:id="rId2"/>
@@ -20,11 +20,23 @@
     <p:sldId id="268" r:id="rId8"/>
     <p:sldId id="269" r:id="rId9"/>
     <p:sldId id="270" r:id="rId10"/>
-    <p:sldId id="271" r:id="rId11"/>
-    <p:sldId id="272" r:id="rId12"/>
-    <p:sldId id="273" r:id="rId13"/>
-    <p:sldId id="274" r:id="rId14"/>
-    <p:sldId id="275" r:id="rId15"/>
+    <p:sldId id="286" r:id="rId11"/>
+    <p:sldId id="287" r:id="rId12"/>
+    <p:sldId id="271" r:id="rId13"/>
+    <p:sldId id="276" r:id="rId14"/>
+    <p:sldId id="277" r:id="rId15"/>
+    <p:sldId id="278" r:id="rId16"/>
+    <p:sldId id="279" r:id="rId17"/>
+    <p:sldId id="281" r:id="rId18"/>
+    <p:sldId id="280" r:id="rId19"/>
+    <p:sldId id="282" r:id="rId20"/>
+    <p:sldId id="283" r:id="rId21"/>
+    <p:sldId id="284" r:id="rId22"/>
+    <p:sldId id="272" r:id="rId23"/>
+    <p:sldId id="285" r:id="rId24"/>
+    <p:sldId id="273" r:id="rId25"/>
+    <p:sldId id="274" r:id="rId26"/>
+    <p:sldId id="275" r:id="rId27"/>
   </p:sldIdLst>
   <p:sldSz cx="9144000" cy="6858000" type="screen4x3"/>
   <p:notesSz cx="6858000" cy="9144000"/>
@@ -245,7 +257,7 @@
                 <a:cs typeface="Arial" pitchFamily="34" charset="0"/>
               </a:rPr>
               <a:pPr/>
-              <a:t>06/05/2015</a:t>
+              <a:t>11/05/2015</a:t>
             </a:fld>
             <a:endParaRPr lang="nl-BE" sz="1000">
               <a:latin typeface="Arial" pitchFamily="34" charset="0"/>
@@ -424,7 +436,7 @@
             <a:fld id="{7AF0A2F9-EF49-41B3-9E69-7CDBDC14786A}" type="datetimeFigureOut">
               <a:rPr lang="nl-BE" smtClean="0"/>
               <a:pPr/>
-              <a:t>06/05/2015</a:t>
+              <a:t>11/05/2015</a:t>
             </a:fld>
             <a:endParaRPr lang="nl-BE"/>
           </a:p>
@@ -3895,23 +3907,87 @@
             <p:ph idx="1"/>
           </p:nvPr>
         </p:nvSpPr>
-        <p:spPr/>
+        <p:spPr>
+          <a:xfrm>
+            <a:off x="540000" y="1349999"/>
+            <a:ext cx="2303808" cy="4428000"/>
+          </a:xfrm>
+        </p:spPr>
         <p:txBody>
           <a:bodyPr/>
           <a:lstStyle/>
           <a:p>
             <a:r>
               <a:rPr lang="nl-BE" dirty="0" smtClean="0"/>
-              <a:t>Serversoftware</a:t>
-            </a:r>
-            <a:endParaRPr lang="nl-BE" dirty="0"/>
-          </a:p>
-        </p:txBody>
-      </p:sp>
+              <a:t>MVC-model</a:t>
+            </a:r>
+          </a:p>
+          <a:p>
+            <a:endParaRPr lang="nl-BE" dirty="0" smtClean="0"/>
+          </a:p>
+          <a:p>
+            <a:r>
+              <a:rPr lang="it-IT" sz="1800" dirty="0"/>
+              <a:t>Model (design)</a:t>
+            </a:r>
+          </a:p>
+          <a:p>
+            <a:r>
+              <a:rPr lang="it-IT" sz="1800" dirty="0" smtClean="0"/>
+              <a:t>View </a:t>
+            </a:r>
+            <a:r>
+              <a:rPr lang="it-IT" sz="1800" dirty="0"/>
+              <a:t>(web pagina)</a:t>
+            </a:r>
+          </a:p>
+          <a:p>
+            <a:r>
+              <a:rPr lang="it-IT" sz="1800" dirty="0" smtClean="0"/>
+              <a:t>Controller </a:t>
+            </a:r>
+            <a:r>
+              <a:rPr lang="it-IT" sz="1800" dirty="0"/>
+              <a:t>(logica)</a:t>
+            </a:r>
+            <a:endParaRPr lang="nl-BE" sz="1800" dirty="0"/>
+          </a:p>
+        </p:txBody>
+      </p:sp>
+      <p:pic>
+        <p:nvPicPr>
+          <p:cNvPr id="5" name="Afbeelding 4"/>
+          <p:cNvPicPr>
+            <a:picLocks noChangeAspect="1"/>
+          </p:cNvPicPr>
+          <p:nvPr/>
+        </p:nvPicPr>
+        <p:blipFill>
+          <a:blip r:embed="rId2">
+            <a:extLst>
+              <a:ext uri="{28A0092B-C50C-407E-A947-70E740481C1C}">
+                <a14:useLocalDpi xmlns:a14="http://schemas.microsoft.com/office/drawing/2010/main" val="0"/>
+              </a:ext>
+            </a:extLst>
+          </a:blip>
+          <a:stretch>
+            <a:fillRect/>
+          </a:stretch>
+        </p:blipFill>
+        <p:spPr>
+          <a:xfrm>
+            <a:off x="2339752" y="3429000"/>
+            <a:ext cx="5306165" cy="2429214"/>
+          </a:xfrm>
+          <a:prstGeom prst="rect">
+            <a:avLst/>
+          </a:prstGeom>
+        </p:spPr>
+      </p:pic>
     </p:spTree>
     <p:extLst>
       <p:ext uri="{BB962C8B-B14F-4D97-AF65-F5344CB8AC3E}">
-        <p14:creationId xmlns:p14="http://schemas.microsoft.com/office/powerpoint/2010/main" val="3829875349"/>
+        <p14:creationId xmlns:p14="http://schemas.microsoft.com/office/powerpoint/2010/main" val="1148191470"/>
       </p:ext>
     </p:extLst>
   </p:cSld>
@@ -4001,23 +4077,62 @@
             <p:ph idx="1"/>
           </p:nvPr>
         </p:nvSpPr>
-        <p:spPr/>
+        <p:spPr>
+          <a:xfrm>
+            <a:off x="540000" y="1349999"/>
+            <a:ext cx="3527944" cy="4428000"/>
+          </a:xfrm>
+        </p:spPr>
         <p:txBody>
           <a:bodyPr/>
           <a:lstStyle/>
           <a:p>
             <a:r>
-              <a:rPr lang="nl-BE" dirty="0" smtClean="0"/>
-              <a:t>Stuurprogramma Microcontroller</a:t>
-            </a:r>
-            <a:endParaRPr lang="nl-BE" dirty="0"/>
-          </a:p>
-        </p:txBody>
-      </p:sp>
+              <a:rPr lang="nl-BE" dirty="0"/>
+              <a:t>Application </a:t>
+            </a:r>
+            <a:r>
+              <a:rPr lang="nl-BE" dirty="0" err="1" smtClean="0"/>
+              <a:t>layout</a:t>
+            </a:r>
+            <a:endParaRPr lang="nl-BE" dirty="0" smtClean="0"/>
+          </a:p>
+        </p:txBody>
+      </p:sp>
+      <p:pic>
+        <p:nvPicPr>
+          <p:cNvPr id="6" name="Afbeelding 5"/>
+          <p:cNvPicPr>
+            <a:picLocks noChangeAspect="1"/>
+          </p:cNvPicPr>
+          <p:nvPr/>
+        </p:nvPicPr>
+        <p:blipFill>
+          <a:blip r:embed="rId2">
+            <a:extLst>
+              <a:ext uri="{28A0092B-C50C-407E-A947-70E740481C1C}">
+                <a14:useLocalDpi xmlns:a14="http://schemas.microsoft.com/office/drawing/2010/main" val="0"/>
+              </a:ext>
+            </a:extLst>
+          </a:blip>
+          <a:stretch>
+            <a:fillRect/>
+          </a:stretch>
+        </p:blipFill>
+        <p:spPr>
+          <a:xfrm>
+            <a:off x="683568" y="1340060"/>
+            <a:ext cx="7381875" cy="4772025"/>
+          </a:xfrm>
+          <a:prstGeom prst="rect">
+            <a:avLst/>
+          </a:prstGeom>
+        </p:spPr>
+      </p:pic>
     </p:spTree>
     <p:extLst>
       <p:ext uri="{BB962C8B-B14F-4D97-AF65-F5344CB8AC3E}">
-        <p14:creationId xmlns:p14="http://schemas.microsoft.com/office/powerpoint/2010/main" val="309957759"/>
+        <p14:creationId xmlns:p14="http://schemas.microsoft.com/office/powerpoint/2010/main" val="3901503873"/>
       </p:ext>
     </p:extLst>
   </p:cSld>
@@ -4067,10 +4182,9 @@
           <a:lstStyle/>
           <a:p>
             <a:r>
-              <a:rPr lang="nl-BE" dirty="0" smtClean="0"/>
-              <a:t>4. Toekomstig Werk</a:t>
-            </a:r>
-            <a:endParaRPr lang="nl-BE" dirty="0"/>
+              <a:rPr lang="nl-BE" dirty="0"/>
+              <a:t>3. Softwarebeschrijving</a:t>
+            </a:r>
           </a:p>
         </p:txBody>
       </p:sp>
@@ -4115,8 +4229,61 @@
           <a:p>
             <a:r>
               <a:rPr lang="nl-BE" dirty="0" smtClean="0"/>
-              <a:t>Beveiliging</a:t>
-            </a:r>
+              <a:t>Serversoftware - Quiz-pagina</a:t>
+            </a:r>
+          </a:p>
+          <a:p>
+            <a:pPr lvl="1"/>
+            <a:r>
+              <a:rPr lang="nl-BE" sz="1800" dirty="0"/>
+              <a:t>Vragen uit het actieve examen</a:t>
+            </a:r>
+          </a:p>
+          <a:p>
+            <a:pPr lvl="1"/>
+            <a:endParaRPr lang="nl-BE" sz="1800" dirty="0"/>
+          </a:p>
+          <a:p>
+            <a:pPr lvl="1"/>
+            <a:r>
+              <a:rPr lang="nl-BE" sz="1800" dirty="0"/>
+              <a:t>Antwoorden in willekeurige volgorde</a:t>
+            </a:r>
+          </a:p>
+          <a:p>
+            <a:pPr lvl="1"/>
+            <a:endParaRPr lang="nl-BE" sz="1800" dirty="0"/>
+          </a:p>
+          <a:p>
+            <a:pPr lvl="1"/>
+            <a:r>
+              <a:rPr lang="nl-BE" sz="1800" dirty="0"/>
+              <a:t>Timer van 60 s om te antwoorden</a:t>
+            </a:r>
+          </a:p>
+          <a:p>
+            <a:pPr lvl="1"/>
+            <a:endParaRPr lang="nl-BE" sz="1800" dirty="0"/>
+          </a:p>
+          <a:p>
+            <a:pPr lvl="1"/>
+            <a:r>
+              <a:rPr lang="nl-BE" sz="1800" dirty="0"/>
+              <a:t>Afbeelding bij elke vraag is optioneel</a:t>
+            </a:r>
+          </a:p>
+          <a:p>
+            <a:pPr lvl="1"/>
+            <a:endParaRPr lang="nl-BE" sz="1800" dirty="0"/>
+          </a:p>
+          <a:p>
+            <a:pPr lvl="1"/>
+            <a:r>
+              <a:rPr lang="nl-BE" sz="1800" dirty="0"/>
+              <a:t>Afbeelding op scherm en led-matrix</a:t>
+            </a:r>
+          </a:p>
+          <a:p>
             <a:endParaRPr lang="nl-BE" dirty="0"/>
           </a:p>
         </p:txBody>
@@ -4124,7 +4291,7 @@
     </p:spTree>
     <p:extLst>
       <p:ext uri="{BB962C8B-B14F-4D97-AF65-F5344CB8AC3E}">
-        <p14:creationId xmlns:p14="http://schemas.microsoft.com/office/powerpoint/2010/main" val="3825730000"/>
+        <p14:creationId xmlns:p14="http://schemas.microsoft.com/office/powerpoint/2010/main" val="3829875349"/>
       </p:ext>
     </p:extLst>
   </p:cSld>
@@ -4175,7 +4342,7 @@
           <a:p>
             <a:r>
               <a:rPr lang="nl-BE" dirty="0"/>
-              <a:t>4. Toekomstig Werk</a:t>
+              <a:t>3. Softwarebeschrijving</a:t>
             </a:r>
           </a:p>
         </p:txBody>
@@ -4199,6 +4366,6959 @@
               <a:rPr lang="nl-BE" smtClean="0"/>
               <a:pPr/>
               <a:t>13</a:t>
+            </a:fld>
+            <a:endParaRPr lang="nl-BE" dirty="0"/>
+          </a:p>
+        </p:txBody>
+      </p:sp>
+      <p:sp>
+        <p:nvSpPr>
+          <p:cNvPr id="4" name="Tijdelijke aanduiding voor inhoud 3"/>
+          <p:cNvSpPr>
+            <a:spLocks noGrp="1"/>
+          </p:cNvSpPr>
+          <p:nvPr>
+            <p:ph idx="1"/>
+          </p:nvPr>
+        </p:nvSpPr>
+        <p:spPr/>
+        <p:txBody>
+          <a:bodyPr/>
+          <a:lstStyle/>
+          <a:p>
+            <a:r>
+              <a:rPr lang="nl-BE" dirty="0"/>
+              <a:t>Overzicht </a:t>
+            </a:r>
+            <a:r>
+              <a:rPr lang="nl-BE" dirty="0" smtClean="0"/>
+              <a:t>Quiz-pagina</a:t>
+            </a:r>
+          </a:p>
+          <a:p>
+            <a:endParaRPr lang="nl-BE" dirty="0"/>
+          </a:p>
+        </p:txBody>
+      </p:sp>
+      <p:pic>
+        <p:nvPicPr>
+          <p:cNvPr id="5" name="Afbeelding 4"/>
+          <p:cNvPicPr>
+            <a:picLocks noChangeAspect="1"/>
+          </p:cNvPicPr>
+          <p:nvPr/>
+        </p:nvPicPr>
+        <p:blipFill>
+          <a:blip r:embed="rId2">
+            <a:lum bright="-50000"/>
+            <a:alphaModFix/>
+          </a:blip>
+          <a:srcRect/>
+          <a:stretch>
+            <a:fillRect/>
+          </a:stretch>
+        </p:blipFill>
+        <p:spPr>
+          <a:xfrm>
+            <a:off x="827584" y="1772816"/>
+            <a:ext cx="2887920" cy="4427640"/>
+          </a:xfrm>
+          <a:prstGeom prst="rect">
+            <a:avLst/>
+          </a:prstGeom>
+          <a:noFill/>
+          <a:ln>
+            <a:noFill/>
+          </a:ln>
+        </p:spPr>
+      </p:pic>
+      <p:pic>
+        <p:nvPicPr>
+          <p:cNvPr id="6" name="Afbeelding 5"/>
+          <p:cNvPicPr>
+            <a:picLocks noChangeAspect="1"/>
+          </p:cNvPicPr>
+          <p:nvPr/>
+        </p:nvPicPr>
+        <p:blipFill>
+          <a:blip r:embed="rId3">
+            <a:lum bright="-50000"/>
+            <a:alphaModFix/>
+          </a:blip>
+          <a:srcRect/>
+          <a:stretch>
+            <a:fillRect/>
+          </a:stretch>
+        </p:blipFill>
+        <p:spPr>
+          <a:xfrm>
+            <a:off x="4953544" y="1772816"/>
+            <a:ext cx="3176640" cy="4427640"/>
+          </a:xfrm>
+          <a:prstGeom prst="rect">
+            <a:avLst/>
+          </a:prstGeom>
+          <a:noFill/>
+          <a:ln>
+            <a:noFill/>
+          </a:ln>
+        </p:spPr>
+      </p:pic>
+    </p:spTree>
+    <p:extLst>
+      <p:ext uri="{BB962C8B-B14F-4D97-AF65-F5344CB8AC3E}">
+        <p14:creationId xmlns:p14="http://schemas.microsoft.com/office/powerpoint/2010/main" val="914109409"/>
+      </p:ext>
+    </p:extLst>
+  </p:cSld>
+  <p:clrMapOvr>
+    <a:masterClrMapping/>
+  </p:clrMapOvr>
+</p:sld>
+</file>
+
+<file path=ppt/slides/slide14.xml><?xml version="1.0" encoding="utf-8"?>
+<p:sld xmlns:a="http://schemas.openxmlformats.org/drawingml/2006/main" xmlns:r="http://schemas.openxmlformats.org/officeDocument/2006/relationships" xmlns:p="http://schemas.openxmlformats.org/presentationml/2006/main">
+  <p:cSld>
+    <p:spTree>
+      <p:nvGrpSpPr>
+        <p:cNvPr id="1" name=""/>
+        <p:cNvGrpSpPr/>
+        <p:nvPr/>
+      </p:nvGrpSpPr>
+      <p:grpSpPr>
+        <a:xfrm>
+          <a:off x="0" y="0"/>
+          <a:ext cx="0" cy="0"/>
+          <a:chOff x="0" y="0"/>
+          <a:chExt cx="0" cy="0"/>
+        </a:xfrm>
+      </p:grpSpPr>
+      <p:sp>
+        <p:nvSpPr>
+          <p:cNvPr id="2" name="Titel 1"/>
+          <p:cNvSpPr>
+            <a:spLocks noGrp="1"/>
+          </p:cNvSpPr>
+          <p:nvPr>
+            <p:ph type="title"/>
+          </p:nvPr>
+        </p:nvSpPr>
+        <p:spPr/>
+        <p:txBody>
+          <a:bodyPr/>
+          <a:lstStyle/>
+          <a:p>
+            <a:r>
+              <a:rPr lang="nl-BE" dirty="0"/>
+              <a:t>3. Softwarebeschrijving</a:t>
+            </a:r>
+          </a:p>
+        </p:txBody>
+      </p:sp>
+      <p:sp>
+        <p:nvSpPr>
+          <p:cNvPr id="3" name="Tijdelijke aanduiding voor dianummer 2"/>
+          <p:cNvSpPr>
+            <a:spLocks noGrp="1"/>
+          </p:cNvSpPr>
+          <p:nvPr>
+            <p:ph type="sldNum" sz="quarter" idx="12"/>
+          </p:nvPr>
+        </p:nvSpPr>
+        <p:spPr/>
+        <p:txBody>
+          <a:bodyPr/>
+          <a:lstStyle/>
+          <a:p>
+            <a:fld id="{F35D8031-C8E5-48F8-A3B6-81643B27A3AF}" type="slidenum">
+              <a:rPr lang="nl-BE" smtClean="0"/>
+              <a:pPr/>
+              <a:t>14</a:t>
+            </a:fld>
+            <a:endParaRPr lang="nl-BE" dirty="0"/>
+          </a:p>
+        </p:txBody>
+      </p:sp>
+      <p:sp>
+        <p:nvSpPr>
+          <p:cNvPr id="4" name="Tijdelijke aanduiding voor inhoud 3"/>
+          <p:cNvSpPr>
+            <a:spLocks noGrp="1"/>
+          </p:cNvSpPr>
+          <p:nvPr>
+            <p:ph idx="1"/>
+          </p:nvPr>
+        </p:nvSpPr>
+        <p:spPr/>
+        <p:txBody>
+          <a:bodyPr/>
+          <a:lstStyle/>
+          <a:p>
+            <a:r>
+              <a:rPr lang="pt-BR" dirty="0"/>
+              <a:t>Data &amp; </a:t>
+            </a:r>
+            <a:r>
+              <a:rPr lang="pt-BR" dirty="0" smtClean="0"/>
+              <a:t>Cookies </a:t>
+            </a:r>
+            <a:r>
+              <a:rPr lang="pt-BR" dirty="0"/>
+              <a:t>in de </a:t>
+            </a:r>
+            <a:r>
+              <a:rPr lang="pt-BR" dirty="0" smtClean="0"/>
+              <a:t>Quiz-pagina</a:t>
+            </a:r>
+          </a:p>
+          <a:p>
+            <a:pPr marL="0" indent="0">
+              <a:buNone/>
+            </a:pPr>
+            <a:endParaRPr lang="pt-BR" dirty="0" smtClean="0"/>
+          </a:p>
+          <a:p>
+            <a:pPr lvl="0">
+              <a:lnSpc>
+                <a:spcPct val="100000"/>
+              </a:lnSpc>
+              <a:spcBef>
+                <a:spcPts val="0"/>
+              </a:spcBef>
+              <a:spcAft>
+                <a:spcPts val="1417"/>
+              </a:spcAft>
+              <a:buNone/>
+            </a:pPr>
+            <a:r>
+              <a:rPr lang="nl-BE" sz="1800" dirty="0">
+                <a:latin typeface="Arial" pitchFamily="34"/>
+                <a:ea typeface="Microsoft YaHei" pitchFamily="2"/>
+                <a:cs typeface="Arial" pitchFamily="34"/>
+              </a:rPr>
+              <a:t>Eerste keer laden:</a:t>
+            </a:r>
+          </a:p>
+          <a:p>
+            <a:pPr lvl="0">
+              <a:lnSpc>
+                <a:spcPct val="100000"/>
+              </a:lnSpc>
+              <a:spcBef>
+                <a:spcPts val="0"/>
+              </a:spcBef>
+              <a:spcAft>
+                <a:spcPts val="1417"/>
+              </a:spcAft>
+              <a:buSzPct val="45000"/>
+              <a:buFont typeface="StarSymbol"/>
+              <a:buChar char="●"/>
+            </a:pPr>
+            <a:r>
+              <a:rPr lang="nl-BE" sz="1800" dirty="0">
+                <a:latin typeface="Arial" pitchFamily="34"/>
+                <a:ea typeface="Microsoft YaHei" pitchFamily="2"/>
+                <a:cs typeface="Arial" pitchFamily="34"/>
+              </a:rPr>
+              <a:t>Actief examen &amp; bijhorende vragenlijst van server halen</a:t>
+            </a:r>
+          </a:p>
+          <a:p>
+            <a:pPr lvl="0">
+              <a:lnSpc>
+                <a:spcPct val="100000"/>
+              </a:lnSpc>
+              <a:spcBef>
+                <a:spcPts val="0"/>
+              </a:spcBef>
+              <a:spcAft>
+                <a:spcPts val="1417"/>
+              </a:spcAft>
+              <a:buSzPct val="45000"/>
+              <a:buFont typeface="StarSymbol"/>
+              <a:buChar char="●"/>
+            </a:pPr>
+            <a:r>
+              <a:rPr lang="nl-BE" sz="1800" dirty="0">
+                <a:latin typeface="Arial" pitchFamily="34"/>
+                <a:ea typeface="Microsoft YaHei" pitchFamily="2"/>
+                <a:cs typeface="Arial" pitchFamily="34"/>
+              </a:rPr>
+              <a:t>E-mail uit registratie onthouden</a:t>
+            </a:r>
+          </a:p>
+          <a:p>
+            <a:pPr lvl="0">
+              <a:lnSpc>
+                <a:spcPct val="100000"/>
+              </a:lnSpc>
+              <a:spcBef>
+                <a:spcPts val="0"/>
+              </a:spcBef>
+              <a:spcAft>
+                <a:spcPts val="1417"/>
+              </a:spcAft>
+              <a:buSzPct val="45000"/>
+              <a:buFont typeface="StarSymbol"/>
+              <a:buChar char="●"/>
+            </a:pPr>
+            <a:r>
+              <a:rPr lang="nl-BE" sz="1800" dirty="0">
+                <a:latin typeface="Arial" pitchFamily="34"/>
+                <a:ea typeface="Microsoft YaHei" pitchFamily="2"/>
+                <a:cs typeface="Arial" pitchFamily="34"/>
+              </a:rPr>
+              <a:t>Index vragen op 0 zetten</a:t>
+            </a:r>
+          </a:p>
+          <a:p>
+            <a:pPr lvl="0">
+              <a:lnSpc>
+                <a:spcPct val="100000"/>
+              </a:lnSpc>
+              <a:spcBef>
+                <a:spcPts val="0"/>
+              </a:spcBef>
+              <a:spcAft>
+                <a:spcPts val="1417"/>
+              </a:spcAft>
+              <a:buNone/>
+            </a:pPr>
+            <a:endParaRPr lang="nl-BE" sz="1800" dirty="0">
+              <a:latin typeface="Arial" pitchFamily="34"/>
+              <a:ea typeface="Microsoft YaHei" pitchFamily="2"/>
+              <a:cs typeface="Arial" pitchFamily="34"/>
+            </a:endParaRPr>
+          </a:p>
+          <a:p>
+            <a:pPr lvl="0">
+              <a:lnSpc>
+                <a:spcPct val="100000"/>
+              </a:lnSpc>
+              <a:spcBef>
+                <a:spcPts val="0"/>
+              </a:spcBef>
+              <a:spcAft>
+                <a:spcPts val="1417"/>
+              </a:spcAft>
+              <a:buNone/>
+            </a:pPr>
+            <a:r>
+              <a:rPr lang="nl-BE" sz="1800" dirty="0">
+                <a:latin typeface="Arial" pitchFamily="34"/>
+                <a:ea typeface="Microsoft YaHei" pitchFamily="2"/>
+                <a:cs typeface="Arial" pitchFamily="34"/>
+              </a:rPr>
+              <a:t>Als cookies al bestaan:</a:t>
+            </a:r>
+          </a:p>
+          <a:p>
+            <a:pPr lvl="0">
+              <a:lnSpc>
+                <a:spcPct val="100000"/>
+              </a:lnSpc>
+              <a:spcBef>
+                <a:spcPts val="0"/>
+              </a:spcBef>
+              <a:spcAft>
+                <a:spcPts val="1417"/>
+              </a:spcAft>
+              <a:buSzPct val="45000"/>
+              <a:buFont typeface="StarSymbol"/>
+              <a:buChar char="●"/>
+            </a:pPr>
+            <a:r>
+              <a:rPr lang="nl-BE" sz="1800" dirty="0">
+                <a:latin typeface="Arial" pitchFamily="34"/>
+                <a:ea typeface="Microsoft YaHei" pitchFamily="2"/>
+                <a:cs typeface="Arial" pitchFamily="34"/>
+              </a:rPr>
+              <a:t>Index vragen + 1</a:t>
+            </a:r>
+          </a:p>
+          <a:p>
+            <a:endParaRPr lang="nl-BE" dirty="0"/>
+          </a:p>
+        </p:txBody>
+      </p:sp>
+    </p:spTree>
+    <p:extLst>
+      <p:ext uri="{BB962C8B-B14F-4D97-AF65-F5344CB8AC3E}">
+        <p14:creationId xmlns:p14="http://schemas.microsoft.com/office/powerpoint/2010/main" val="2096748108"/>
+      </p:ext>
+    </p:extLst>
+  </p:cSld>
+  <p:clrMapOvr>
+    <a:masterClrMapping/>
+  </p:clrMapOvr>
+</p:sld>
+</file>
+
+<file path=ppt/slides/slide15.xml><?xml version="1.0" encoding="utf-8"?>
+<p:sld xmlns:a="http://schemas.openxmlformats.org/drawingml/2006/main" xmlns:r="http://schemas.openxmlformats.org/officeDocument/2006/relationships" xmlns:p="http://schemas.openxmlformats.org/presentationml/2006/main">
+  <p:cSld>
+    <p:spTree>
+      <p:nvGrpSpPr>
+        <p:cNvPr id="1" name=""/>
+        <p:cNvGrpSpPr/>
+        <p:nvPr/>
+      </p:nvGrpSpPr>
+      <p:grpSpPr>
+        <a:xfrm>
+          <a:off x="0" y="0"/>
+          <a:ext cx="0" cy="0"/>
+          <a:chOff x="0" y="0"/>
+          <a:chExt cx="0" cy="0"/>
+        </a:xfrm>
+      </p:grpSpPr>
+      <p:sp>
+        <p:nvSpPr>
+          <p:cNvPr id="2" name="Titel 1"/>
+          <p:cNvSpPr>
+            <a:spLocks noGrp="1"/>
+          </p:cNvSpPr>
+          <p:nvPr>
+            <p:ph type="title"/>
+          </p:nvPr>
+        </p:nvSpPr>
+        <p:spPr/>
+        <p:txBody>
+          <a:bodyPr/>
+          <a:lstStyle/>
+          <a:p>
+            <a:r>
+              <a:rPr lang="nl-BE" dirty="0"/>
+              <a:t>3. Softwarebeschrijving</a:t>
+            </a:r>
+          </a:p>
+        </p:txBody>
+      </p:sp>
+      <p:sp>
+        <p:nvSpPr>
+          <p:cNvPr id="3" name="Tijdelijke aanduiding voor dianummer 2"/>
+          <p:cNvSpPr>
+            <a:spLocks noGrp="1"/>
+          </p:cNvSpPr>
+          <p:nvPr>
+            <p:ph type="sldNum" sz="quarter" idx="12"/>
+          </p:nvPr>
+        </p:nvSpPr>
+        <p:spPr/>
+        <p:txBody>
+          <a:bodyPr/>
+          <a:lstStyle/>
+          <a:p>
+            <a:fld id="{F35D8031-C8E5-48F8-A3B6-81643B27A3AF}" type="slidenum">
+              <a:rPr lang="nl-BE" smtClean="0"/>
+              <a:pPr/>
+              <a:t>15</a:t>
+            </a:fld>
+            <a:endParaRPr lang="nl-BE" dirty="0"/>
+          </a:p>
+        </p:txBody>
+      </p:sp>
+      <p:sp>
+        <p:nvSpPr>
+          <p:cNvPr id="4" name="Tijdelijke aanduiding voor inhoud 3"/>
+          <p:cNvSpPr>
+            <a:spLocks noGrp="1"/>
+          </p:cNvSpPr>
+          <p:nvPr>
+            <p:ph idx="1"/>
+          </p:nvPr>
+        </p:nvSpPr>
+        <p:spPr/>
+        <p:txBody>
+          <a:bodyPr/>
+          <a:lstStyle/>
+          <a:p>
+            <a:r>
+              <a:rPr lang="nl-BE" dirty="0"/>
+              <a:t>Inladen van de vraag – Ajax </a:t>
+            </a:r>
+            <a:r>
+              <a:rPr lang="nl-BE" dirty="0" smtClean="0"/>
+              <a:t>call</a:t>
+            </a:r>
+          </a:p>
+          <a:p>
+            <a:pPr marL="0" indent="0">
+              <a:buNone/>
+            </a:pPr>
+            <a:endParaRPr lang="nl-BE" dirty="0" smtClean="0"/>
+          </a:p>
+          <a:p>
+            <a:pPr marL="0" indent="0">
+              <a:buNone/>
+            </a:pPr>
+            <a:endParaRPr lang="nl-BE" dirty="0"/>
+          </a:p>
+        </p:txBody>
+      </p:sp>
+      <p:pic>
+        <p:nvPicPr>
+          <p:cNvPr id="5" name="Afbeelding 4"/>
+          <p:cNvPicPr>
+            <a:picLocks noChangeAspect="1"/>
+          </p:cNvPicPr>
+          <p:nvPr/>
+        </p:nvPicPr>
+        <p:blipFill>
+          <a:blip r:embed="rId2"/>
+          <a:stretch>
+            <a:fillRect/>
+          </a:stretch>
+        </p:blipFill>
+        <p:spPr>
+          <a:xfrm>
+            <a:off x="755576" y="1772816"/>
+            <a:ext cx="6225819" cy="3807569"/>
+          </a:xfrm>
+          <a:prstGeom prst="rect">
+            <a:avLst/>
+          </a:prstGeom>
+        </p:spPr>
+      </p:pic>
+    </p:spTree>
+    <p:extLst>
+      <p:ext uri="{BB962C8B-B14F-4D97-AF65-F5344CB8AC3E}">
+        <p14:creationId xmlns:p14="http://schemas.microsoft.com/office/powerpoint/2010/main" val="3631496064"/>
+      </p:ext>
+    </p:extLst>
+  </p:cSld>
+  <p:clrMapOvr>
+    <a:masterClrMapping/>
+  </p:clrMapOvr>
+</p:sld>
+</file>
+
+<file path=ppt/slides/slide16.xml><?xml version="1.0" encoding="utf-8"?>
+<p:sld xmlns:a="http://schemas.openxmlformats.org/drawingml/2006/main" xmlns:r="http://schemas.openxmlformats.org/officeDocument/2006/relationships" xmlns:p="http://schemas.openxmlformats.org/presentationml/2006/main">
+  <p:cSld>
+    <p:spTree>
+      <p:nvGrpSpPr>
+        <p:cNvPr id="1" name=""/>
+        <p:cNvGrpSpPr/>
+        <p:nvPr/>
+      </p:nvGrpSpPr>
+      <p:grpSpPr>
+        <a:xfrm>
+          <a:off x="0" y="0"/>
+          <a:ext cx="0" cy="0"/>
+          <a:chOff x="0" y="0"/>
+          <a:chExt cx="0" cy="0"/>
+        </a:xfrm>
+      </p:grpSpPr>
+      <p:sp>
+        <p:nvSpPr>
+          <p:cNvPr id="2" name="Titel 1"/>
+          <p:cNvSpPr>
+            <a:spLocks noGrp="1"/>
+          </p:cNvSpPr>
+          <p:nvPr>
+            <p:ph type="title"/>
+          </p:nvPr>
+        </p:nvSpPr>
+        <p:spPr/>
+        <p:txBody>
+          <a:bodyPr/>
+          <a:lstStyle/>
+          <a:p>
+            <a:r>
+              <a:rPr lang="nl-BE" dirty="0"/>
+              <a:t>3. Softwarebeschrijving</a:t>
+            </a:r>
+          </a:p>
+        </p:txBody>
+      </p:sp>
+      <p:sp>
+        <p:nvSpPr>
+          <p:cNvPr id="3" name="Tijdelijke aanduiding voor dianummer 2"/>
+          <p:cNvSpPr>
+            <a:spLocks noGrp="1"/>
+          </p:cNvSpPr>
+          <p:nvPr>
+            <p:ph type="sldNum" sz="quarter" idx="12"/>
+          </p:nvPr>
+        </p:nvSpPr>
+        <p:spPr/>
+        <p:txBody>
+          <a:bodyPr/>
+          <a:lstStyle/>
+          <a:p>
+            <a:fld id="{F35D8031-C8E5-48F8-A3B6-81643B27A3AF}" type="slidenum">
+              <a:rPr lang="nl-BE" smtClean="0"/>
+              <a:pPr/>
+              <a:t>16</a:t>
+            </a:fld>
+            <a:endParaRPr lang="nl-BE" dirty="0"/>
+          </a:p>
+        </p:txBody>
+      </p:sp>
+      <p:sp>
+        <p:nvSpPr>
+          <p:cNvPr id="4" name="Tijdelijke aanduiding voor inhoud 3"/>
+          <p:cNvSpPr>
+            <a:spLocks noGrp="1"/>
+          </p:cNvSpPr>
+          <p:nvPr>
+            <p:ph idx="1"/>
+          </p:nvPr>
+        </p:nvSpPr>
+        <p:spPr>
+          <a:xfrm>
+            <a:off x="540000" y="1349999"/>
+            <a:ext cx="3743968" cy="4428000"/>
+          </a:xfrm>
+        </p:spPr>
+        <p:txBody>
+          <a:bodyPr/>
+          <a:lstStyle/>
+          <a:p>
+            <a:r>
+              <a:rPr lang="nl-BE" dirty="0"/>
+              <a:t>Overzicht </a:t>
+            </a:r>
+            <a:r>
+              <a:rPr lang="nl-BE" dirty="0" err="1" smtClean="0"/>
+              <a:t>getQuestion</a:t>
+            </a:r>
+            <a:endParaRPr lang="nl-BE" dirty="0" smtClean="0"/>
+          </a:p>
+          <a:p>
+            <a:endParaRPr lang="nl-BE" dirty="0" smtClean="0"/>
+          </a:p>
+          <a:p>
+            <a:pPr marL="0" indent="0">
+              <a:buNone/>
+            </a:pPr>
+            <a:r>
+              <a:rPr lang="nl-BE" sz="1800" dirty="0"/>
+              <a:t>ID van de vraag was meegegeven in POST</a:t>
+            </a:r>
+          </a:p>
+          <a:p>
+            <a:pPr marL="0" indent="0">
+              <a:buNone/>
+            </a:pPr>
+            <a:endParaRPr lang="nl-BE" sz="1800" dirty="0"/>
+          </a:p>
+          <a:p>
+            <a:pPr marL="0" indent="0">
+              <a:buNone/>
+            </a:pPr>
+            <a:r>
+              <a:rPr lang="nl-BE" sz="1800" dirty="0"/>
+              <a:t>Eerste SELECT geeft 0 resultaten zonder afbeeldingen</a:t>
+            </a:r>
+          </a:p>
+          <a:p>
+            <a:pPr marL="0" indent="0">
+              <a:buNone/>
+            </a:pPr>
+            <a:endParaRPr lang="nl-BE" sz="1800" dirty="0"/>
+          </a:p>
+          <a:p>
+            <a:pPr marL="0" indent="0">
+              <a:buNone/>
+            </a:pPr>
+            <a:r>
+              <a:rPr lang="nl-BE" sz="1800" dirty="0"/>
+              <a:t>RGB-waarde van elke pixel wordt omgezet naar byte-formaat</a:t>
+            </a:r>
+          </a:p>
+          <a:p>
+            <a:pPr marL="0" indent="0">
+              <a:buNone/>
+            </a:pPr>
+            <a:endParaRPr lang="nl-BE" dirty="0"/>
+          </a:p>
+        </p:txBody>
+      </p:sp>
+      <p:pic>
+        <p:nvPicPr>
+          <p:cNvPr id="6" name="Afbeelding 5"/>
+          <p:cNvPicPr>
+            <a:picLocks noChangeAspect="1"/>
+          </p:cNvPicPr>
+          <p:nvPr/>
+        </p:nvPicPr>
+        <p:blipFill>
+          <a:blip r:embed="rId2">
+            <a:lum bright="-50000"/>
+            <a:alphaModFix/>
+          </a:blip>
+          <a:srcRect/>
+          <a:stretch>
+            <a:fillRect/>
+          </a:stretch>
+        </p:blipFill>
+        <p:spPr>
+          <a:xfrm>
+            <a:off x="5263920" y="1349640"/>
+            <a:ext cx="3159000" cy="4427640"/>
+          </a:xfrm>
+          <a:prstGeom prst="rect">
+            <a:avLst/>
+          </a:prstGeom>
+          <a:noFill/>
+          <a:ln>
+            <a:noFill/>
+          </a:ln>
+        </p:spPr>
+      </p:pic>
+    </p:spTree>
+    <p:extLst>
+      <p:ext uri="{BB962C8B-B14F-4D97-AF65-F5344CB8AC3E}">
+        <p14:creationId xmlns:p14="http://schemas.microsoft.com/office/powerpoint/2010/main" val="2207726471"/>
+      </p:ext>
+    </p:extLst>
+  </p:cSld>
+  <p:clrMapOvr>
+    <a:masterClrMapping/>
+  </p:clrMapOvr>
+</p:sld>
+</file>
+
+<file path=ppt/slides/slide17.xml><?xml version="1.0" encoding="utf-8"?>
+<p:sld xmlns:a="http://schemas.openxmlformats.org/drawingml/2006/main" xmlns:r="http://schemas.openxmlformats.org/officeDocument/2006/relationships" xmlns:p="http://schemas.openxmlformats.org/presentationml/2006/main">
+  <p:cSld>
+    <p:spTree>
+      <p:nvGrpSpPr>
+        <p:cNvPr id="1" name=""/>
+        <p:cNvGrpSpPr/>
+        <p:nvPr/>
+      </p:nvGrpSpPr>
+      <p:grpSpPr>
+        <a:xfrm>
+          <a:off x="0" y="0"/>
+          <a:ext cx="0" cy="0"/>
+          <a:chOff x="0" y="0"/>
+          <a:chExt cx="0" cy="0"/>
+        </a:xfrm>
+      </p:grpSpPr>
+      <p:sp>
+        <p:nvSpPr>
+          <p:cNvPr id="2" name="Titel 1"/>
+          <p:cNvSpPr>
+            <a:spLocks noGrp="1"/>
+          </p:cNvSpPr>
+          <p:nvPr>
+            <p:ph type="title"/>
+          </p:nvPr>
+        </p:nvSpPr>
+        <p:spPr/>
+        <p:txBody>
+          <a:bodyPr/>
+          <a:lstStyle/>
+          <a:p>
+            <a:r>
+              <a:rPr lang="nl-BE" dirty="0"/>
+              <a:t>3. Softwarebeschrijving</a:t>
+            </a:r>
+          </a:p>
+        </p:txBody>
+      </p:sp>
+      <p:sp>
+        <p:nvSpPr>
+          <p:cNvPr id="3" name="Tijdelijke aanduiding voor dianummer 2"/>
+          <p:cNvSpPr>
+            <a:spLocks noGrp="1"/>
+          </p:cNvSpPr>
+          <p:nvPr>
+            <p:ph type="sldNum" sz="quarter" idx="12"/>
+          </p:nvPr>
+        </p:nvSpPr>
+        <p:spPr/>
+        <p:txBody>
+          <a:bodyPr/>
+          <a:lstStyle/>
+          <a:p>
+            <a:fld id="{F35D8031-C8E5-48F8-A3B6-81643B27A3AF}" type="slidenum">
+              <a:rPr lang="nl-BE" smtClean="0"/>
+              <a:pPr/>
+              <a:t>17</a:t>
+            </a:fld>
+            <a:endParaRPr lang="nl-BE" dirty="0"/>
+          </a:p>
+        </p:txBody>
+      </p:sp>
+      <p:sp>
+        <p:nvSpPr>
+          <p:cNvPr id="4" name="Tijdelijke aanduiding voor inhoud 3"/>
+          <p:cNvSpPr>
+            <a:spLocks noGrp="1"/>
+          </p:cNvSpPr>
+          <p:nvPr>
+            <p:ph idx="1"/>
+          </p:nvPr>
+        </p:nvSpPr>
+        <p:spPr>
+          <a:xfrm>
+            <a:off x="540000" y="1349999"/>
+            <a:ext cx="3743968" cy="4428000"/>
+          </a:xfrm>
+        </p:spPr>
+        <p:txBody>
+          <a:bodyPr/>
+          <a:lstStyle/>
+          <a:p>
+            <a:r>
+              <a:rPr lang="nl-BE" dirty="0"/>
+              <a:t>60 s – </a:t>
+            </a:r>
+            <a:r>
+              <a:rPr lang="nl-BE" dirty="0" smtClean="0"/>
+              <a:t>timer</a:t>
+            </a:r>
+          </a:p>
+          <a:p>
+            <a:endParaRPr lang="nl-BE" dirty="0" smtClean="0"/>
+          </a:p>
+          <a:p>
+            <a:pPr marL="0" indent="0">
+              <a:buNone/>
+            </a:pPr>
+            <a:r>
+              <a:rPr lang="nl-BE" sz="1800" dirty="0"/>
+              <a:t>Client-side timer in javascript</a:t>
+            </a:r>
+          </a:p>
+          <a:p>
+            <a:pPr marL="0" indent="0">
+              <a:buNone/>
+            </a:pPr>
+            <a:endParaRPr lang="nl-BE" sz="1800" dirty="0"/>
+          </a:p>
+          <a:p>
+            <a:pPr marL="0" indent="0">
+              <a:buNone/>
+            </a:pPr>
+            <a:r>
+              <a:rPr lang="nl-BE" sz="1800" dirty="0"/>
+              <a:t>Iedere seconde wordt functie uitgevoerd</a:t>
+            </a:r>
+          </a:p>
+          <a:p>
+            <a:pPr marL="0" indent="0">
+              <a:buNone/>
+            </a:pPr>
+            <a:endParaRPr lang="nl-BE" sz="1800" dirty="0"/>
+          </a:p>
+          <a:p>
+            <a:pPr marL="0" indent="0">
+              <a:buNone/>
+            </a:pPr>
+            <a:r>
+              <a:rPr lang="nl-BE" sz="1800" dirty="0"/>
+              <a:t>Als de teller 0 bereikt, wordt de vraag automatisch ingediend</a:t>
+            </a:r>
+          </a:p>
+        </p:txBody>
+      </p:sp>
+      <p:sp>
+        <p:nvSpPr>
+          <p:cNvPr id="7" name="Tijdelijke aanduiding voor tekst 3"/>
+          <p:cNvSpPr txBox="1">
+            <a:spLocks/>
+          </p:cNvSpPr>
+          <p:nvPr/>
+        </p:nvSpPr>
+        <p:spPr>
+          <a:xfrm>
+            <a:off x="4810320" y="1350000"/>
+            <a:ext cx="4066560" cy="4427640"/>
+          </a:xfrm>
+          <a:prstGeom prst="rect">
+            <a:avLst/>
+          </a:prstGeom>
+          <a:noFill/>
+          <a:ln>
+            <a:noFill/>
+          </a:ln>
+        </p:spPr>
+        <p:txBody>
+          <a:bodyPr vert="horz" lIns="0" tIns="0" rIns="0" bIns="0" rtlCol="0">
+            <a:noAutofit/>
+          </a:bodyPr>
+          <a:lstStyle>
+            <a:lvl1pPr marL="360000" indent="-360000" algn="l" defTabSz="914400" rtl="0" eaLnBrk="1" latinLnBrk="0" hangingPunct="1">
+              <a:spcBef>
+                <a:spcPts val="580"/>
+              </a:spcBef>
+              <a:buSzPct val="110000"/>
+              <a:buFont typeface="Arial" pitchFamily="34" charset="0"/>
+              <a:buChar char="•"/>
+              <a:defRPr sz="2400" kern="1200">
+                <a:solidFill>
+                  <a:srgbClr val="00407A"/>
+                </a:solidFill>
+                <a:latin typeface="Arial" pitchFamily="34" charset="0"/>
+                <a:ea typeface="+mn-ea"/>
+                <a:cs typeface="Arial" pitchFamily="34" charset="0"/>
+              </a:defRPr>
+            </a:lvl1pPr>
+            <a:lvl2pPr marL="720000" indent="-360363" algn="l" defTabSz="914400" rtl="0" eaLnBrk="1" latinLnBrk="0" hangingPunct="1">
+              <a:spcBef>
+                <a:spcPts val="580"/>
+              </a:spcBef>
+              <a:buSzPct val="75000"/>
+              <a:buFont typeface="Courier New" pitchFamily="49" charset="0"/>
+              <a:buChar char="o"/>
+              <a:defRPr sz="2400" kern="1200">
+                <a:solidFill>
+                  <a:srgbClr val="00407A"/>
+                </a:solidFill>
+                <a:latin typeface="Arial" pitchFamily="34" charset="0"/>
+                <a:ea typeface="+mn-ea"/>
+                <a:cs typeface="Arial" pitchFamily="34" charset="0"/>
+              </a:defRPr>
+            </a:lvl2pPr>
+            <a:lvl3pPr marL="990000" indent="-270000" algn="l" defTabSz="914400" rtl="0" eaLnBrk="1" latinLnBrk="0" hangingPunct="1">
+              <a:spcBef>
+                <a:spcPct val="20000"/>
+              </a:spcBef>
+              <a:buFont typeface="Arial" pitchFamily="34" charset="0"/>
+              <a:buChar char="•"/>
+              <a:defRPr sz="2000" kern="1200">
+                <a:solidFill>
+                  <a:srgbClr val="00407A"/>
+                </a:solidFill>
+                <a:latin typeface="Arial" pitchFamily="34" charset="0"/>
+                <a:ea typeface="+mn-ea"/>
+                <a:cs typeface="Arial" pitchFamily="34" charset="0"/>
+              </a:defRPr>
+            </a:lvl3pPr>
+            <a:lvl4pPr marL="1168400" indent="-180000" algn="l" defTabSz="914400" rtl="0" eaLnBrk="1" latinLnBrk="0" hangingPunct="1">
+              <a:spcBef>
+                <a:spcPts val="380"/>
+              </a:spcBef>
+              <a:buSzPct val="80000"/>
+              <a:buFont typeface="Arial" pitchFamily="34" charset="0"/>
+              <a:buChar char="•"/>
+              <a:defRPr sz="1600" kern="1200">
+                <a:solidFill>
+                  <a:srgbClr val="00407A"/>
+                </a:solidFill>
+                <a:latin typeface="Arial" pitchFamily="34" charset="0"/>
+                <a:ea typeface="+mn-ea"/>
+                <a:cs typeface="Arial" pitchFamily="34" charset="0"/>
+              </a:defRPr>
+            </a:lvl4pPr>
+            <a:lvl5pPr marL="1338263" indent="-179388" algn="l" defTabSz="914400" rtl="0" eaLnBrk="1" latinLnBrk="0" hangingPunct="1">
+              <a:spcBef>
+                <a:spcPts val="380"/>
+              </a:spcBef>
+              <a:buFont typeface="Arial" pitchFamily="34" charset="0"/>
+              <a:buChar char="-"/>
+              <a:defRPr lang="nl-BE" sz="1600" kern="1200" dirty="0">
+                <a:solidFill>
+                  <a:srgbClr val="00407A"/>
+                </a:solidFill>
+                <a:latin typeface="Arial" pitchFamily="34" charset="0"/>
+                <a:ea typeface="+mn-ea"/>
+                <a:cs typeface="Arial" pitchFamily="34" charset="0"/>
+              </a:defRPr>
+            </a:lvl5pPr>
+            <a:lvl6pPr marL="2514600" indent="-228600" algn="l" defTabSz="914400" rtl="0" eaLnBrk="1" latinLnBrk="0" hangingPunct="1">
+              <a:spcBef>
+                <a:spcPct val="20000"/>
+              </a:spcBef>
+              <a:buFont typeface="Arial" pitchFamily="34" charset="0"/>
+              <a:buChar char="•"/>
+              <a:defRPr sz="2000" kern="1200">
+                <a:solidFill>
+                  <a:schemeClr val="tx1"/>
+                </a:solidFill>
+                <a:latin typeface="+mn-lt"/>
+                <a:ea typeface="+mn-ea"/>
+                <a:cs typeface="+mn-cs"/>
+              </a:defRPr>
+            </a:lvl6pPr>
+            <a:lvl7pPr marL="2971800" indent="-228600" algn="l" defTabSz="914400" rtl="0" eaLnBrk="1" latinLnBrk="0" hangingPunct="1">
+              <a:spcBef>
+                <a:spcPct val="20000"/>
+              </a:spcBef>
+              <a:buFont typeface="Arial" pitchFamily="34" charset="0"/>
+              <a:buChar char="•"/>
+              <a:defRPr sz="2000" kern="1200">
+                <a:solidFill>
+                  <a:schemeClr val="tx1"/>
+                </a:solidFill>
+                <a:latin typeface="+mn-lt"/>
+                <a:ea typeface="+mn-ea"/>
+                <a:cs typeface="+mn-cs"/>
+              </a:defRPr>
+            </a:lvl7pPr>
+            <a:lvl8pPr marL="3429000" indent="-228600" algn="l" defTabSz="914400" rtl="0" eaLnBrk="1" latinLnBrk="0" hangingPunct="1">
+              <a:spcBef>
+                <a:spcPct val="20000"/>
+              </a:spcBef>
+              <a:buFont typeface="Arial" pitchFamily="34" charset="0"/>
+              <a:buChar char="•"/>
+              <a:defRPr sz="2000" kern="1200">
+                <a:solidFill>
+                  <a:schemeClr val="tx1"/>
+                </a:solidFill>
+                <a:latin typeface="+mn-lt"/>
+                <a:ea typeface="+mn-ea"/>
+                <a:cs typeface="+mn-cs"/>
+              </a:defRPr>
+            </a:lvl8pPr>
+            <a:lvl9pPr marL="3886200" indent="-228600" algn="l" defTabSz="914400" rtl="0" eaLnBrk="1" latinLnBrk="0" hangingPunct="1">
+              <a:spcBef>
+                <a:spcPct val="20000"/>
+              </a:spcBef>
+              <a:buFont typeface="Arial" pitchFamily="34" charset="0"/>
+              <a:buChar char="•"/>
+              <a:defRPr sz="2000" kern="1200">
+                <a:solidFill>
+                  <a:schemeClr val="tx1"/>
+                </a:solidFill>
+                <a:latin typeface="+mn-lt"/>
+                <a:ea typeface="+mn-ea"/>
+                <a:cs typeface="+mn-cs"/>
+              </a:defRPr>
+            </a:lvl9pPr>
+          </a:lstStyle>
+          <a:p>
+            <a:pPr>
+              <a:spcBef>
+                <a:spcPts val="0"/>
+              </a:spcBef>
+              <a:spcAft>
+                <a:spcPts val="1417"/>
+              </a:spcAft>
+              <a:buFont typeface="Arial" pitchFamily="34" charset="0"/>
+              <a:buNone/>
+            </a:pPr>
+            <a:r>
+              <a:rPr lang="nl-BE" sz="1600" b="1" dirty="0" smtClean="0">
+                <a:solidFill>
+                  <a:srgbClr val="008000"/>
+                </a:solidFill>
+                <a:latin typeface="Arial" pitchFamily="18"/>
+                <a:ea typeface="Microsoft YaHei" pitchFamily="18"/>
+                <a:cs typeface="Arial" pitchFamily="18"/>
+              </a:rPr>
+              <a:t>var</a:t>
+            </a:r>
+            <a:r>
+              <a:rPr lang="nl-BE" sz="1600" dirty="0" smtClean="0">
+                <a:latin typeface="Arial" pitchFamily="18"/>
+                <a:ea typeface="Microsoft YaHei" pitchFamily="18"/>
+                <a:cs typeface="Arial" pitchFamily="18"/>
+              </a:rPr>
+              <a:t> </a:t>
+            </a:r>
+            <a:r>
+              <a:rPr lang="nl-BE" sz="1600" dirty="0" err="1" smtClean="0">
+                <a:latin typeface="Arial" pitchFamily="18"/>
+                <a:ea typeface="Microsoft YaHei" pitchFamily="18"/>
+                <a:cs typeface="Arial" pitchFamily="18"/>
+              </a:rPr>
+              <a:t>myVar</a:t>
+            </a:r>
+            <a:r>
+              <a:rPr lang="nl-BE" sz="1600" dirty="0" smtClean="0">
+                <a:latin typeface="Arial" pitchFamily="18"/>
+                <a:ea typeface="Microsoft YaHei" pitchFamily="18"/>
+                <a:cs typeface="Arial" pitchFamily="18"/>
+              </a:rPr>
+              <a:t> </a:t>
+            </a:r>
+            <a:r>
+              <a:rPr lang="nl-BE" sz="1600" dirty="0" smtClean="0">
+                <a:solidFill>
+                  <a:srgbClr val="666666"/>
+                </a:solidFill>
+                <a:latin typeface="Arial" pitchFamily="18"/>
+                <a:ea typeface="Microsoft YaHei" pitchFamily="18"/>
+                <a:cs typeface="Arial" pitchFamily="18"/>
+              </a:rPr>
+              <a:t>=</a:t>
+            </a:r>
+            <a:r>
+              <a:rPr lang="nl-BE" sz="1600" dirty="0" smtClean="0">
+                <a:latin typeface="Arial" pitchFamily="18"/>
+                <a:ea typeface="Microsoft YaHei" pitchFamily="18"/>
+                <a:cs typeface="Arial" pitchFamily="18"/>
+              </a:rPr>
+              <a:t> </a:t>
+            </a:r>
+            <a:r>
+              <a:rPr lang="nl-BE" sz="1600" dirty="0" err="1" smtClean="0">
+                <a:latin typeface="Arial" pitchFamily="18"/>
+                <a:ea typeface="Microsoft YaHei" pitchFamily="18"/>
+                <a:cs typeface="Arial" pitchFamily="18"/>
+              </a:rPr>
+              <a:t>setInterval</a:t>
+            </a:r>
+            <a:r>
+              <a:rPr lang="nl-BE" sz="1600" dirty="0" smtClean="0">
+                <a:latin typeface="Arial" pitchFamily="18"/>
+                <a:ea typeface="Microsoft YaHei" pitchFamily="18"/>
+                <a:cs typeface="Arial" pitchFamily="18"/>
+              </a:rPr>
+              <a:t>(</a:t>
+            </a:r>
+            <a:r>
+              <a:rPr lang="nl-BE" sz="1600" b="1" dirty="0" err="1" smtClean="0">
+                <a:solidFill>
+                  <a:srgbClr val="008000"/>
+                </a:solidFill>
+                <a:latin typeface="Arial" pitchFamily="18"/>
+                <a:ea typeface="Microsoft YaHei" pitchFamily="18"/>
+                <a:cs typeface="Arial" pitchFamily="18"/>
+              </a:rPr>
+              <a:t>function</a:t>
+            </a:r>
+            <a:r>
+              <a:rPr lang="nl-BE" sz="1600" dirty="0" smtClean="0">
+                <a:latin typeface="Arial" pitchFamily="18"/>
+                <a:ea typeface="Microsoft YaHei" pitchFamily="18"/>
+                <a:cs typeface="Arial" pitchFamily="18"/>
+              </a:rPr>
+              <a:t>() {</a:t>
+            </a:r>
+            <a:r>
+              <a:rPr lang="nl-BE" sz="1600" dirty="0" err="1" smtClean="0">
+                <a:latin typeface="Arial" pitchFamily="18"/>
+                <a:ea typeface="Microsoft YaHei" pitchFamily="18"/>
+                <a:cs typeface="Arial" pitchFamily="18"/>
+              </a:rPr>
+              <a:t>myTimer</a:t>
+            </a:r>
+            <a:r>
+              <a:rPr lang="nl-BE" sz="1600" dirty="0" smtClean="0">
+                <a:latin typeface="Arial" pitchFamily="18"/>
+                <a:ea typeface="Microsoft YaHei" pitchFamily="18"/>
+                <a:cs typeface="Arial" pitchFamily="18"/>
+              </a:rPr>
+              <a:t>()}, </a:t>
+            </a:r>
+            <a:r>
+              <a:rPr lang="nl-BE" sz="1600" dirty="0" smtClean="0">
+                <a:solidFill>
+                  <a:srgbClr val="666666"/>
+                </a:solidFill>
+                <a:latin typeface="Arial" pitchFamily="18"/>
+                <a:ea typeface="Microsoft YaHei" pitchFamily="18"/>
+                <a:cs typeface="Arial" pitchFamily="18"/>
+              </a:rPr>
+              <a:t>1000</a:t>
+            </a:r>
+            <a:r>
+              <a:rPr lang="nl-BE" sz="1600" dirty="0" smtClean="0">
+                <a:latin typeface="Arial" pitchFamily="18"/>
+                <a:ea typeface="Microsoft YaHei" pitchFamily="18"/>
+                <a:cs typeface="Arial" pitchFamily="18"/>
+              </a:rPr>
+              <a:t>);</a:t>
+            </a:r>
+          </a:p>
+          <a:p>
+            <a:pPr>
+              <a:spcBef>
+                <a:spcPts val="0"/>
+              </a:spcBef>
+              <a:spcAft>
+                <a:spcPts val="1417"/>
+              </a:spcAft>
+              <a:buFont typeface="Arial" pitchFamily="34" charset="0"/>
+              <a:buNone/>
+            </a:pPr>
+            <a:r>
+              <a:rPr lang="nl-BE" sz="1600" dirty="0" smtClean="0">
+                <a:latin typeface="Arial" pitchFamily="18"/>
+                <a:ea typeface="Microsoft YaHei" pitchFamily="18"/>
+                <a:cs typeface="Arial" pitchFamily="18"/>
+              </a:rPr>
+              <a:t>    </a:t>
+            </a:r>
+            <a:r>
+              <a:rPr lang="nl-BE" sz="1600" b="1" dirty="0" smtClean="0">
+                <a:solidFill>
+                  <a:srgbClr val="008000"/>
+                </a:solidFill>
+                <a:latin typeface="Arial" pitchFamily="18"/>
+                <a:ea typeface="Microsoft YaHei" pitchFamily="18"/>
+                <a:cs typeface="Arial" pitchFamily="18"/>
+              </a:rPr>
+              <a:t>var</a:t>
+            </a:r>
+            <a:r>
+              <a:rPr lang="nl-BE" sz="1600" dirty="0" smtClean="0">
+                <a:latin typeface="Arial" pitchFamily="18"/>
+                <a:ea typeface="Microsoft YaHei" pitchFamily="18"/>
+                <a:cs typeface="Arial" pitchFamily="18"/>
+              </a:rPr>
+              <a:t> d </a:t>
+            </a:r>
+            <a:r>
+              <a:rPr lang="nl-BE" sz="1600" dirty="0" smtClean="0">
+                <a:solidFill>
+                  <a:srgbClr val="666666"/>
+                </a:solidFill>
+                <a:latin typeface="Arial" pitchFamily="18"/>
+                <a:ea typeface="Microsoft YaHei" pitchFamily="18"/>
+                <a:cs typeface="Arial" pitchFamily="18"/>
+              </a:rPr>
+              <a:t>=</a:t>
+            </a:r>
+            <a:r>
+              <a:rPr lang="nl-BE" sz="1600" dirty="0" smtClean="0">
+                <a:latin typeface="Arial" pitchFamily="18"/>
+                <a:ea typeface="Microsoft YaHei" pitchFamily="18"/>
+                <a:cs typeface="Arial" pitchFamily="18"/>
+              </a:rPr>
+              <a:t> </a:t>
+            </a:r>
+            <a:r>
+              <a:rPr lang="nl-BE" sz="1600" dirty="0" smtClean="0">
+                <a:solidFill>
+                  <a:srgbClr val="666666"/>
+                </a:solidFill>
+                <a:latin typeface="Arial" pitchFamily="18"/>
+                <a:ea typeface="Microsoft YaHei" pitchFamily="18"/>
+                <a:cs typeface="Arial" pitchFamily="18"/>
+              </a:rPr>
+              <a:t>60</a:t>
+            </a:r>
+            <a:r>
+              <a:rPr lang="nl-BE" sz="1600" dirty="0" smtClean="0">
+                <a:latin typeface="Arial" pitchFamily="18"/>
+                <a:ea typeface="Microsoft YaHei" pitchFamily="18"/>
+                <a:cs typeface="Arial" pitchFamily="18"/>
+              </a:rPr>
+              <a:t>;</a:t>
+            </a:r>
+          </a:p>
+          <a:p>
+            <a:pPr>
+              <a:spcBef>
+                <a:spcPts val="0"/>
+              </a:spcBef>
+              <a:spcAft>
+                <a:spcPts val="1417"/>
+              </a:spcAft>
+              <a:buFont typeface="Arial" pitchFamily="34" charset="0"/>
+              <a:buNone/>
+            </a:pPr>
+            <a:endParaRPr lang="nl-BE" sz="1600" dirty="0" smtClean="0">
+              <a:latin typeface="Arial" pitchFamily="18"/>
+              <a:ea typeface="Microsoft YaHei" pitchFamily="18"/>
+              <a:cs typeface="Arial" pitchFamily="18"/>
+            </a:endParaRPr>
+          </a:p>
+          <a:p>
+            <a:pPr>
+              <a:spcBef>
+                <a:spcPts val="0"/>
+              </a:spcBef>
+              <a:spcAft>
+                <a:spcPts val="1417"/>
+              </a:spcAft>
+              <a:buFont typeface="Arial" pitchFamily="34" charset="0"/>
+              <a:buNone/>
+            </a:pPr>
+            <a:r>
+              <a:rPr lang="nl-BE" sz="1600" dirty="0" smtClean="0">
+                <a:latin typeface="Arial" pitchFamily="18"/>
+                <a:ea typeface="Microsoft YaHei" pitchFamily="18"/>
+                <a:cs typeface="Arial" pitchFamily="18"/>
+              </a:rPr>
+              <a:t>    </a:t>
+            </a:r>
+            <a:r>
+              <a:rPr lang="nl-BE" sz="1600" b="1" dirty="0" err="1" smtClean="0">
+                <a:solidFill>
+                  <a:srgbClr val="008000"/>
+                </a:solidFill>
+                <a:latin typeface="Arial" pitchFamily="18"/>
+                <a:ea typeface="Microsoft YaHei" pitchFamily="18"/>
+                <a:cs typeface="Arial" pitchFamily="18"/>
+              </a:rPr>
+              <a:t>function</a:t>
+            </a:r>
+            <a:r>
+              <a:rPr lang="nl-BE" sz="1600" dirty="0" smtClean="0">
+                <a:latin typeface="Arial" pitchFamily="18"/>
+                <a:ea typeface="Microsoft YaHei" pitchFamily="18"/>
+                <a:cs typeface="Arial" pitchFamily="18"/>
+              </a:rPr>
+              <a:t> </a:t>
+            </a:r>
+            <a:r>
+              <a:rPr lang="nl-BE" sz="1600" dirty="0" err="1" smtClean="0">
+                <a:solidFill>
+                  <a:srgbClr val="0000FF"/>
+                </a:solidFill>
+                <a:latin typeface="Arial" pitchFamily="18"/>
+                <a:ea typeface="Microsoft YaHei" pitchFamily="18"/>
+                <a:cs typeface="Arial" pitchFamily="18"/>
+              </a:rPr>
+              <a:t>myTimer</a:t>
+            </a:r>
+            <a:r>
+              <a:rPr lang="nl-BE" sz="1600" dirty="0" smtClean="0">
+                <a:latin typeface="Arial" pitchFamily="18"/>
+                <a:ea typeface="Microsoft YaHei" pitchFamily="18"/>
+                <a:cs typeface="Arial" pitchFamily="18"/>
+              </a:rPr>
+              <a:t>() {</a:t>
+            </a:r>
+          </a:p>
+          <a:p>
+            <a:pPr>
+              <a:spcBef>
+                <a:spcPts val="0"/>
+              </a:spcBef>
+              <a:spcAft>
+                <a:spcPts val="1417"/>
+              </a:spcAft>
+              <a:buFont typeface="Arial" pitchFamily="34" charset="0"/>
+              <a:buNone/>
+            </a:pPr>
+            <a:r>
+              <a:rPr lang="nl-BE" sz="1600" dirty="0" smtClean="0">
+                <a:latin typeface="Arial" pitchFamily="18"/>
+                <a:ea typeface="Microsoft YaHei" pitchFamily="18"/>
+                <a:cs typeface="Arial" pitchFamily="18"/>
+              </a:rPr>
+              <a:t>        d</a:t>
+            </a:r>
+            <a:r>
+              <a:rPr lang="nl-BE" sz="1600" dirty="0" smtClean="0">
+                <a:solidFill>
+                  <a:srgbClr val="666666"/>
+                </a:solidFill>
+                <a:latin typeface="Arial" pitchFamily="18"/>
+                <a:ea typeface="Microsoft YaHei" pitchFamily="18"/>
+                <a:cs typeface="Arial" pitchFamily="18"/>
+              </a:rPr>
+              <a:t>--</a:t>
+            </a:r>
+            <a:r>
+              <a:rPr lang="nl-BE" sz="1600" dirty="0" smtClean="0">
+                <a:latin typeface="Arial" pitchFamily="18"/>
+                <a:ea typeface="Microsoft YaHei" pitchFamily="18"/>
+                <a:cs typeface="Arial" pitchFamily="18"/>
+              </a:rPr>
+              <a:t>;</a:t>
+            </a:r>
+          </a:p>
+          <a:p>
+            <a:pPr>
+              <a:spcBef>
+                <a:spcPts val="0"/>
+              </a:spcBef>
+              <a:spcAft>
+                <a:spcPts val="1417"/>
+              </a:spcAft>
+              <a:buFont typeface="Arial" pitchFamily="34" charset="0"/>
+              <a:buNone/>
+            </a:pPr>
+            <a:r>
+              <a:rPr lang="nl-BE" sz="1600" dirty="0" smtClean="0">
+                <a:latin typeface="Arial" pitchFamily="18"/>
+                <a:ea typeface="Microsoft YaHei" pitchFamily="18"/>
+                <a:cs typeface="Arial" pitchFamily="18"/>
+              </a:rPr>
+              <a:t>        </a:t>
+            </a:r>
+            <a:r>
+              <a:rPr lang="nl-BE" sz="1600" dirty="0" err="1" smtClean="0">
+                <a:latin typeface="Arial" pitchFamily="18"/>
+                <a:ea typeface="Microsoft YaHei" pitchFamily="18"/>
+                <a:cs typeface="Arial" pitchFamily="18"/>
+              </a:rPr>
+              <a:t>document</a:t>
+            </a:r>
+            <a:r>
+              <a:rPr lang="nl-BE" sz="1600" dirty="0" err="1" smtClean="0">
+                <a:solidFill>
+                  <a:srgbClr val="666666"/>
+                </a:solidFill>
+                <a:latin typeface="Arial" pitchFamily="18"/>
+                <a:ea typeface="Microsoft YaHei" pitchFamily="18"/>
+                <a:cs typeface="Arial" pitchFamily="18"/>
+              </a:rPr>
+              <a:t>.</a:t>
+            </a:r>
+            <a:r>
+              <a:rPr lang="nl-BE" sz="1600" dirty="0" err="1" smtClean="0">
+                <a:latin typeface="Arial" pitchFamily="18"/>
+                <a:ea typeface="Microsoft YaHei" pitchFamily="18"/>
+                <a:cs typeface="Arial" pitchFamily="18"/>
+              </a:rPr>
+              <a:t>getElementById</a:t>
+            </a:r>
+            <a:r>
+              <a:rPr lang="nl-BE" sz="1600" dirty="0" smtClean="0">
+                <a:latin typeface="Arial" pitchFamily="18"/>
+                <a:ea typeface="Microsoft YaHei" pitchFamily="18"/>
+                <a:cs typeface="Arial" pitchFamily="18"/>
+              </a:rPr>
+              <a:t>(</a:t>
+            </a:r>
+            <a:r>
+              <a:rPr lang="nl-BE" sz="1600" dirty="0" smtClean="0">
+                <a:solidFill>
+                  <a:srgbClr val="BA2121"/>
+                </a:solidFill>
+                <a:latin typeface="Arial" pitchFamily="18"/>
+                <a:ea typeface="Microsoft YaHei" pitchFamily="18"/>
+                <a:cs typeface="Arial" pitchFamily="18"/>
+              </a:rPr>
+              <a:t>"timer"</a:t>
+            </a:r>
+            <a:r>
+              <a:rPr lang="nl-BE" sz="1600" dirty="0" smtClean="0">
+                <a:latin typeface="Arial" pitchFamily="18"/>
+                <a:ea typeface="Microsoft YaHei" pitchFamily="18"/>
+                <a:cs typeface="Arial" pitchFamily="18"/>
+              </a:rPr>
+              <a:t>)</a:t>
+            </a:r>
+            <a:r>
+              <a:rPr lang="nl-BE" sz="1600" dirty="0" smtClean="0">
+                <a:solidFill>
+                  <a:srgbClr val="666666"/>
+                </a:solidFill>
+                <a:latin typeface="Arial" pitchFamily="18"/>
+                <a:ea typeface="Microsoft YaHei" pitchFamily="18"/>
+                <a:cs typeface="Arial" pitchFamily="18"/>
+              </a:rPr>
+              <a:t>.</a:t>
+            </a:r>
+            <a:r>
+              <a:rPr lang="nl-BE" sz="1600" dirty="0" err="1" smtClean="0">
+                <a:latin typeface="Arial" pitchFamily="18"/>
+                <a:ea typeface="Microsoft YaHei" pitchFamily="18"/>
+                <a:cs typeface="Arial" pitchFamily="18"/>
+              </a:rPr>
+              <a:t>innerHTML</a:t>
+            </a:r>
+            <a:r>
+              <a:rPr lang="nl-BE" sz="1600" dirty="0" smtClean="0">
+                <a:latin typeface="Arial" pitchFamily="18"/>
+                <a:ea typeface="Microsoft YaHei" pitchFamily="18"/>
+                <a:cs typeface="Arial" pitchFamily="18"/>
+              </a:rPr>
+              <a:t> </a:t>
+            </a:r>
+            <a:r>
+              <a:rPr lang="nl-BE" sz="1600" dirty="0" smtClean="0">
+                <a:solidFill>
+                  <a:srgbClr val="666666"/>
+                </a:solidFill>
+                <a:latin typeface="Arial" pitchFamily="18"/>
+                <a:ea typeface="Microsoft YaHei" pitchFamily="18"/>
+                <a:cs typeface="Arial" pitchFamily="18"/>
+              </a:rPr>
+              <a:t>=</a:t>
+            </a:r>
+            <a:r>
+              <a:rPr lang="nl-BE" sz="1600" dirty="0" smtClean="0">
+                <a:latin typeface="Arial" pitchFamily="18"/>
+                <a:ea typeface="Microsoft YaHei" pitchFamily="18"/>
+                <a:cs typeface="Arial" pitchFamily="18"/>
+              </a:rPr>
+              <a:t> </a:t>
+            </a:r>
+            <a:r>
+              <a:rPr lang="nl-BE" sz="1600" dirty="0" smtClean="0">
+                <a:solidFill>
+                  <a:srgbClr val="BA2121"/>
+                </a:solidFill>
+                <a:latin typeface="Arial" pitchFamily="18"/>
+                <a:ea typeface="Microsoft YaHei" pitchFamily="18"/>
+                <a:cs typeface="Arial" pitchFamily="18"/>
+              </a:rPr>
+              <a:t>"Time </a:t>
+            </a:r>
+            <a:r>
+              <a:rPr lang="nl-BE" sz="1600" dirty="0" err="1" smtClean="0">
+                <a:solidFill>
+                  <a:srgbClr val="BA2121"/>
+                </a:solidFill>
+                <a:latin typeface="Arial" pitchFamily="18"/>
+                <a:ea typeface="Microsoft YaHei" pitchFamily="18"/>
+                <a:cs typeface="Arial" pitchFamily="18"/>
+              </a:rPr>
+              <a:t>left</a:t>
+            </a:r>
+            <a:r>
+              <a:rPr lang="nl-BE" sz="1600" dirty="0" smtClean="0">
+                <a:solidFill>
+                  <a:srgbClr val="BA2121"/>
+                </a:solidFill>
+                <a:latin typeface="Arial" pitchFamily="18"/>
+                <a:ea typeface="Microsoft YaHei" pitchFamily="18"/>
+                <a:cs typeface="Arial" pitchFamily="18"/>
+              </a:rPr>
+              <a:t> </a:t>
+            </a:r>
+            <a:r>
+              <a:rPr lang="nl-BE" sz="1600" dirty="0" err="1" smtClean="0">
+                <a:solidFill>
+                  <a:srgbClr val="BA2121"/>
+                </a:solidFill>
+                <a:latin typeface="Arial" pitchFamily="18"/>
+                <a:ea typeface="Microsoft YaHei" pitchFamily="18"/>
+                <a:cs typeface="Arial" pitchFamily="18"/>
+              </a:rPr>
+              <a:t>to</a:t>
+            </a:r>
+            <a:r>
+              <a:rPr lang="nl-BE" sz="1600" dirty="0" smtClean="0">
+                <a:solidFill>
+                  <a:srgbClr val="BA2121"/>
+                </a:solidFill>
+                <a:latin typeface="Arial" pitchFamily="18"/>
+                <a:ea typeface="Microsoft YaHei" pitchFamily="18"/>
+                <a:cs typeface="Arial" pitchFamily="18"/>
+              </a:rPr>
+              <a:t> </a:t>
+            </a:r>
+            <a:r>
+              <a:rPr lang="nl-BE" sz="1600" dirty="0" err="1" smtClean="0">
+                <a:solidFill>
+                  <a:srgbClr val="BA2121"/>
+                </a:solidFill>
+                <a:latin typeface="Arial" pitchFamily="18"/>
+                <a:ea typeface="Microsoft YaHei" pitchFamily="18"/>
+                <a:cs typeface="Arial" pitchFamily="18"/>
+              </a:rPr>
+              <a:t>answer</a:t>
+            </a:r>
+            <a:r>
+              <a:rPr lang="nl-BE" sz="1600" dirty="0" smtClean="0">
+                <a:solidFill>
+                  <a:srgbClr val="BA2121"/>
+                </a:solidFill>
+                <a:latin typeface="Arial" pitchFamily="18"/>
+                <a:ea typeface="Microsoft YaHei" pitchFamily="18"/>
+                <a:cs typeface="Arial" pitchFamily="18"/>
+              </a:rPr>
+              <a:t> </a:t>
+            </a:r>
+            <a:r>
+              <a:rPr lang="nl-BE" sz="1600" dirty="0" err="1" smtClean="0">
+                <a:solidFill>
+                  <a:srgbClr val="BA2121"/>
+                </a:solidFill>
+                <a:latin typeface="Arial" pitchFamily="18"/>
+                <a:ea typeface="Microsoft YaHei" pitchFamily="18"/>
+                <a:cs typeface="Arial" pitchFamily="18"/>
+              </a:rPr>
+              <a:t>this</a:t>
+            </a:r>
+            <a:r>
+              <a:rPr lang="nl-BE" sz="1600" dirty="0" smtClean="0">
+                <a:solidFill>
+                  <a:srgbClr val="BA2121"/>
+                </a:solidFill>
+                <a:latin typeface="Arial" pitchFamily="18"/>
+                <a:ea typeface="Microsoft YaHei" pitchFamily="18"/>
+                <a:cs typeface="Arial" pitchFamily="18"/>
+              </a:rPr>
+              <a:t> question: "</a:t>
+            </a:r>
+            <a:r>
+              <a:rPr lang="nl-BE" sz="1600" dirty="0" smtClean="0">
+                <a:latin typeface="Arial" pitchFamily="18"/>
+                <a:ea typeface="Microsoft YaHei" pitchFamily="18"/>
+                <a:cs typeface="Arial" pitchFamily="18"/>
+              </a:rPr>
+              <a:t> </a:t>
+            </a:r>
+            <a:r>
+              <a:rPr lang="nl-BE" sz="1600" dirty="0" smtClean="0">
+                <a:solidFill>
+                  <a:srgbClr val="666666"/>
+                </a:solidFill>
+                <a:latin typeface="Arial" pitchFamily="18"/>
+                <a:ea typeface="Microsoft YaHei" pitchFamily="18"/>
+                <a:cs typeface="Arial" pitchFamily="18"/>
+              </a:rPr>
+              <a:t>+</a:t>
+            </a:r>
+            <a:r>
+              <a:rPr lang="nl-BE" sz="1600" dirty="0" smtClean="0">
+                <a:latin typeface="Arial" pitchFamily="18"/>
+                <a:ea typeface="Microsoft YaHei" pitchFamily="18"/>
+                <a:cs typeface="Arial" pitchFamily="18"/>
+              </a:rPr>
+              <a:t> d </a:t>
+            </a:r>
+            <a:r>
+              <a:rPr lang="nl-BE" sz="1600" dirty="0" smtClean="0">
+                <a:solidFill>
+                  <a:srgbClr val="666666"/>
+                </a:solidFill>
+                <a:latin typeface="Arial" pitchFamily="18"/>
+                <a:ea typeface="Microsoft YaHei" pitchFamily="18"/>
+                <a:cs typeface="Arial" pitchFamily="18"/>
+              </a:rPr>
+              <a:t>+</a:t>
+            </a:r>
+            <a:r>
+              <a:rPr lang="nl-BE" sz="1600" dirty="0" smtClean="0">
+                <a:latin typeface="Arial" pitchFamily="18"/>
+                <a:ea typeface="Microsoft YaHei" pitchFamily="18"/>
+                <a:cs typeface="Arial" pitchFamily="18"/>
+              </a:rPr>
+              <a:t> </a:t>
+            </a:r>
+            <a:r>
+              <a:rPr lang="nl-BE" sz="1600" dirty="0" smtClean="0">
+                <a:solidFill>
+                  <a:srgbClr val="BA2121"/>
+                </a:solidFill>
+                <a:latin typeface="Arial" pitchFamily="18"/>
+                <a:ea typeface="Microsoft YaHei" pitchFamily="18"/>
+                <a:cs typeface="Arial" pitchFamily="18"/>
+              </a:rPr>
+              <a:t>" </a:t>
+            </a:r>
+            <a:r>
+              <a:rPr lang="nl-BE" sz="1600" dirty="0" err="1" smtClean="0">
+                <a:solidFill>
+                  <a:srgbClr val="BA2121"/>
+                </a:solidFill>
+                <a:latin typeface="Arial" pitchFamily="18"/>
+                <a:ea typeface="Microsoft YaHei" pitchFamily="18"/>
+                <a:cs typeface="Arial" pitchFamily="18"/>
+              </a:rPr>
+              <a:t>seconds</a:t>
+            </a:r>
+            <a:r>
+              <a:rPr lang="nl-BE" sz="1600" dirty="0" smtClean="0">
+                <a:solidFill>
+                  <a:srgbClr val="BA2121"/>
+                </a:solidFill>
+                <a:latin typeface="Arial" pitchFamily="18"/>
+                <a:ea typeface="Microsoft YaHei" pitchFamily="18"/>
+                <a:cs typeface="Arial" pitchFamily="18"/>
+              </a:rPr>
+              <a:t>"</a:t>
+            </a:r>
+            <a:r>
+              <a:rPr lang="nl-BE" sz="1600" dirty="0" smtClean="0">
+                <a:latin typeface="Arial" pitchFamily="18"/>
+                <a:ea typeface="Microsoft YaHei" pitchFamily="18"/>
+                <a:cs typeface="Arial" pitchFamily="18"/>
+              </a:rPr>
+              <a:t>;</a:t>
+            </a:r>
+          </a:p>
+          <a:p>
+            <a:pPr>
+              <a:spcBef>
+                <a:spcPts val="0"/>
+              </a:spcBef>
+              <a:spcAft>
+                <a:spcPts val="1417"/>
+              </a:spcAft>
+              <a:buFont typeface="Arial" pitchFamily="34" charset="0"/>
+              <a:buNone/>
+            </a:pPr>
+            <a:r>
+              <a:rPr lang="nl-BE" sz="1600" dirty="0" smtClean="0">
+                <a:latin typeface="Arial" pitchFamily="18"/>
+                <a:ea typeface="Microsoft YaHei" pitchFamily="18"/>
+                <a:cs typeface="Arial" pitchFamily="18"/>
+              </a:rPr>
+              <a:t>        </a:t>
+            </a:r>
+            <a:r>
+              <a:rPr lang="nl-BE" sz="1600" b="1" dirty="0" err="1" smtClean="0">
+                <a:solidFill>
+                  <a:srgbClr val="008000"/>
+                </a:solidFill>
+                <a:latin typeface="Arial" pitchFamily="18"/>
+                <a:ea typeface="Microsoft YaHei" pitchFamily="18"/>
+                <a:cs typeface="Arial" pitchFamily="18"/>
+              </a:rPr>
+              <a:t>if</a:t>
+            </a:r>
+            <a:r>
+              <a:rPr lang="nl-BE" sz="1600" dirty="0" smtClean="0">
+                <a:latin typeface="Arial" pitchFamily="18"/>
+                <a:ea typeface="Microsoft YaHei" pitchFamily="18"/>
+                <a:cs typeface="Arial" pitchFamily="18"/>
+              </a:rPr>
+              <a:t>(d </a:t>
+            </a:r>
+            <a:r>
+              <a:rPr lang="nl-BE" sz="1600" dirty="0" smtClean="0">
+                <a:solidFill>
+                  <a:srgbClr val="666666"/>
+                </a:solidFill>
+                <a:latin typeface="Arial" pitchFamily="18"/>
+                <a:ea typeface="Microsoft YaHei" pitchFamily="18"/>
+                <a:cs typeface="Arial" pitchFamily="18"/>
+              </a:rPr>
+              <a:t>==</a:t>
+            </a:r>
+            <a:r>
+              <a:rPr lang="nl-BE" sz="1600" dirty="0" smtClean="0">
+                <a:latin typeface="Arial" pitchFamily="18"/>
+                <a:ea typeface="Microsoft YaHei" pitchFamily="18"/>
+                <a:cs typeface="Arial" pitchFamily="18"/>
+              </a:rPr>
+              <a:t> </a:t>
+            </a:r>
+            <a:r>
+              <a:rPr lang="nl-BE" sz="1600" dirty="0" smtClean="0">
+                <a:solidFill>
+                  <a:srgbClr val="666666"/>
+                </a:solidFill>
+                <a:latin typeface="Arial" pitchFamily="18"/>
+                <a:ea typeface="Microsoft YaHei" pitchFamily="18"/>
+                <a:cs typeface="Arial" pitchFamily="18"/>
+              </a:rPr>
+              <a:t>0</a:t>
+            </a:r>
+            <a:r>
+              <a:rPr lang="nl-BE" sz="1600" dirty="0" smtClean="0">
+                <a:latin typeface="Arial" pitchFamily="18"/>
+                <a:ea typeface="Microsoft YaHei" pitchFamily="18"/>
+                <a:cs typeface="Arial" pitchFamily="18"/>
+              </a:rPr>
+              <a:t>){ </a:t>
+            </a:r>
+            <a:r>
+              <a:rPr lang="nl-BE" sz="1600" dirty="0" err="1" smtClean="0">
+                <a:latin typeface="Arial" pitchFamily="18"/>
+                <a:ea typeface="Microsoft YaHei" pitchFamily="18"/>
+                <a:cs typeface="Arial" pitchFamily="18"/>
+              </a:rPr>
+              <a:t>answerQuestion</a:t>
+            </a:r>
+            <a:r>
+              <a:rPr lang="nl-BE" sz="1600" dirty="0" smtClean="0">
+                <a:latin typeface="Arial" pitchFamily="18"/>
+                <a:ea typeface="Microsoft YaHei" pitchFamily="18"/>
+                <a:cs typeface="Arial" pitchFamily="18"/>
+              </a:rPr>
+              <a:t>(); }</a:t>
+            </a:r>
+          </a:p>
+          <a:p>
+            <a:pPr>
+              <a:spcBef>
+                <a:spcPts val="0"/>
+              </a:spcBef>
+              <a:spcAft>
+                <a:spcPts val="1417"/>
+              </a:spcAft>
+              <a:buFont typeface="Arial" pitchFamily="34" charset="0"/>
+              <a:buNone/>
+            </a:pPr>
+            <a:r>
+              <a:rPr lang="nl-BE" sz="1600" dirty="0" smtClean="0">
+                <a:latin typeface="Arial" pitchFamily="18"/>
+                <a:ea typeface="Microsoft YaHei" pitchFamily="18"/>
+                <a:cs typeface="Arial" pitchFamily="18"/>
+              </a:rPr>
+              <a:t>    }</a:t>
+            </a:r>
+            <a:endParaRPr lang="nl-BE" sz="1600" dirty="0">
+              <a:latin typeface="Arial" pitchFamily="18"/>
+              <a:ea typeface="Microsoft YaHei" pitchFamily="18"/>
+              <a:cs typeface="Arial" pitchFamily="18"/>
+            </a:endParaRPr>
+          </a:p>
+        </p:txBody>
+      </p:sp>
+    </p:spTree>
+    <p:extLst>
+      <p:ext uri="{BB962C8B-B14F-4D97-AF65-F5344CB8AC3E}">
+        <p14:creationId xmlns:p14="http://schemas.microsoft.com/office/powerpoint/2010/main" val="2130851009"/>
+      </p:ext>
+    </p:extLst>
+  </p:cSld>
+  <p:clrMapOvr>
+    <a:masterClrMapping/>
+  </p:clrMapOvr>
+</p:sld>
+</file>
+
+<file path=ppt/slides/slide18.xml><?xml version="1.0" encoding="utf-8"?>
+<p:sld xmlns:a="http://schemas.openxmlformats.org/drawingml/2006/main" xmlns:r="http://schemas.openxmlformats.org/officeDocument/2006/relationships" xmlns:p="http://schemas.openxmlformats.org/presentationml/2006/main">
+  <p:cSld>
+    <p:spTree>
+      <p:nvGrpSpPr>
+        <p:cNvPr id="1" name=""/>
+        <p:cNvGrpSpPr/>
+        <p:nvPr/>
+      </p:nvGrpSpPr>
+      <p:grpSpPr>
+        <a:xfrm>
+          <a:off x="0" y="0"/>
+          <a:ext cx="0" cy="0"/>
+          <a:chOff x="0" y="0"/>
+          <a:chExt cx="0" cy="0"/>
+        </a:xfrm>
+      </p:grpSpPr>
+      <p:sp>
+        <p:nvSpPr>
+          <p:cNvPr id="2" name="Titel 1"/>
+          <p:cNvSpPr>
+            <a:spLocks noGrp="1"/>
+          </p:cNvSpPr>
+          <p:nvPr>
+            <p:ph type="title"/>
+          </p:nvPr>
+        </p:nvSpPr>
+        <p:spPr/>
+        <p:txBody>
+          <a:bodyPr/>
+          <a:lstStyle/>
+          <a:p>
+            <a:r>
+              <a:rPr lang="nl-BE" dirty="0"/>
+              <a:t>3. Softwarebeschrijving</a:t>
+            </a:r>
+          </a:p>
+        </p:txBody>
+      </p:sp>
+      <p:sp>
+        <p:nvSpPr>
+          <p:cNvPr id="3" name="Tijdelijke aanduiding voor dianummer 2"/>
+          <p:cNvSpPr>
+            <a:spLocks noGrp="1"/>
+          </p:cNvSpPr>
+          <p:nvPr>
+            <p:ph type="sldNum" sz="quarter" idx="12"/>
+          </p:nvPr>
+        </p:nvSpPr>
+        <p:spPr/>
+        <p:txBody>
+          <a:bodyPr/>
+          <a:lstStyle/>
+          <a:p>
+            <a:fld id="{F35D8031-C8E5-48F8-A3B6-81643B27A3AF}" type="slidenum">
+              <a:rPr lang="nl-BE" smtClean="0"/>
+              <a:pPr/>
+              <a:t>18</a:t>
+            </a:fld>
+            <a:endParaRPr lang="nl-BE" dirty="0"/>
+          </a:p>
+        </p:txBody>
+      </p:sp>
+      <p:sp>
+        <p:nvSpPr>
+          <p:cNvPr id="4" name="Tijdelijke aanduiding voor inhoud 3"/>
+          <p:cNvSpPr>
+            <a:spLocks noGrp="1"/>
+          </p:cNvSpPr>
+          <p:nvPr>
+            <p:ph idx="1"/>
+          </p:nvPr>
+        </p:nvSpPr>
+        <p:spPr>
+          <a:xfrm>
+            <a:off x="540000" y="1349999"/>
+            <a:ext cx="5976216" cy="4428000"/>
+          </a:xfrm>
+        </p:spPr>
+        <p:txBody>
+          <a:bodyPr/>
+          <a:lstStyle/>
+          <a:p>
+            <a:r>
+              <a:rPr lang="nl-BE" dirty="0"/>
+              <a:t>Afbeelding </a:t>
+            </a:r>
+            <a:r>
+              <a:rPr lang="nl-BE" dirty="0" smtClean="0"/>
+              <a:t>uploaden</a:t>
+            </a:r>
+          </a:p>
+          <a:p>
+            <a:pPr lvl="1"/>
+            <a:r>
+              <a:rPr lang="nl-BE" sz="1800" dirty="0" err="1"/>
+              <a:t>Admins</a:t>
+            </a:r>
+            <a:r>
+              <a:rPr lang="nl-BE" sz="1800" dirty="0"/>
+              <a:t> hebben overzicht van alle vragen</a:t>
+            </a:r>
+          </a:p>
+          <a:p>
+            <a:pPr lvl="1"/>
+            <a:endParaRPr lang="nl-BE" sz="1800" dirty="0"/>
+          </a:p>
+          <a:p>
+            <a:pPr lvl="1"/>
+            <a:r>
+              <a:rPr lang="nl-BE" sz="1800" dirty="0"/>
+              <a:t>Bij elke vraag kan men 1 afbeelding uploaden</a:t>
+            </a:r>
+          </a:p>
+          <a:p>
+            <a:pPr lvl="1"/>
+            <a:endParaRPr lang="nl-BE" sz="1800" dirty="0"/>
+          </a:p>
+          <a:p>
+            <a:pPr lvl="1"/>
+            <a:r>
+              <a:rPr lang="nl-BE" sz="1800" dirty="0"/>
+              <a:t>Automatische omzetting naar correcte grootte</a:t>
+            </a:r>
+          </a:p>
+          <a:p>
+            <a:pPr lvl="1"/>
+            <a:endParaRPr lang="nl-BE" sz="1800" dirty="0"/>
+          </a:p>
+          <a:p>
+            <a:pPr lvl="1"/>
+            <a:r>
+              <a:rPr lang="nl-BE" sz="1800" dirty="0"/>
+              <a:t>Alleen bepaalde extensies toegestaan</a:t>
+            </a:r>
+          </a:p>
+          <a:p>
+            <a:pPr lvl="1"/>
+            <a:endParaRPr lang="nl-BE" sz="1800" dirty="0"/>
+          </a:p>
+          <a:p>
+            <a:pPr lvl="1"/>
+            <a:r>
+              <a:rPr lang="nl-BE" sz="1800" dirty="0"/>
+              <a:t>Bestanden op de server, </a:t>
+            </a:r>
+            <a:r>
+              <a:rPr lang="nl-BE" sz="1800" dirty="0" err="1"/>
+              <a:t>filepath</a:t>
+            </a:r>
+            <a:r>
+              <a:rPr lang="nl-BE" sz="1800" dirty="0"/>
+              <a:t> in de </a:t>
+            </a:r>
+            <a:r>
+              <a:rPr lang="nl-BE" sz="1800" dirty="0" smtClean="0"/>
+              <a:t>DB</a:t>
+            </a:r>
+          </a:p>
+          <a:p>
+            <a:pPr marL="0" indent="0">
+              <a:buNone/>
+            </a:pPr>
+            <a:endParaRPr lang="nl-BE" dirty="0"/>
+          </a:p>
+        </p:txBody>
+      </p:sp>
+    </p:spTree>
+    <p:extLst>
+      <p:ext uri="{BB962C8B-B14F-4D97-AF65-F5344CB8AC3E}">
+        <p14:creationId xmlns:p14="http://schemas.microsoft.com/office/powerpoint/2010/main" val="592907378"/>
+      </p:ext>
+    </p:extLst>
+  </p:cSld>
+  <p:clrMapOvr>
+    <a:masterClrMapping/>
+  </p:clrMapOvr>
+</p:sld>
+</file>
+
+<file path=ppt/slides/slide19.xml><?xml version="1.0" encoding="utf-8"?>
+<p:sld xmlns:a="http://schemas.openxmlformats.org/drawingml/2006/main" xmlns:r="http://schemas.openxmlformats.org/officeDocument/2006/relationships" xmlns:p="http://schemas.openxmlformats.org/presentationml/2006/main">
+  <p:cSld>
+    <p:spTree>
+      <p:nvGrpSpPr>
+        <p:cNvPr id="1" name=""/>
+        <p:cNvGrpSpPr/>
+        <p:nvPr/>
+      </p:nvGrpSpPr>
+      <p:grpSpPr>
+        <a:xfrm>
+          <a:off x="0" y="0"/>
+          <a:ext cx="0" cy="0"/>
+          <a:chOff x="0" y="0"/>
+          <a:chExt cx="0" cy="0"/>
+        </a:xfrm>
+      </p:grpSpPr>
+      <p:sp>
+        <p:nvSpPr>
+          <p:cNvPr id="2" name="Titel 1"/>
+          <p:cNvSpPr>
+            <a:spLocks noGrp="1"/>
+          </p:cNvSpPr>
+          <p:nvPr>
+            <p:ph type="title"/>
+          </p:nvPr>
+        </p:nvSpPr>
+        <p:spPr/>
+        <p:txBody>
+          <a:bodyPr/>
+          <a:lstStyle/>
+          <a:p>
+            <a:r>
+              <a:rPr lang="nl-BE" dirty="0"/>
+              <a:t>3. Softwarebeschrijving</a:t>
+            </a:r>
+          </a:p>
+        </p:txBody>
+      </p:sp>
+      <p:sp>
+        <p:nvSpPr>
+          <p:cNvPr id="3" name="Tijdelijke aanduiding voor dianummer 2"/>
+          <p:cNvSpPr>
+            <a:spLocks noGrp="1"/>
+          </p:cNvSpPr>
+          <p:nvPr>
+            <p:ph type="sldNum" sz="quarter" idx="12"/>
+          </p:nvPr>
+        </p:nvSpPr>
+        <p:spPr/>
+        <p:txBody>
+          <a:bodyPr/>
+          <a:lstStyle/>
+          <a:p>
+            <a:fld id="{F35D8031-C8E5-48F8-A3B6-81643B27A3AF}" type="slidenum">
+              <a:rPr lang="nl-BE" smtClean="0"/>
+              <a:pPr/>
+              <a:t>19</a:t>
+            </a:fld>
+            <a:endParaRPr lang="nl-BE" dirty="0"/>
+          </a:p>
+        </p:txBody>
+      </p:sp>
+      <p:sp>
+        <p:nvSpPr>
+          <p:cNvPr id="4" name="Tijdelijke aanduiding voor inhoud 3"/>
+          <p:cNvSpPr>
+            <a:spLocks noGrp="1"/>
+          </p:cNvSpPr>
+          <p:nvPr>
+            <p:ph idx="1"/>
+          </p:nvPr>
+        </p:nvSpPr>
+        <p:spPr>
+          <a:xfrm>
+            <a:off x="540000" y="1349999"/>
+            <a:ext cx="4464048" cy="4428000"/>
+          </a:xfrm>
+        </p:spPr>
+        <p:txBody>
+          <a:bodyPr/>
+          <a:lstStyle/>
+          <a:p>
+            <a:r>
+              <a:rPr lang="nl-BE" dirty="0"/>
+              <a:t>Overzicht </a:t>
+            </a:r>
+            <a:r>
+              <a:rPr lang="nl-BE" dirty="0" err="1" smtClean="0"/>
+              <a:t>uploadImages</a:t>
+            </a:r>
+            <a:endParaRPr lang="nl-BE" dirty="0" smtClean="0"/>
+          </a:p>
+          <a:p>
+            <a:pPr marL="0" indent="0">
+              <a:buNone/>
+            </a:pPr>
+            <a:endParaRPr lang="nl-BE" dirty="0" smtClean="0"/>
+          </a:p>
+          <a:p>
+            <a:r>
+              <a:rPr lang="nl-BE" sz="1800" dirty="0"/>
+              <a:t>3 versies van elke afbeelding op de server</a:t>
+            </a:r>
+          </a:p>
+          <a:p>
+            <a:r>
+              <a:rPr lang="nl-BE" sz="1800" dirty="0"/>
+              <a:t>→ </a:t>
+            </a:r>
+            <a:r>
+              <a:rPr lang="nl-BE" sz="1800" dirty="0" err="1"/>
+              <a:t>original</a:t>
+            </a:r>
+            <a:r>
+              <a:rPr lang="nl-BE" sz="1800" dirty="0"/>
+              <a:t>: oorspronkelijke afbeelding</a:t>
+            </a:r>
+          </a:p>
+          <a:p>
+            <a:endParaRPr lang="nl-BE" sz="1800" dirty="0"/>
+          </a:p>
+          <a:p>
+            <a:r>
+              <a:rPr lang="nl-BE" sz="1800" dirty="0"/>
+              <a:t>→ </a:t>
+            </a:r>
+            <a:r>
+              <a:rPr lang="nl-BE" sz="1800" dirty="0" err="1"/>
+              <a:t>highRes</a:t>
+            </a:r>
+            <a:r>
+              <a:rPr lang="nl-BE" sz="1800" dirty="0"/>
+              <a:t>: 300x300 formaat voor webpagina's</a:t>
+            </a:r>
+          </a:p>
+          <a:p>
+            <a:endParaRPr lang="nl-BE" sz="1800" dirty="0"/>
+          </a:p>
+          <a:p>
+            <a:r>
+              <a:rPr lang="nl-BE" sz="1800" dirty="0"/>
+              <a:t>→ </a:t>
+            </a:r>
+            <a:r>
+              <a:rPr lang="nl-BE" sz="1800" dirty="0" err="1"/>
+              <a:t>lowRes</a:t>
+            </a:r>
+            <a:r>
+              <a:rPr lang="nl-BE" sz="1800" dirty="0"/>
+              <a:t>: 32x16 formaat voor de led-matrix</a:t>
+            </a:r>
+          </a:p>
+        </p:txBody>
+      </p:sp>
+      <p:pic>
+        <p:nvPicPr>
+          <p:cNvPr id="5" name="Afbeelding 4"/>
+          <p:cNvPicPr>
+            <a:picLocks noChangeAspect="1"/>
+          </p:cNvPicPr>
+          <p:nvPr/>
+        </p:nvPicPr>
+        <p:blipFill>
+          <a:blip r:embed="rId2">
+            <a:lum bright="-50000"/>
+            <a:alphaModFix/>
+          </a:blip>
+          <a:srcRect/>
+          <a:stretch>
+            <a:fillRect/>
+          </a:stretch>
+        </p:blipFill>
+        <p:spPr>
+          <a:xfrm>
+            <a:off x="5218920" y="1349640"/>
+            <a:ext cx="3249000" cy="4427640"/>
+          </a:xfrm>
+          <a:prstGeom prst="rect">
+            <a:avLst/>
+          </a:prstGeom>
+          <a:noFill/>
+          <a:ln>
+            <a:noFill/>
+          </a:ln>
+        </p:spPr>
+      </p:pic>
+    </p:spTree>
+    <p:extLst>
+      <p:ext uri="{BB962C8B-B14F-4D97-AF65-F5344CB8AC3E}">
+        <p14:creationId xmlns:p14="http://schemas.microsoft.com/office/powerpoint/2010/main" val="2538458539"/>
+      </p:ext>
+    </p:extLst>
+  </p:cSld>
+  <p:clrMapOvr>
+    <a:masterClrMapping/>
+  </p:clrMapOvr>
+</p:sld>
+</file>
+
+<file path=ppt/slides/slide2.xml><?xml version="1.0" encoding="utf-8"?>
+<p:sld xmlns:a="http://schemas.openxmlformats.org/drawingml/2006/main" xmlns:r="http://schemas.openxmlformats.org/officeDocument/2006/relationships" xmlns:p="http://schemas.openxmlformats.org/presentationml/2006/main">
+  <p:cSld>
+    <p:spTree>
+      <p:nvGrpSpPr>
+        <p:cNvPr id="1" name=""/>
+        <p:cNvGrpSpPr/>
+        <p:nvPr/>
+      </p:nvGrpSpPr>
+      <p:grpSpPr>
+        <a:xfrm>
+          <a:off x="0" y="0"/>
+          <a:ext cx="0" cy="0"/>
+          <a:chOff x="0" y="0"/>
+          <a:chExt cx="0" cy="0"/>
+        </a:xfrm>
+      </p:grpSpPr>
+      <p:sp>
+        <p:nvSpPr>
+          <p:cNvPr id="4" name="Rectangle 1"/>
+          <p:cNvSpPr>
+            <a:spLocks noGrp="1" noChangeArrowheads="1"/>
+          </p:cNvSpPr>
+          <p:nvPr>
+            <p:ph type="subTitle" idx="1"/>
+          </p:nvPr>
+        </p:nvSpPr>
+        <p:spPr bwMode="auto">
+          <a:xfrm>
+            <a:off x="179512" y="1988840"/>
+            <a:ext cx="2762295" cy="4801314"/>
+          </a:xfrm>
+          <a:prstGeom prst="rect">
+            <a:avLst/>
+          </a:prstGeom>
+          <a:noFill/>
+          <a:ln>
+            <a:noFill/>
+          </a:ln>
+          <a:effectLst/>
+          <a:extLst>
+            <a:ext uri="{909E8E84-426E-40DD-AFC4-6F175D3DCCD1}">
+              <a14:hiddenFill xmlns:a14="http://schemas.microsoft.com/office/drawing/2010/main">
+                <a:solidFill>
+                  <a:schemeClr val="accent1"/>
+                </a:solidFill>
+              </a14:hiddenFill>
+            </a:ext>
+            <a:ext uri="{91240B29-F687-4F45-9708-019B960494DF}">
+              <a14:hiddenLine xmlns:a14="http://schemas.microsoft.com/office/drawing/2010/main" w="9525">
+                <a:solidFill>
+                  <a:schemeClr val="tx1"/>
+                </a:solidFill>
+                <a:miter lim="800000"/>
+                <a:headEnd/>
+                <a:tailEnd/>
+              </a14:hiddenLine>
+            </a:ext>
+            <a:ext uri="{AF507438-7753-43E0-B8FC-AC1667EBCBE1}">
+              <a14:hiddenEffects xmlns:a14="http://schemas.microsoft.com/office/drawing/2010/main">
+                <a:effectLst>
+                  <a:outerShdw dist="35921" dir="2700000" algn="ctr" rotWithShape="0">
+                    <a:schemeClr val="bg2"/>
+                  </a:outerShdw>
+                </a:effectLst>
+              </a14:hiddenEffects>
+            </a:ext>
+          </a:extLst>
+        </p:spPr>
+        <p:txBody>
+          <a:bodyPr vert="horz" wrap="none" lIns="91440" tIns="45720" rIns="91440" bIns="45720" numCol="1" anchor="ctr" anchorCtr="0" compatLnSpc="1">
+            <a:prstTxWarp prst="textNoShape">
+              <a:avLst/>
+            </a:prstTxWarp>
+            <a:spAutoFit/>
+          </a:bodyPr>
+          <a:lstStyle/>
+          <a:p>
+            <a:pPr marL="285750" marR="0" lvl="0" indent="-285750" algn="l" defTabSz="914400" rtl="0" eaLnBrk="0" fontAlgn="base" latinLnBrk="0" hangingPunct="0">
+              <a:lnSpc>
+                <a:spcPct val="100000"/>
+              </a:lnSpc>
+              <a:spcBef>
+                <a:spcPct val="0"/>
+              </a:spcBef>
+              <a:spcAft>
+                <a:spcPct val="0"/>
+              </a:spcAft>
+              <a:buClrTx/>
+              <a:buSzTx/>
+              <a:buFont typeface="Arial" panose="020B0604020202020204" pitchFamily="34" charset="0"/>
+              <a:buChar char="•"/>
+              <a:tabLst/>
+            </a:pPr>
+            <a:r>
+              <a:rPr kumimoji="0" lang="nl-NL" altLang="nl-BE" sz="1800" b="0" i="0" u="none" strike="noStrike" cap="none" normalizeH="0" baseline="0" dirty="0" smtClean="0">
+                <a:ln>
+                  <a:noFill/>
+                </a:ln>
+                <a:solidFill>
+                  <a:srgbClr val="595959"/>
+                </a:solidFill>
+                <a:effectLst/>
+                <a:latin typeface="+mj-lt"/>
+                <a:ea typeface="Cambria" panose="02040503050406030204" pitchFamily="18" charset="0"/>
+                <a:cs typeface="Times New Roman" panose="02020603050405020304" pitchFamily="18" charset="0"/>
+              </a:rPr>
+              <a:t>Francis Hoste</a:t>
+            </a:r>
+            <a:endParaRPr kumimoji="0" lang="nl-BE" altLang="nl-BE" sz="1800" b="0" i="0" u="none" strike="noStrike" cap="none" normalizeH="0" baseline="0" dirty="0" smtClean="0">
+              <a:ln>
+                <a:noFill/>
+              </a:ln>
+              <a:solidFill>
+                <a:schemeClr val="tx1"/>
+              </a:solidFill>
+              <a:effectLst/>
+              <a:latin typeface="+mj-lt"/>
+            </a:endParaRPr>
+          </a:p>
+          <a:p>
+            <a:pPr marL="285750" marR="0" lvl="0" indent="-285750" algn="l" defTabSz="914400" rtl="0" eaLnBrk="0" fontAlgn="base" latinLnBrk="0" hangingPunct="0">
+              <a:lnSpc>
+                <a:spcPct val="100000"/>
+              </a:lnSpc>
+              <a:spcBef>
+                <a:spcPct val="0"/>
+              </a:spcBef>
+              <a:spcAft>
+                <a:spcPct val="0"/>
+              </a:spcAft>
+              <a:buClrTx/>
+              <a:buSzTx/>
+              <a:buFont typeface="Arial" panose="020B0604020202020204" pitchFamily="34" charset="0"/>
+              <a:buChar char="•"/>
+              <a:tabLst/>
+            </a:pPr>
+            <a:r>
+              <a:rPr kumimoji="0" lang="nl-NL" altLang="nl-BE" sz="1800" b="0" i="0" u="none" strike="noStrike" cap="none" normalizeH="0" baseline="0" dirty="0" err="1" smtClean="0">
+                <a:ln>
+                  <a:noFill/>
+                </a:ln>
+                <a:solidFill>
+                  <a:srgbClr val="595959"/>
+                </a:solidFill>
+                <a:effectLst/>
+                <a:latin typeface="+mj-lt"/>
+                <a:ea typeface="Cambria" panose="02040503050406030204" pitchFamily="18" charset="0"/>
+                <a:cs typeface="Times New Roman" panose="02020603050405020304" pitchFamily="18" charset="0"/>
+              </a:rPr>
+              <a:t>Gerd</a:t>
+            </a:r>
+            <a:r>
+              <a:rPr kumimoji="0" lang="nl-NL" altLang="nl-BE" sz="1800" b="0" i="0" u="none" strike="noStrike" cap="none" normalizeH="0" baseline="0" dirty="0" smtClean="0">
+                <a:ln>
+                  <a:noFill/>
+                </a:ln>
+                <a:solidFill>
+                  <a:srgbClr val="595959"/>
+                </a:solidFill>
+                <a:effectLst/>
+                <a:latin typeface="+mj-lt"/>
+                <a:ea typeface="Cambria" panose="02040503050406030204" pitchFamily="18" charset="0"/>
+                <a:cs typeface="Times New Roman" panose="02020603050405020304" pitchFamily="18" charset="0"/>
+              </a:rPr>
+              <a:t> Van Buggenhout</a:t>
+            </a:r>
+            <a:endParaRPr kumimoji="0" lang="nl-BE" altLang="nl-BE" sz="1800" b="0" i="0" u="none" strike="noStrike" cap="none" normalizeH="0" baseline="0" dirty="0" smtClean="0">
+              <a:ln>
+                <a:noFill/>
+              </a:ln>
+              <a:solidFill>
+                <a:schemeClr val="tx1"/>
+              </a:solidFill>
+              <a:effectLst/>
+              <a:latin typeface="+mj-lt"/>
+            </a:endParaRPr>
+          </a:p>
+          <a:p>
+            <a:pPr marL="285750" marR="0" lvl="0" indent="-285750" algn="l" defTabSz="914400" rtl="0" eaLnBrk="0" fontAlgn="base" latinLnBrk="0" hangingPunct="0">
+              <a:lnSpc>
+                <a:spcPct val="100000"/>
+              </a:lnSpc>
+              <a:spcBef>
+                <a:spcPct val="0"/>
+              </a:spcBef>
+              <a:spcAft>
+                <a:spcPct val="0"/>
+              </a:spcAft>
+              <a:buClrTx/>
+              <a:buSzTx/>
+              <a:buFont typeface="Arial" panose="020B0604020202020204" pitchFamily="34" charset="0"/>
+              <a:buChar char="•"/>
+              <a:tabLst/>
+            </a:pPr>
+            <a:r>
+              <a:rPr kumimoji="0" lang="nl-NL" altLang="nl-BE" sz="1800" b="0" i="0" u="none" strike="noStrike" cap="none" normalizeH="0" baseline="0" dirty="0" smtClean="0">
+                <a:ln>
+                  <a:noFill/>
+                </a:ln>
+                <a:solidFill>
+                  <a:srgbClr val="595959"/>
+                </a:solidFill>
+                <a:effectLst/>
+                <a:latin typeface="+mj-lt"/>
+                <a:ea typeface="Cambria" panose="02040503050406030204" pitchFamily="18" charset="0"/>
+                <a:cs typeface="Times New Roman" panose="02020603050405020304" pitchFamily="18" charset="0"/>
+              </a:rPr>
+              <a:t>Jonas Van </a:t>
+            </a:r>
+            <a:r>
+              <a:rPr kumimoji="0" lang="nl-NL" altLang="nl-BE" sz="1800" b="0" i="0" u="none" strike="noStrike" cap="none" normalizeH="0" baseline="0" dirty="0" err="1" smtClean="0">
+                <a:ln>
+                  <a:noFill/>
+                </a:ln>
+                <a:solidFill>
+                  <a:srgbClr val="595959"/>
+                </a:solidFill>
+                <a:effectLst/>
+                <a:latin typeface="+mj-lt"/>
+                <a:ea typeface="Cambria" panose="02040503050406030204" pitchFamily="18" charset="0"/>
+                <a:cs typeface="Times New Roman" panose="02020603050405020304" pitchFamily="18" charset="0"/>
+              </a:rPr>
+              <a:t>Waes</a:t>
+            </a:r>
+            <a:endParaRPr kumimoji="0" lang="nl-BE" altLang="nl-BE" sz="1800" b="0" i="0" u="none" strike="noStrike" cap="none" normalizeH="0" baseline="0" dirty="0" smtClean="0">
+              <a:ln>
+                <a:noFill/>
+              </a:ln>
+              <a:solidFill>
+                <a:schemeClr val="tx1"/>
+              </a:solidFill>
+              <a:effectLst/>
+              <a:latin typeface="+mj-lt"/>
+            </a:endParaRPr>
+          </a:p>
+          <a:p>
+            <a:pPr marL="285750" marR="0" lvl="0" indent="-285750" algn="l" defTabSz="914400" rtl="0" eaLnBrk="0" fontAlgn="base" latinLnBrk="0" hangingPunct="0">
+              <a:lnSpc>
+                <a:spcPct val="100000"/>
+              </a:lnSpc>
+              <a:spcBef>
+                <a:spcPct val="0"/>
+              </a:spcBef>
+              <a:spcAft>
+                <a:spcPct val="0"/>
+              </a:spcAft>
+              <a:buClrTx/>
+              <a:buSzTx/>
+              <a:buFont typeface="Arial" panose="020B0604020202020204" pitchFamily="34" charset="0"/>
+              <a:buChar char="•"/>
+              <a:tabLst/>
+            </a:pPr>
+            <a:r>
+              <a:rPr kumimoji="0" lang="nl-NL" altLang="nl-BE" sz="1800" b="0" i="0" u="none" strike="noStrike" cap="none" normalizeH="0" baseline="0" dirty="0" smtClean="0">
+                <a:ln>
+                  <a:noFill/>
+                </a:ln>
+                <a:solidFill>
+                  <a:srgbClr val="595959"/>
+                </a:solidFill>
+                <a:effectLst/>
+                <a:latin typeface="+mj-lt"/>
+                <a:ea typeface="Cambria" panose="02040503050406030204" pitchFamily="18" charset="0"/>
+                <a:cs typeface="Times New Roman" panose="02020603050405020304" pitchFamily="18" charset="0"/>
+              </a:rPr>
+              <a:t>Kevin Van Hee</a:t>
+            </a:r>
+            <a:endParaRPr kumimoji="0" lang="nl-BE" altLang="nl-BE" sz="1800" b="0" i="0" u="none" strike="noStrike" cap="none" normalizeH="0" baseline="0" dirty="0" smtClean="0">
+              <a:ln>
+                <a:noFill/>
+              </a:ln>
+              <a:solidFill>
+                <a:schemeClr val="tx1"/>
+              </a:solidFill>
+              <a:effectLst/>
+              <a:latin typeface="+mj-lt"/>
+            </a:endParaRPr>
+          </a:p>
+          <a:p>
+            <a:pPr marL="285750" marR="0" lvl="0" indent="-285750" algn="l" defTabSz="914400" rtl="0" eaLnBrk="0" fontAlgn="base" latinLnBrk="0" hangingPunct="0">
+              <a:lnSpc>
+                <a:spcPct val="100000"/>
+              </a:lnSpc>
+              <a:spcBef>
+                <a:spcPct val="0"/>
+              </a:spcBef>
+              <a:spcAft>
+                <a:spcPct val="0"/>
+              </a:spcAft>
+              <a:buClrTx/>
+              <a:buSzTx/>
+              <a:buFont typeface="Arial" panose="020B0604020202020204" pitchFamily="34" charset="0"/>
+              <a:buChar char="•"/>
+              <a:tabLst/>
+            </a:pPr>
+            <a:r>
+              <a:rPr kumimoji="0" lang="nl-NL" altLang="nl-BE" sz="1800" b="0" i="0" u="none" strike="noStrike" cap="none" normalizeH="0" baseline="0" dirty="0" smtClean="0">
+                <a:ln>
+                  <a:noFill/>
+                </a:ln>
+                <a:solidFill>
+                  <a:srgbClr val="595959"/>
+                </a:solidFill>
+                <a:effectLst/>
+                <a:latin typeface="+mj-lt"/>
+                <a:ea typeface="Cambria" panose="02040503050406030204" pitchFamily="18" charset="0"/>
+                <a:cs typeface="Times New Roman" panose="02020603050405020304" pitchFamily="18" charset="0"/>
+              </a:rPr>
+              <a:t>Tomas </a:t>
+            </a:r>
+            <a:r>
+              <a:rPr kumimoji="0" lang="nl-NL" altLang="nl-BE" sz="1800" b="0" i="0" u="none" strike="noStrike" cap="none" normalizeH="0" baseline="0" dirty="0" err="1" smtClean="0">
+                <a:ln>
+                  <a:noFill/>
+                </a:ln>
+                <a:solidFill>
+                  <a:srgbClr val="595959"/>
+                </a:solidFill>
+                <a:effectLst/>
+                <a:latin typeface="+mj-lt"/>
+                <a:ea typeface="Cambria" panose="02040503050406030204" pitchFamily="18" charset="0"/>
+                <a:cs typeface="Times New Roman" panose="02020603050405020304" pitchFamily="18" charset="0"/>
+              </a:rPr>
+              <a:t>Kello</a:t>
+            </a:r>
+            <a:endParaRPr kumimoji="0" lang="nl-BE" altLang="nl-BE" sz="1800" b="0" i="0" u="none" strike="noStrike" cap="none" normalizeH="0" baseline="0" dirty="0" smtClean="0">
+              <a:ln>
+                <a:noFill/>
+              </a:ln>
+              <a:solidFill>
+                <a:schemeClr val="tx1"/>
+              </a:solidFill>
+              <a:effectLst/>
+              <a:latin typeface="+mj-lt"/>
+            </a:endParaRPr>
+          </a:p>
+          <a:p>
+            <a:pPr marL="0" marR="0" lvl="0" indent="0" algn="l" defTabSz="914400" rtl="0" eaLnBrk="0" fontAlgn="base" latinLnBrk="0" hangingPunct="0">
+              <a:lnSpc>
+                <a:spcPct val="100000"/>
+              </a:lnSpc>
+              <a:spcBef>
+                <a:spcPct val="0"/>
+              </a:spcBef>
+              <a:spcAft>
+                <a:spcPct val="0"/>
+              </a:spcAft>
+              <a:buClrTx/>
+              <a:buSzTx/>
+              <a:buFontTx/>
+              <a:buNone/>
+              <a:tabLst/>
+            </a:pPr>
+            <a:endParaRPr kumimoji="0" lang="nl-NL" altLang="nl-BE" sz="1800" b="0" i="0" u="none" strike="noStrike" cap="none" normalizeH="0" baseline="0" dirty="0" smtClean="0">
+              <a:ln>
+                <a:noFill/>
+              </a:ln>
+              <a:solidFill>
+                <a:srgbClr val="595959"/>
+              </a:solidFill>
+              <a:effectLst/>
+              <a:latin typeface="+mj-lt"/>
+              <a:ea typeface="Cambria" panose="02040503050406030204" pitchFamily="18" charset="0"/>
+              <a:cs typeface="Times New Roman" panose="02020603050405020304" pitchFamily="18" charset="0"/>
+            </a:endParaRPr>
+          </a:p>
+          <a:p>
+            <a:pPr marL="0" marR="0" lvl="0" indent="0" algn="l" defTabSz="914400" rtl="0" eaLnBrk="0" fontAlgn="base" latinLnBrk="0" hangingPunct="0">
+              <a:lnSpc>
+                <a:spcPct val="100000"/>
+              </a:lnSpc>
+              <a:spcBef>
+                <a:spcPct val="0"/>
+              </a:spcBef>
+              <a:spcAft>
+                <a:spcPct val="0"/>
+              </a:spcAft>
+              <a:buClrTx/>
+              <a:buSzTx/>
+              <a:buFontTx/>
+              <a:buNone/>
+              <a:tabLst/>
+            </a:pPr>
+            <a:endParaRPr lang="nl-NL" altLang="nl-BE" sz="1800" dirty="0">
+              <a:solidFill>
+                <a:srgbClr val="595959"/>
+              </a:solidFill>
+              <a:latin typeface="+mj-lt"/>
+              <a:ea typeface="Cambria" panose="02040503050406030204" pitchFamily="18" charset="0"/>
+              <a:cs typeface="Times New Roman" panose="02020603050405020304" pitchFamily="18" charset="0"/>
+            </a:endParaRPr>
+          </a:p>
+          <a:p>
+            <a:pPr marL="0" marR="0" lvl="0" indent="0" algn="l" defTabSz="914400" rtl="0" eaLnBrk="0" fontAlgn="base" latinLnBrk="0" hangingPunct="0">
+              <a:lnSpc>
+                <a:spcPct val="100000"/>
+              </a:lnSpc>
+              <a:spcBef>
+                <a:spcPct val="0"/>
+              </a:spcBef>
+              <a:spcAft>
+                <a:spcPct val="0"/>
+              </a:spcAft>
+              <a:buClrTx/>
+              <a:buSzTx/>
+              <a:buFontTx/>
+              <a:buNone/>
+              <a:tabLst/>
+            </a:pPr>
+            <a:endParaRPr kumimoji="0" lang="nl-NL" altLang="nl-BE" sz="1800" b="0" i="0" u="none" strike="noStrike" cap="none" normalizeH="0" baseline="0" dirty="0" smtClean="0">
+              <a:ln>
+                <a:noFill/>
+              </a:ln>
+              <a:solidFill>
+                <a:srgbClr val="595959"/>
+              </a:solidFill>
+              <a:effectLst/>
+              <a:latin typeface="+mj-lt"/>
+              <a:ea typeface="Cambria" panose="02040503050406030204" pitchFamily="18" charset="0"/>
+              <a:cs typeface="Times New Roman" panose="02020603050405020304" pitchFamily="18" charset="0"/>
+            </a:endParaRPr>
+          </a:p>
+          <a:p>
+            <a:pPr marL="0" marR="0" lvl="0" indent="0" algn="l" defTabSz="914400" rtl="0" eaLnBrk="0" fontAlgn="base" latinLnBrk="0" hangingPunct="0">
+              <a:lnSpc>
+                <a:spcPct val="100000"/>
+              </a:lnSpc>
+              <a:spcBef>
+                <a:spcPct val="0"/>
+              </a:spcBef>
+              <a:spcAft>
+                <a:spcPct val="0"/>
+              </a:spcAft>
+              <a:buClrTx/>
+              <a:buSzTx/>
+              <a:buFontTx/>
+              <a:buNone/>
+              <a:tabLst/>
+            </a:pPr>
+            <a:endParaRPr lang="nl-NL" altLang="nl-BE" sz="1800" dirty="0">
+              <a:solidFill>
+                <a:srgbClr val="595959"/>
+              </a:solidFill>
+              <a:latin typeface="+mj-lt"/>
+              <a:ea typeface="Cambria" panose="02040503050406030204" pitchFamily="18" charset="0"/>
+              <a:cs typeface="Times New Roman" panose="02020603050405020304" pitchFamily="18" charset="0"/>
+            </a:endParaRPr>
+          </a:p>
+          <a:p>
+            <a:pPr marL="0" marR="0" lvl="0" indent="0" algn="l" defTabSz="914400" rtl="0" eaLnBrk="0" fontAlgn="base" latinLnBrk="0" hangingPunct="0">
+              <a:lnSpc>
+                <a:spcPct val="100000"/>
+              </a:lnSpc>
+              <a:spcBef>
+                <a:spcPct val="0"/>
+              </a:spcBef>
+              <a:spcAft>
+                <a:spcPct val="0"/>
+              </a:spcAft>
+              <a:buClrTx/>
+              <a:buSzTx/>
+              <a:buFontTx/>
+              <a:buNone/>
+              <a:tabLst/>
+            </a:pPr>
+            <a:endParaRPr kumimoji="0" lang="nl-NL" altLang="nl-BE" sz="1800" b="0" i="0" u="none" strike="noStrike" cap="none" normalizeH="0" baseline="0" dirty="0" smtClean="0">
+              <a:ln>
+                <a:noFill/>
+              </a:ln>
+              <a:solidFill>
+                <a:srgbClr val="595959"/>
+              </a:solidFill>
+              <a:effectLst/>
+              <a:latin typeface="+mj-lt"/>
+              <a:ea typeface="Cambria" panose="02040503050406030204" pitchFamily="18" charset="0"/>
+              <a:cs typeface="Times New Roman" panose="02020603050405020304" pitchFamily="18" charset="0"/>
+            </a:endParaRPr>
+          </a:p>
+          <a:p>
+            <a:pPr marL="0" marR="0" lvl="0" indent="0" algn="l" defTabSz="914400" rtl="0" eaLnBrk="0" fontAlgn="base" latinLnBrk="0" hangingPunct="0">
+              <a:lnSpc>
+                <a:spcPct val="100000"/>
+              </a:lnSpc>
+              <a:spcBef>
+                <a:spcPct val="0"/>
+              </a:spcBef>
+              <a:spcAft>
+                <a:spcPct val="0"/>
+              </a:spcAft>
+              <a:buClrTx/>
+              <a:buSzTx/>
+              <a:buFontTx/>
+              <a:buNone/>
+              <a:tabLst/>
+            </a:pPr>
+            <a:endParaRPr lang="nl-NL" altLang="nl-BE" sz="1800" dirty="0">
+              <a:solidFill>
+                <a:srgbClr val="595959"/>
+              </a:solidFill>
+              <a:latin typeface="+mj-lt"/>
+              <a:ea typeface="Cambria" panose="02040503050406030204" pitchFamily="18" charset="0"/>
+              <a:cs typeface="Times New Roman" panose="02020603050405020304" pitchFamily="18" charset="0"/>
+            </a:endParaRPr>
+          </a:p>
+          <a:p>
+            <a:pPr marL="0" marR="0" lvl="0" indent="0" algn="l" defTabSz="914400" rtl="0" eaLnBrk="0" fontAlgn="base" latinLnBrk="0" hangingPunct="0">
+              <a:lnSpc>
+                <a:spcPct val="100000"/>
+              </a:lnSpc>
+              <a:spcBef>
+                <a:spcPct val="0"/>
+              </a:spcBef>
+              <a:spcAft>
+                <a:spcPct val="0"/>
+              </a:spcAft>
+              <a:buClrTx/>
+              <a:buSzTx/>
+              <a:buFontTx/>
+              <a:buNone/>
+              <a:tabLst/>
+            </a:pPr>
+            <a:endParaRPr kumimoji="0" lang="nl-NL" altLang="nl-BE" sz="1800" b="0" i="0" u="none" strike="noStrike" cap="none" normalizeH="0" baseline="0" dirty="0" smtClean="0">
+              <a:ln>
+                <a:noFill/>
+              </a:ln>
+              <a:solidFill>
+                <a:srgbClr val="595959"/>
+              </a:solidFill>
+              <a:effectLst/>
+              <a:latin typeface="+mj-lt"/>
+              <a:ea typeface="Cambria" panose="02040503050406030204" pitchFamily="18" charset="0"/>
+              <a:cs typeface="Times New Roman" panose="02020603050405020304" pitchFamily="18" charset="0"/>
+            </a:endParaRPr>
+          </a:p>
+          <a:p>
+            <a:pPr marL="0" marR="0" lvl="0" indent="0" algn="l" defTabSz="914400" rtl="0" eaLnBrk="0" fontAlgn="base" latinLnBrk="0" hangingPunct="0">
+              <a:lnSpc>
+                <a:spcPct val="100000"/>
+              </a:lnSpc>
+              <a:spcBef>
+                <a:spcPct val="0"/>
+              </a:spcBef>
+              <a:spcAft>
+                <a:spcPct val="0"/>
+              </a:spcAft>
+              <a:buClrTx/>
+              <a:buSzTx/>
+              <a:buFontTx/>
+              <a:buNone/>
+              <a:tabLst/>
+            </a:pPr>
+            <a:endParaRPr lang="nl-NL" altLang="nl-BE" sz="1800" dirty="0">
+              <a:solidFill>
+                <a:srgbClr val="595959"/>
+              </a:solidFill>
+              <a:latin typeface="+mj-lt"/>
+              <a:ea typeface="Cambria" panose="02040503050406030204" pitchFamily="18" charset="0"/>
+              <a:cs typeface="Times New Roman" panose="02020603050405020304" pitchFamily="18" charset="0"/>
+            </a:endParaRPr>
+          </a:p>
+          <a:p>
+            <a:pPr marL="0" marR="0" lvl="0" indent="0" algn="l" defTabSz="914400" rtl="0" eaLnBrk="0" fontAlgn="base" latinLnBrk="0" hangingPunct="0">
+              <a:lnSpc>
+                <a:spcPct val="100000"/>
+              </a:lnSpc>
+              <a:spcBef>
+                <a:spcPct val="0"/>
+              </a:spcBef>
+              <a:spcAft>
+                <a:spcPct val="0"/>
+              </a:spcAft>
+              <a:buClrTx/>
+              <a:buSzTx/>
+              <a:buFontTx/>
+              <a:buNone/>
+              <a:tabLst/>
+            </a:pPr>
+            <a:endParaRPr kumimoji="0" lang="nl-NL" altLang="nl-BE" sz="1800" b="0" i="0" u="none" strike="noStrike" cap="none" normalizeH="0" baseline="0" dirty="0" smtClean="0">
+              <a:ln>
+                <a:noFill/>
+              </a:ln>
+              <a:solidFill>
+                <a:srgbClr val="595959"/>
+              </a:solidFill>
+              <a:effectLst/>
+              <a:latin typeface="+mj-lt"/>
+              <a:ea typeface="Cambria" panose="02040503050406030204" pitchFamily="18" charset="0"/>
+              <a:cs typeface="Times New Roman" panose="02020603050405020304" pitchFamily="18" charset="0"/>
+            </a:endParaRPr>
+          </a:p>
+          <a:p>
+            <a:pPr marL="0" marR="0" lvl="0" indent="0" algn="l" defTabSz="914400" rtl="0" eaLnBrk="0" fontAlgn="base" latinLnBrk="0" hangingPunct="0">
+              <a:lnSpc>
+                <a:spcPct val="100000"/>
+              </a:lnSpc>
+              <a:spcBef>
+                <a:spcPct val="0"/>
+              </a:spcBef>
+              <a:spcAft>
+                <a:spcPct val="0"/>
+              </a:spcAft>
+              <a:buClrTx/>
+              <a:buSzTx/>
+              <a:buFontTx/>
+              <a:buNone/>
+              <a:tabLst/>
+            </a:pPr>
+            <a:endParaRPr lang="nl-NL" altLang="nl-BE" sz="1800" dirty="0">
+              <a:solidFill>
+                <a:srgbClr val="595959"/>
+              </a:solidFill>
+              <a:latin typeface="+mj-lt"/>
+              <a:ea typeface="Cambria" panose="02040503050406030204" pitchFamily="18" charset="0"/>
+              <a:cs typeface="Times New Roman" panose="02020603050405020304" pitchFamily="18" charset="0"/>
+            </a:endParaRPr>
+          </a:p>
+          <a:p>
+            <a:pPr marL="0" marR="0" lvl="0" indent="0" algn="l" defTabSz="914400" rtl="0" eaLnBrk="0" fontAlgn="base" latinLnBrk="0" hangingPunct="0">
+              <a:lnSpc>
+                <a:spcPct val="100000"/>
+              </a:lnSpc>
+              <a:spcBef>
+                <a:spcPct val="0"/>
+              </a:spcBef>
+              <a:spcAft>
+                <a:spcPct val="0"/>
+              </a:spcAft>
+              <a:buClrTx/>
+              <a:buSzTx/>
+              <a:buFontTx/>
+              <a:buNone/>
+              <a:tabLst/>
+            </a:pPr>
+            <a:endParaRPr kumimoji="0" lang="nl-NL" altLang="nl-BE" sz="1800" b="0" i="0" u="none" strike="noStrike" cap="none" normalizeH="0" baseline="0" dirty="0" smtClean="0">
+              <a:ln>
+                <a:noFill/>
+              </a:ln>
+              <a:solidFill>
+                <a:srgbClr val="595959"/>
+              </a:solidFill>
+              <a:effectLst/>
+              <a:latin typeface="+mj-lt"/>
+              <a:ea typeface="Cambria" panose="02040503050406030204" pitchFamily="18" charset="0"/>
+              <a:cs typeface="Times New Roman" panose="02020603050405020304" pitchFamily="18" charset="0"/>
+            </a:endParaRPr>
+          </a:p>
+          <a:p>
+            <a:pPr marL="0" marR="0" lvl="0" indent="0" algn="l" defTabSz="914400" rtl="0" eaLnBrk="0" fontAlgn="base" latinLnBrk="0" hangingPunct="0">
+              <a:lnSpc>
+                <a:spcPct val="100000"/>
+              </a:lnSpc>
+              <a:spcBef>
+                <a:spcPct val="0"/>
+              </a:spcBef>
+              <a:spcAft>
+                <a:spcPct val="0"/>
+              </a:spcAft>
+              <a:buClrTx/>
+              <a:buSzTx/>
+              <a:buFontTx/>
+              <a:buNone/>
+              <a:tabLst/>
+            </a:pPr>
+            <a:r>
+              <a:rPr kumimoji="0" lang="nl-NL" altLang="nl-BE" sz="1800" b="0" i="0" u="none" strike="noStrike" cap="none" normalizeH="0" baseline="0" dirty="0" smtClean="0">
+                <a:ln>
+                  <a:noFill/>
+                </a:ln>
+                <a:solidFill>
+                  <a:srgbClr val="595959"/>
+                </a:solidFill>
+                <a:effectLst/>
+                <a:latin typeface="+mj-lt"/>
+                <a:ea typeface="Cambria" panose="02040503050406030204" pitchFamily="18" charset="0"/>
+                <a:cs typeface="Times New Roman" panose="02020603050405020304" pitchFamily="18" charset="0"/>
+              </a:rPr>
+              <a:t>Academiejaar 2014-2015</a:t>
+            </a:r>
+            <a:endParaRPr kumimoji="0" lang="nl-NL" altLang="nl-BE" sz="1800" b="0" i="0" u="none" strike="noStrike" cap="none" normalizeH="0" baseline="0" dirty="0" smtClean="0">
+              <a:ln>
+                <a:noFill/>
+              </a:ln>
+              <a:solidFill>
+                <a:schemeClr val="tx1"/>
+              </a:solidFill>
+              <a:effectLst/>
+              <a:latin typeface="+mj-lt"/>
+            </a:endParaRPr>
+          </a:p>
+        </p:txBody>
+      </p:sp>
+    </p:spTree>
+    <p:extLst>
+      <p:ext uri="{BB962C8B-B14F-4D97-AF65-F5344CB8AC3E}">
+        <p14:creationId xmlns:p14="http://schemas.microsoft.com/office/powerpoint/2010/main" val="3976927276"/>
+      </p:ext>
+    </p:extLst>
+  </p:cSld>
+  <p:clrMapOvr>
+    <a:masterClrMapping/>
+  </p:clrMapOvr>
+  <p:timing>
+    <p:tnLst>
+      <p:par>
+        <p:cTn id="1" dur="indefinite" restart="never" nodeType="tmRoot"/>
+      </p:par>
+    </p:tnLst>
+  </p:timing>
+</p:sld>
+</file>
+
+<file path=ppt/slides/slide20.xml><?xml version="1.0" encoding="utf-8"?>
+<p:sld xmlns:a="http://schemas.openxmlformats.org/drawingml/2006/main" xmlns:r="http://schemas.openxmlformats.org/officeDocument/2006/relationships" xmlns:p="http://schemas.openxmlformats.org/presentationml/2006/main">
+  <p:cSld>
+    <p:spTree>
+      <p:nvGrpSpPr>
+        <p:cNvPr id="1" name=""/>
+        <p:cNvGrpSpPr/>
+        <p:nvPr/>
+      </p:nvGrpSpPr>
+      <p:grpSpPr>
+        <a:xfrm>
+          <a:off x="0" y="0"/>
+          <a:ext cx="0" cy="0"/>
+          <a:chOff x="0" y="0"/>
+          <a:chExt cx="0" cy="0"/>
+        </a:xfrm>
+      </p:grpSpPr>
+      <p:sp>
+        <p:nvSpPr>
+          <p:cNvPr id="2" name="Titel 1"/>
+          <p:cNvSpPr>
+            <a:spLocks noGrp="1"/>
+          </p:cNvSpPr>
+          <p:nvPr>
+            <p:ph type="title"/>
+          </p:nvPr>
+        </p:nvSpPr>
+        <p:spPr/>
+        <p:txBody>
+          <a:bodyPr/>
+          <a:lstStyle/>
+          <a:p>
+            <a:r>
+              <a:rPr lang="nl-BE" dirty="0"/>
+              <a:t>3. Softwarebeschrijving</a:t>
+            </a:r>
+          </a:p>
+        </p:txBody>
+      </p:sp>
+      <p:sp>
+        <p:nvSpPr>
+          <p:cNvPr id="3" name="Tijdelijke aanduiding voor dianummer 2"/>
+          <p:cNvSpPr>
+            <a:spLocks noGrp="1"/>
+          </p:cNvSpPr>
+          <p:nvPr>
+            <p:ph type="sldNum" sz="quarter" idx="12"/>
+          </p:nvPr>
+        </p:nvSpPr>
+        <p:spPr/>
+        <p:txBody>
+          <a:bodyPr/>
+          <a:lstStyle/>
+          <a:p>
+            <a:fld id="{F35D8031-C8E5-48F8-A3B6-81643B27A3AF}" type="slidenum">
+              <a:rPr lang="nl-BE" smtClean="0"/>
+              <a:pPr/>
+              <a:t>20</a:t>
+            </a:fld>
+            <a:endParaRPr lang="nl-BE" dirty="0"/>
+          </a:p>
+        </p:txBody>
+      </p:sp>
+      <p:sp>
+        <p:nvSpPr>
+          <p:cNvPr id="4" name="Tijdelijke aanduiding voor inhoud 3"/>
+          <p:cNvSpPr>
+            <a:spLocks noGrp="1"/>
+          </p:cNvSpPr>
+          <p:nvPr>
+            <p:ph idx="1"/>
+          </p:nvPr>
+        </p:nvSpPr>
+        <p:spPr>
+          <a:xfrm>
+            <a:off x="540000" y="1105052"/>
+            <a:ext cx="8208464" cy="4428000"/>
+          </a:xfrm>
+        </p:spPr>
+        <p:txBody>
+          <a:bodyPr/>
+          <a:lstStyle/>
+          <a:p>
+            <a:pPr lvl="0">
+              <a:lnSpc>
+                <a:spcPct val="100000"/>
+              </a:lnSpc>
+              <a:spcBef>
+                <a:spcPts val="0"/>
+              </a:spcBef>
+              <a:spcAft>
+                <a:spcPts val="1417"/>
+              </a:spcAft>
+              <a:buNone/>
+            </a:pPr>
+            <a:r>
+              <a:rPr lang="nl-BE" dirty="0"/>
+              <a:t>Controle </a:t>
+            </a:r>
+            <a:r>
+              <a:rPr lang="nl-BE" dirty="0" smtClean="0"/>
+              <a:t>uploaden</a:t>
+            </a:r>
+          </a:p>
+          <a:p>
+            <a:pPr lvl="0">
+              <a:lnSpc>
+                <a:spcPct val="100000"/>
+              </a:lnSpc>
+              <a:spcBef>
+                <a:spcPts val="0"/>
+              </a:spcBef>
+              <a:spcAft>
+                <a:spcPts val="1417"/>
+              </a:spcAft>
+              <a:buNone/>
+            </a:pPr>
+            <a:r>
+              <a:rPr lang="nl-BE" sz="1200" dirty="0" smtClean="0">
+                <a:solidFill>
+                  <a:srgbClr val="19177C"/>
+                </a:solidFill>
+                <a:latin typeface="Arial" pitchFamily="18"/>
+                <a:ea typeface="Microsoft YaHei" pitchFamily="18"/>
+                <a:cs typeface="Arial" pitchFamily="18"/>
+              </a:rPr>
+              <a:t>$</a:t>
+            </a:r>
+            <a:r>
+              <a:rPr lang="nl-BE" sz="1200" dirty="0" err="1">
+                <a:solidFill>
+                  <a:srgbClr val="19177C"/>
+                </a:solidFill>
+                <a:latin typeface="Arial" pitchFamily="18"/>
+                <a:ea typeface="Microsoft YaHei" pitchFamily="18"/>
+                <a:cs typeface="Arial" pitchFamily="18"/>
+              </a:rPr>
+              <a:t>allowedTypes</a:t>
+            </a:r>
+            <a:r>
+              <a:rPr lang="nl-BE" sz="1200" dirty="0">
+                <a:latin typeface="Arial" pitchFamily="18"/>
+                <a:ea typeface="Microsoft YaHei" pitchFamily="18"/>
+                <a:cs typeface="Arial" pitchFamily="18"/>
+              </a:rPr>
+              <a:t> </a:t>
+            </a:r>
+            <a:r>
+              <a:rPr lang="nl-BE" sz="1200" dirty="0">
+                <a:solidFill>
+                  <a:srgbClr val="666666"/>
+                </a:solidFill>
+                <a:latin typeface="Arial" pitchFamily="18"/>
+                <a:ea typeface="Microsoft YaHei" pitchFamily="18"/>
+                <a:cs typeface="Arial" pitchFamily="18"/>
+              </a:rPr>
+              <a:t>=</a:t>
+            </a:r>
+            <a:r>
+              <a:rPr lang="nl-BE" sz="1200" dirty="0">
+                <a:latin typeface="Arial" pitchFamily="18"/>
+                <a:ea typeface="Microsoft YaHei" pitchFamily="18"/>
+                <a:cs typeface="Arial" pitchFamily="18"/>
+              </a:rPr>
+              <a:t> </a:t>
+            </a:r>
+            <a:r>
+              <a:rPr lang="nl-BE" sz="1200" b="1" dirty="0">
+                <a:solidFill>
+                  <a:srgbClr val="008000"/>
+                </a:solidFill>
+                <a:latin typeface="Arial" pitchFamily="18"/>
+                <a:ea typeface="Microsoft YaHei" pitchFamily="18"/>
+                <a:cs typeface="Arial" pitchFamily="18"/>
+              </a:rPr>
+              <a:t>array</a:t>
+            </a:r>
+            <a:r>
+              <a:rPr lang="nl-BE" sz="1200" dirty="0">
+                <a:latin typeface="Arial" pitchFamily="18"/>
+                <a:ea typeface="Microsoft YaHei" pitchFamily="18"/>
+                <a:cs typeface="Arial" pitchFamily="18"/>
+              </a:rPr>
+              <a:t>(IMAGETYPE_GIF, IMAGETYPE_JPEG, IMAGETYPE_PNG, IMAGETYPE_SWF, IMAGETYPE_PSD, IMAGETYPE_BMP, IMAGETYPE_JPC, IMAGETYPE_JP2, IMAGETYPE_JPX, IMAGETYPE_JB2, IMAGETYPE_SWC, IMAGETYPE_IFF, IMAGETYPE_WBMP, IMAGETYPE_XBM, IMAGETYPE_ICO);</a:t>
+            </a:r>
+          </a:p>
+          <a:p>
+            <a:pPr lvl="0">
+              <a:lnSpc>
+                <a:spcPct val="100000"/>
+              </a:lnSpc>
+              <a:spcBef>
+                <a:spcPts val="0"/>
+              </a:spcBef>
+              <a:spcAft>
+                <a:spcPts val="1417"/>
+              </a:spcAft>
+              <a:buNone/>
+            </a:pPr>
+            <a:r>
+              <a:rPr lang="nl-BE" sz="1200" dirty="0">
+                <a:solidFill>
+                  <a:srgbClr val="19177C"/>
+                </a:solidFill>
+                <a:latin typeface="Arial" pitchFamily="18"/>
+                <a:ea typeface="Microsoft YaHei" pitchFamily="18"/>
+                <a:cs typeface="Arial" pitchFamily="18"/>
+              </a:rPr>
+              <a:t>$</a:t>
+            </a:r>
+            <a:r>
+              <a:rPr lang="nl-BE" sz="1200" dirty="0" err="1">
+                <a:solidFill>
+                  <a:srgbClr val="19177C"/>
+                </a:solidFill>
+                <a:latin typeface="Arial" pitchFamily="18"/>
+                <a:ea typeface="Microsoft YaHei" pitchFamily="18"/>
+                <a:cs typeface="Arial" pitchFamily="18"/>
+              </a:rPr>
+              <a:t>detectedType</a:t>
+            </a:r>
+            <a:r>
+              <a:rPr lang="nl-BE" sz="1200" dirty="0">
+                <a:latin typeface="Arial" pitchFamily="18"/>
+                <a:ea typeface="Microsoft YaHei" pitchFamily="18"/>
+                <a:cs typeface="Arial" pitchFamily="18"/>
+              </a:rPr>
+              <a:t> </a:t>
+            </a:r>
+            <a:r>
+              <a:rPr lang="nl-BE" sz="1200" dirty="0">
+                <a:solidFill>
+                  <a:srgbClr val="666666"/>
+                </a:solidFill>
+                <a:latin typeface="Arial" pitchFamily="18"/>
+                <a:ea typeface="Microsoft YaHei" pitchFamily="18"/>
+                <a:cs typeface="Arial" pitchFamily="18"/>
+              </a:rPr>
+              <a:t>=</a:t>
+            </a:r>
+            <a:r>
+              <a:rPr lang="nl-BE" sz="1200" dirty="0">
+                <a:latin typeface="Arial" pitchFamily="18"/>
+                <a:ea typeface="Microsoft YaHei" pitchFamily="18"/>
+                <a:cs typeface="Arial" pitchFamily="18"/>
+              </a:rPr>
+              <a:t> </a:t>
+            </a:r>
+            <a:r>
+              <a:rPr lang="nl-BE" sz="1200" dirty="0" err="1">
+                <a:solidFill>
+                  <a:srgbClr val="008000"/>
+                </a:solidFill>
+                <a:latin typeface="Arial" pitchFamily="18"/>
+                <a:ea typeface="Microsoft YaHei" pitchFamily="18"/>
+                <a:cs typeface="Arial" pitchFamily="18"/>
+              </a:rPr>
+              <a:t>exif_imagetype</a:t>
+            </a:r>
+            <a:r>
+              <a:rPr lang="nl-BE" sz="1200" dirty="0">
+                <a:latin typeface="Arial" pitchFamily="18"/>
+                <a:ea typeface="Microsoft YaHei" pitchFamily="18"/>
+                <a:cs typeface="Arial" pitchFamily="18"/>
+              </a:rPr>
+              <a:t>(</a:t>
+            </a:r>
+            <a:r>
+              <a:rPr lang="nl-BE" sz="1200" dirty="0">
+                <a:solidFill>
+                  <a:srgbClr val="19177C"/>
+                </a:solidFill>
+                <a:latin typeface="Arial" pitchFamily="18"/>
+                <a:ea typeface="Microsoft YaHei" pitchFamily="18"/>
+                <a:cs typeface="Arial" pitchFamily="18"/>
+              </a:rPr>
+              <a:t>$</a:t>
+            </a:r>
+            <a:r>
+              <a:rPr lang="nl-BE" sz="1200" dirty="0" err="1">
+                <a:solidFill>
+                  <a:srgbClr val="19177C"/>
+                </a:solidFill>
+                <a:latin typeface="Arial" pitchFamily="18"/>
+                <a:ea typeface="Microsoft YaHei" pitchFamily="18"/>
+                <a:cs typeface="Arial" pitchFamily="18"/>
+              </a:rPr>
+              <a:t>tmp_name</a:t>
+            </a:r>
+            <a:r>
+              <a:rPr lang="nl-BE" sz="1200" dirty="0">
+                <a:latin typeface="Arial" pitchFamily="18"/>
+                <a:ea typeface="Microsoft YaHei" pitchFamily="18"/>
+                <a:cs typeface="Arial" pitchFamily="18"/>
+              </a:rPr>
+              <a:t>);</a:t>
+            </a:r>
+          </a:p>
+          <a:p>
+            <a:pPr lvl="0">
+              <a:lnSpc>
+                <a:spcPct val="100000"/>
+              </a:lnSpc>
+              <a:spcBef>
+                <a:spcPts val="0"/>
+              </a:spcBef>
+              <a:spcAft>
+                <a:spcPts val="1417"/>
+              </a:spcAft>
+              <a:buNone/>
+            </a:pPr>
+            <a:endParaRPr lang="nl-BE" sz="1200" dirty="0">
+              <a:latin typeface="Arial" pitchFamily="18"/>
+              <a:ea typeface="Microsoft YaHei" pitchFamily="18"/>
+              <a:cs typeface="Arial" pitchFamily="18"/>
+            </a:endParaRPr>
+          </a:p>
+          <a:p>
+            <a:pPr lvl="0">
+              <a:lnSpc>
+                <a:spcPct val="100000"/>
+              </a:lnSpc>
+              <a:spcBef>
+                <a:spcPts val="0"/>
+              </a:spcBef>
+              <a:spcAft>
+                <a:spcPts val="1417"/>
+              </a:spcAft>
+              <a:buNone/>
+            </a:pPr>
+            <a:r>
+              <a:rPr lang="nl-BE" sz="1200" i="1" dirty="0">
+                <a:solidFill>
+                  <a:srgbClr val="408080"/>
+                </a:solidFill>
+                <a:latin typeface="Arial" pitchFamily="18"/>
+                <a:ea typeface="Microsoft YaHei" pitchFamily="18"/>
+                <a:cs typeface="Arial" pitchFamily="18"/>
+              </a:rPr>
+              <a:t>// Check </a:t>
+            </a:r>
+            <a:r>
+              <a:rPr lang="nl-BE" sz="1200" i="1" dirty="0" err="1">
+                <a:solidFill>
+                  <a:srgbClr val="408080"/>
+                </a:solidFill>
+                <a:latin typeface="Arial" pitchFamily="18"/>
+                <a:ea typeface="Microsoft YaHei" pitchFamily="18"/>
+                <a:cs typeface="Arial" pitchFamily="18"/>
+              </a:rPr>
+              <a:t>if</a:t>
+            </a:r>
+            <a:r>
+              <a:rPr lang="nl-BE" sz="1200" i="1" dirty="0">
+                <a:solidFill>
+                  <a:srgbClr val="408080"/>
+                </a:solidFill>
+                <a:latin typeface="Arial" pitchFamily="18"/>
+                <a:ea typeface="Microsoft YaHei" pitchFamily="18"/>
+                <a:cs typeface="Arial" pitchFamily="18"/>
+              </a:rPr>
+              <a:t> type is </a:t>
+            </a:r>
+            <a:r>
+              <a:rPr lang="nl-BE" sz="1200" i="1" dirty="0" err="1">
+                <a:solidFill>
+                  <a:srgbClr val="408080"/>
+                </a:solidFill>
+                <a:latin typeface="Arial" pitchFamily="18"/>
+                <a:ea typeface="Microsoft YaHei" pitchFamily="18"/>
+                <a:cs typeface="Arial" pitchFamily="18"/>
+              </a:rPr>
+              <a:t>allowed</a:t>
+            </a:r>
+            <a:r>
+              <a:rPr lang="nl-BE" sz="1200" i="1" dirty="0">
+                <a:solidFill>
+                  <a:srgbClr val="408080"/>
+                </a:solidFill>
+                <a:latin typeface="Arial" pitchFamily="18"/>
+                <a:ea typeface="Microsoft YaHei" pitchFamily="18"/>
+                <a:cs typeface="Arial" pitchFamily="18"/>
+              </a:rPr>
+              <a:t> &amp; </a:t>
+            </a:r>
+            <a:r>
+              <a:rPr lang="nl-BE" sz="1200" i="1" dirty="0" err="1">
+                <a:solidFill>
+                  <a:srgbClr val="408080"/>
+                </a:solidFill>
+                <a:latin typeface="Arial" pitchFamily="18"/>
+                <a:ea typeface="Microsoft YaHei" pitchFamily="18"/>
+                <a:cs typeface="Arial" pitchFamily="18"/>
+              </a:rPr>
+              <a:t>size</a:t>
+            </a:r>
+            <a:r>
+              <a:rPr lang="nl-BE" sz="1200" i="1" dirty="0">
+                <a:solidFill>
+                  <a:srgbClr val="408080"/>
+                </a:solidFill>
+                <a:latin typeface="Arial" pitchFamily="18"/>
+                <a:ea typeface="Microsoft YaHei" pitchFamily="18"/>
+                <a:cs typeface="Arial" pitchFamily="18"/>
+              </a:rPr>
+              <a:t> &lt; 2 MB</a:t>
+            </a:r>
+          </a:p>
+          <a:p>
+            <a:pPr lvl="0">
+              <a:lnSpc>
+                <a:spcPct val="100000"/>
+              </a:lnSpc>
+              <a:spcBef>
+                <a:spcPts val="0"/>
+              </a:spcBef>
+              <a:spcAft>
+                <a:spcPts val="1417"/>
+              </a:spcAft>
+              <a:buNone/>
+            </a:pPr>
+            <a:r>
+              <a:rPr lang="nl-BE" sz="1200" b="1" dirty="0" err="1">
+                <a:solidFill>
+                  <a:srgbClr val="008000"/>
+                </a:solidFill>
+                <a:latin typeface="Arial" pitchFamily="18"/>
+                <a:ea typeface="Microsoft YaHei" pitchFamily="18"/>
+                <a:cs typeface="Arial" pitchFamily="18"/>
+              </a:rPr>
+              <a:t>if</a:t>
+            </a:r>
+            <a:r>
+              <a:rPr lang="nl-BE" sz="1200" dirty="0">
+                <a:latin typeface="Arial" pitchFamily="18"/>
+                <a:ea typeface="Microsoft YaHei" pitchFamily="18"/>
+                <a:cs typeface="Arial" pitchFamily="18"/>
+              </a:rPr>
+              <a:t> ((</a:t>
+            </a:r>
+            <a:r>
+              <a:rPr lang="nl-BE" sz="1200" dirty="0" err="1">
+                <a:solidFill>
+                  <a:srgbClr val="008000"/>
+                </a:solidFill>
+                <a:latin typeface="Arial" pitchFamily="18"/>
+                <a:ea typeface="Microsoft YaHei" pitchFamily="18"/>
+                <a:cs typeface="Arial" pitchFamily="18"/>
+              </a:rPr>
+              <a:t>in_array</a:t>
+            </a:r>
+            <a:r>
+              <a:rPr lang="nl-BE" sz="1200" dirty="0">
+                <a:latin typeface="Arial" pitchFamily="18"/>
+                <a:ea typeface="Microsoft YaHei" pitchFamily="18"/>
+                <a:cs typeface="Arial" pitchFamily="18"/>
+              </a:rPr>
+              <a:t>(</a:t>
+            </a:r>
+            <a:r>
+              <a:rPr lang="nl-BE" sz="1200" dirty="0">
+                <a:solidFill>
+                  <a:srgbClr val="19177C"/>
+                </a:solidFill>
+                <a:latin typeface="Arial" pitchFamily="18"/>
+                <a:ea typeface="Microsoft YaHei" pitchFamily="18"/>
+                <a:cs typeface="Arial" pitchFamily="18"/>
+              </a:rPr>
+              <a:t>$</a:t>
+            </a:r>
+            <a:r>
+              <a:rPr lang="nl-BE" sz="1200" dirty="0" err="1">
+                <a:solidFill>
+                  <a:srgbClr val="19177C"/>
+                </a:solidFill>
+                <a:latin typeface="Arial" pitchFamily="18"/>
+                <a:ea typeface="Microsoft YaHei" pitchFamily="18"/>
+                <a:cs typeface="Arial" pitchFamily="18"/>
+              </a:rPr>
+              <a:t>detectedType</a:t>
+            </a:r>
+            <a:r>
+              <a:rPr lang="nl-BE" sz="1200" dirty="0">
+                <a:latin typeface="Arial" pitchFamily="18"/>
+                <a:ea typeface="Microsoft YaHei" pitchFamily="18"/>
+                <a:cs typeface="Arial" pitchFamily="18"/>
+              </a:rPr>
+              <a:t>, </a:t>
+            </a:r>
+            <a:r>
+              <a:rPr lang="nl-BE" sz="1200" dirty="0">
+                <a:solidFill>
+                  <a:srgbClr val="19177C"/>
+                </a:solidFill>
+                <a:latin typeface="Arial" pitchFamily="18"/>
+                <a:ea typeface="Microsoft YaHei" pitchFamily="18"/>
+                <a:cs typeface="Arial" pitchFamily="18"/>
+              </a:rPr>
+              <a:t>$</a:t>
+            </a:r>
+            <a:r>
+              <a:rPr lang="nl-BE" sz="1200" dirty="0" err="1">
+                <a:solidFill>
+                  <a:srgbClr val="19177C"/>
+                </a:solidFill>
+                <a:latin typeface="Arial" pitchFamily="18"/>
+                <a:ea typeface="Microsoft YaHei" pitchFamily="18"/>
+                <a:cs typeface="Arial" pitchFamily="18"/>
+              </a:rPr>
+              <a:t>allowedTypes</a:t>
+            </a:r>
+            <a:r>
+              <a:rPr lang="nl-BE" sz="1200" dirty="0">
+                <a:latin typeface="Arial" pitchFamily="18"/>
+                <a:ea typeface="Microsoft YaHei" pitchFamily="18"/>
+                <a:cs typeface="Arial" pitchFamily="18"/>
+              </a:rPr>
+              <a:t>)) </a:t>
+            </a:r>
+            <a:r>
+              <a:rPr lang="nl-BE" sz="1200" dirty="0">
+                <a:solidFill>
+                  <a:srgbClr val="666666"/>
+                </a:solidFill>
+                <a:latin typeface="Arial" pitchFamily="18"/>
+                <a:ea typeface="Microsoft YaHei" pitchFamily="18"/>
+                <a:cs typeface="Arial" pitchFamily="18"/>
+              </a:rPr>
+              <a:t>&amp;&amp;</a:t>
+            </a:r>
+            <a:r>
+              <a:rPr lang="nl-BE" sz="1200" dirty="0">
+                <a:latin typeface="Arial" pitchFamily="18"/>
+                <a:ea typeface="Microsoft YaHei" pitchFamily="18"/>
+                <a:cs typeface="Arial" pitchFamily="18"/>
+              </a:rPr>
+              <a:t> (</a:t>
+            </a:r>
+            <a:r>
+              <a:rPr lang="nl-BE" sz="1200" dirty="0">
+                <a:solidFill>
+                  <a:srgbClr val="19177C"/>
+                </a:solidFill>
+                <a:latin typeface="Arial" pitchFamily="18"/>
+                <a:ea typeface="Microsoft YaHei" pitchFamily="18"/>
+                <a:cs typeface="Arial" pitchFamily="18"/>
+              </a:rPr>
+              <a:t>$_FILES</a:t>
+            </a:r>
+            <a:r>
+              <a:rPr lang="nl-BE" sz="1200" dirty="0">
+                <a:latin typeface="Arial" pitchFamily="18"/>
+                <a:ea typeface="Microsoft YaHei" pitchFamily="18"/>
+                <a:cs typeface="Arial" pitchFamily="18"/>
+              </a:rPr>
+              <a:t>[</a:t>
+            </a:r>
+            <a:r>
+              <a:rPr lang="nl-BE" sz="1200" dirty="0">
+                <a:solidFill>
+                  <a:srgbClr val="BA2121"/>
+                </a:solidFill>
+                <a:latin typeface="Arial" pitchFamily="18"/>
+                <a:ea typeface="Microsoft YaHei" pitchFamily="18"/>
+                <a:cs typeface="Arial" pitchFamily="18"/>
+              </a:rPr>
+              <a:t>"image"</a:t>
+            </a:r>
+            <a:r>
+              <a:rPr lang="nl-BE" sz="1200" dirty="0">
+                <a:latin typeface="Arial" pitchFamily="18"/>
+                <a:ea typeface="Microsoft YaHei" pitchFamily="18"/>
+                <a:cs typeface="Arial" pitchFamily="18"/>
+              </a:rPr>
+              <a:t>][</a:t>
+            </a:r>
+            <a:r>
+              <a:rPr lang="nl-BE" sz="1200" dirty="0">
+                <a:solidFill>
+                  <a:srgbClr val="BA2121"/>
+                </a:solidFill>
+                <a:latin typeface="Arial" pitchFamily="18"/>
+                <a:ea typeface="Microsoft YaHei" pitchFamily="18"/>
+                <a:cs typeface="Arial" pitchFamily="18"/>
+              </a:rPr>
+              <a:t>"</a:t>
+            </a:r>
+            <a:r>
+              <a:rPr lang="nl-BE" sz="1200" dirty="0" err="1">
+                <a:solidFill>
+                  <a:srgbClr val="BA2121"/>
+                </a:solidFill>
+                <a:latin typeface="Arial" pitchFamily="18"/>
+                <a:ea typeface="Microsoft YaHei" pitchFamily="18"/>
+                <a:cs typeface="Arial" pitchFamily="18"/>
+              </a:rPr>
+              <a:t>size</a:t>
+            </a:r>
+            <a:r>
+              <a:rPr lang="nl-BE" sz="1200" dirty="0">
+                <a:solidFill>
+                  <a:srgbClr val="BA2121"/>
+                </a:solidFill>
+                <a:latin typeface="Arial" pitchFamily="18"/>
+                <a:ea typeface="Microsoft YaHei" pitchFamily="18"/>
+                <a:cs typeface="Arial" pitchFamily="18"/>
+              </a:rPr>
+              <a:t>"</a:t>
+            </a:r>
+            <a:r>
+              <a:rPr lang="nl-BE" sz="1200" dirty="0">
+                <a:latin typeface="Arial" pitchFamily="18"/>
+                <a:ea typeface="Microsoft YaHei" pitchFamily="18"/>
+                <a:cs typeface="Arial" pitchFamily="18"/>
+              </a:rPr>
+              <a:t>] </a:t>
+            </a:r>
+            <a:r>
+              <a:rPr lang="nl-BE" sz="1200" dirty="0">
+                <a:solidFill>
+                  <a:srgbClr val="666666"/>
+                </a:solidFill>
+                <a:latin typeface="Arial" pitchFamily="18"/>
+                <a:ea typeface="Microsoft YaHei" pitchFamily="18"/>
+                <a:cs typeface="Arial" pitchFamily="18"/>
+              </a:rPr>
+              <a:t>&lt;</a:t>
+            </a:r>
+            <a:r>
+              <a:rPr lang="nl-BE" sz="1200" dirty="0">
+                <a:latin typeface="Arial" pitchFamily="18"/>
+                <a:ea typeface="Microsoft YaHei" pitchFamily="18"/>
+                <a:cs typeface="Arial" pitchFamily="18"/>
+              </a:rPr>
+              <a:t> </a:t>
+            </a:r>
+            <a:r>
+              <a:rPr lang="nl-BE" sz="1200" dirty="0">
+                <a:solidFill>
+                  <a:srgbClr val="666666"/>
+                </a:solidFill>
+                <a:latin typeface="Arial" pitchFamily="18"/>
+                <a:ea typeface="Microsoft YaHei" pitchFamily="18"/>
+                <a:cs typeface="Arial" pitchFamily="18"/>
+              </a:rPr>
+              <a:t>2097152</a:t>
+            </a:r>
+            <a:r>
+              <a:rPr lang="nl-BE" sz="1200" dirty="0">
+                <a:latin typeface="Arial" pitchFamily="18"/>
+                <a:ea typeface="Microsoft YaHei" pitchFamily="18"/>
+                <a:cs typeface="Arial" pitchFamily="18"/>
+              </a:rPr>
+              <a:t>)){</a:t>
+            </a:r>
+          </a:p>
+          <a:p>
+            <a:pPr lvl="0">
+              <a:lnSpc>
+                <a:spcPct val="100000"/>
+              </a:lnSpc>
+              <a:spcBef>
+                <a:spcPts val="0"/>
+              </a:spcBef>
+              <a:spcAft>
+                <a:spcPts val="1417"/>
+              </a:spcAft>
+              <a:buNone/>
+            </a:pPr>
+            <a:endParaRPr lang="nl-BE" sz="1200" dirty="0">
+              <a:latin typeface="Arial" pitchFamily="18"/>
+              <a:ea typeface="Microsoft YaHei" pitchFamily="18"/>
+              <a:cs typeface="Arial" pitchFamily="18"/>
+            </a:endParaRPr>
+          </a:p>
+          <a:p>
+            <a:pPr lvl="0">
+              <a:lnSpc>
+                <a:spcPct val="100000"/>
+              </a:lnSpc>
+              <a:spcBef>
+                <a:spcPts val="0"/>
+              </a:spcBef>
+              <a:spcAft>
+                <a:spcPts val="1417"/>
+              </a:spcAft>
+              <a:buNone/>
+            </a:pPr>
+            <a:r>
+              <a:rPr lang="nl-BE" sz="1200" i="1" dirty="0">
+                <a:solidFill>
+                  <a:srgbClr val="408080"/>
+                </a:solidFill>
+                <a:latin typeface="Arial" pitchFamily="18"/>
+                <a:ea typeface="Microsoft YaHei" pitchFamily="18"/>
+                <a:cs typeface="Arial" pitchFamily="18"/>
+              </a:rPr>
+              <a:t>//</a:t>
+            </a:r>
+            <a:r>
+              <a:rPr lang="nl-BE" sz="1200" i="1" dirty="0" err="1">
+                <a:solidFill>
+                  <a:srgbClr val="408080"/>
+                </a:solidFill>
+                <a:latin typeface="Arial" pitchFamily="18"/>
+                <a:ea typeface="Microsoft YaHei" pitchFamily="18"/>
+                <a:cs typeface="Arial" pitchFamily="18"/>
+              </a:rPr>
+              <a:t>Notify</a:t>
+            </a:r>
+            <a:r>
+              <a:rPr lang="nl-BE" sz="1200" i="1" dirty="0">
+                <a:solidFill>
+                  <a:srgbClr val="408080"/>
+                </a:solidFill>
+                <a:latin typeface="Arial" pitchFamily="18"/>
+                <a:ea typeface="Microsoft YaHei" pitchFamily="18"/>
+                <a:cs typeface="Arial" pitchFamily="18"/>
+              </a:rPr>
+              <a:t> </a:t>
+            </a:r>
+            <a:r>
+              <a:rPr lang="nl-BE" sz="1200" i="1" dirty="0" err="1">
+                <a:solidFill>
+                  <a:srgbClr val="408080"/>
+                </a:solidFill>
+                <a:latin typeface="Arial" pitchFamily="18"/>
+                <a:ea typeface="Microsoft YaHei" pitchFamily="18"/>
+                <a:cs typeface="Arial" pitchFamily="18"/>
+              </a:rPr>
+              <a:t>if</a:t>
+            </a:r>
+            <a:r>
+              <a:rPr lang="nl-BE" sz="1200" i="1" dirty="0">
+                <a:solidFill>
+                  <a:srgbClr val="408080"/>
+                </a:solidFill>
+                <a:latin typeface="Arial" pitchFamily="18"/>
+                <a:ea typeface="Microsoft YaHei" pitchFamily="18"/>
+                <a:cs typeface="Arial" pitchFamily="18"/>
+              </a:rPr>
+              <a:t> error</a:t>
+            </a:r>
+          </a:p>
+          <a:p>
+            <a:pPr lvl="0">
+              <a:lnSpc>
+                <a:spcPct val="100000"/>
+              </a:lnSpc>
+              <a:spcBef>
+                <a:spcPts val="0"/>
+              </a:spcBef>
+              <a:spcAft>
+                <a:spcPts val="1417"/>
+              </a:spcAft>
+              <a:buNone/>
+            </a:pPr>
+            <a:r>
+              <a:rPr lang="nl-BE" sz="1200" b="1" dirty="0" err="1">
+                <a:solidFill>
+                  <a:srgbClr val="008000"/>
+                </a:solidFill>
+                <a:latin typeface="Arial" pitchFamily="18"/>
+                <a:ea typeface="Microsoft YaHei" pitchFamily="18"/>
+                <a:cs typeface="Arial" pitchFamily="18"/>
+              </a:rPr>
+              <a:t>if</a:t>
+            </a:r>
+            <a:r>
+              <a:rPr lang="nl-BE" sz="1200" dirty="0">
+                <a:latin typeface="Arial" pitchFamily="18"/>
+                <a:ea typeface="Microsoft YaHei" pitchFamily="18"/>
+                <a:cs typeface="Arial" pitchFamily="18"/>
+              </a:rPr>
+              <a:t> (</a:t>
+            </a:r>
+            <a:r>
+              <a:rPr lang="nl-BE" sz="1200" dirty="0">
+                <a:solidFill>
+                  <a:srgbClr val="19177C"/>
+                </a:solidFill>
+                <a:latin typeface="Arial" pitchFamily="18"/>
+                <a:ea typeface="Microsoft YaHei" pitchFamily="18"/>
+                <a:cs typeface="Arial" pitchFamily="18"/>
+              </a:rPr>
+              <a:t>$_FILES</a:t>
+            </a:r>
+            <a:r>
+              <a:rPr lang="nl-BE" sz="1200" dirty="0">
+                <a:latin typeface="Arial" pitchFamily="18"/>
+                <a:ea typeface="Microsoft YaHei" pitchFamily="18"/>
+                <a:cs typeface="Arial" pitchFamily="18"/>
+              </a:rPr>
+              <a:t>[</a:t>
+            </a:r>
+            <a:r>
+              <a:rPr lang="nl-BE" sz="1200" dirty="0">
+                <a:solidFill>
+                  <a:srgbClr val="BA2121"/>
+                </a:solidFill>
+                <a:latin typeface="Arial" pitchFamily="18"/>
+                <a:ea typeface="Microsoft YaHei" pitchFamily="18"/>
+                <a:cs typeface="Arial" pitchFamily="18"/>
+              </a:rPr>
+              <a:t>"image"</a:t>
+            </a:r>
+            <a:r>
+              <a:rPr lang="nl-BE" sz="1200" dirty="0">
+                <a:latin typeface="Arial" pitchFamily="18"/>
+                <a:ea typeface="Microsoft YaHei" pitchFamily="18"/>
+                <a:cs typeface="Arial" pitchFamily="18"/>
+              </a:rPr>
+              <a:t>][</a:t>
+            </a:r>
+            <a:r>
+              <a:rPr lang="nl-BE" sz="1200" dirty="0">
+                <a:solidFill>
+                  <a:srgbClr val="BA2121"/>
+                </a:solidFill>
+                <a:latin typeface="Arial" pitchFamily="18"/>
+                <a:ea typeface="Microsoft YaHei" pitchFamily="18"/>
+                <a:cs typeface="Arial" pitchFamily="18"/>
+              </a:rPr>
+              <a:t>"error"</a:t>
+            </a:r>
+            <a:r>
+              <a:rPr lang="nl-BE" sz="1200" dirty="0">
+                <a:latin typeface="Arial" pitchFamily="18"/>
+                <a:ea typeface="Microsoft YaHei" pitchFamily="18"/>
+                <a:cs typeface="Arial" pitchFamily="18"/>
+              </a:rPr>
+              <a:t>] </a:t>
+            </a:r>
+            <a:r>
+              <a:rPr lang="nl-BE" sz="1200" dirty="0">
+                <a:solidFill>
+                  <a:srgbClr val="666666"/>
+                </a:solidFill>
+                <a:latin typeface="Arial" pitchFamily="18"/>
+                <a:ea typeface="Microsoft YaHei" pitchFamily="18"/>
+                <a:cs typeface="Arial" pitchFamily="18"/>
+              </a:rPr>
+              <a:t>&gt;</a:t>
+            </a:r>
+            <a:r>
+              <a:rPr lang="nl-BE" sz="1200" dirty="0">
+                <a:latin typeface="Arial" pitchFamily="18"/>
+                <a:ea typeface="Microsoft YaHei" pitchFamily="18"/>
+                <a:cs typeface="Arial" pitchFamily="18"/>
+              </a:rPr>
+              <a:t> </a:t>
+            </a:r>
+            <a:r>
+              <a:rPr lang="nl-BE" sz="1200" dirty="0">
+                <a:solidFill>
+                  <a:srgbClr val="666666"/>
+                </a:solidFill>
+                <a:latin typeface="Arial" pitchFamily="18"/>
+                <a:ea typeface="Microsoft YaHei" pitchFamily="18"/>
+                <a:cs typeface="Arial" pitchFamily="18"/>
+              </a:rPr>
+              <a:t>0</a:t>
+            </a:r>
+            <a:r>
+              <a:rPr lang="nl-BE" sz="1200" dirty="0">
+                <a:latin typeface="Arial" pitchFamily="18"/>
+                <a:ea typeface="Microsoft YaHei" pitchFamily="18"/>
+                <a:cs typeface="Arial" pitchFamily="18"/>
+              </a:rPr>
+              <a:t>){</a:t>
+            </a:r>
+          </a:p>
+          <a:p>
+            <a:pPr lvl="0">
+              <a:lnSpc>
+                <a:spcPct val="100000"/>
+              </a:lnSpc>
+              <a:spcBef>
+                <a:spcPts val="0"/>
+              </a:spcBef>
+              <a:spcAft>
+                <a:spcPts val="1417"/>
+              </a:spcAft>
+              <a:buNone/>
+            </a:pPr>
+            <a:r>
+              <a:rPr lang="nl-BE" sz="1200" dirty="0">
+                <a:solidFill>
+                  <a:srgbClr val="19177C"/>
+                </a:solidFill>
+                <a:latin typeface="Arial" pitchFamily="18"/>
+                <a:ea typeface="Microsoft YaHei" pitchFamily="18"/>
+                <a:cs typeface="Arial" pitchFamily="18"/>
+              </a:rPr>
+              <a:t>$error</a:t>
+            </a:r>
+            <a:r>
+              <a:rPr lang="nl-BE" sz="1200" dirty="0">
+                <a:latin typeface="Arial" pitchFamily="18"/>
+                <a:ea typeface="Microsoft YaHei" pitchFamily="18"/>
+                <a:cs typeface="Arial" pitchFamily="18"/>
+              </a:rPr>
+              <a:t> </a:t>
+            </a:r>
+            <a:r>
+              <a:rPr lang="nl-BE" sz="1200" dirty="0">
+                <a:solidFill>
+                  <a:srgbClr val="666666"/>
+                </a:solidFill>
+                <a:latin typeface="Arial" pitchFamily="18"/>
+                <a:ea typeface="Microsoft YaHei" pitchFamily="18"/>
+                <a:cs typeface="Arial" pitchFamily="18"/>
+              </a:rPr>
+              <a:t>=</a:t>
+            </a:r>
+            <a:r>
+              <a:rPr lang="nl-BE" sz="1200" dirty="0">
+                <a:latin typeface="Arial" pitchFamily="18"/>
+                <a:ea typeface="Microsoft YaHei" pitchFamily="18"/>
+                <a:cs typeface="Arial" pitchFamily="18"/>
+              </a:rPr>
+              <a:t>  </a:t>
+            </a:r>
+            <a:r>
+              <a:rPr lang="nl-BE" sz="1200" dirty="0">
+                <a:solidFill>
+                  <a:srgbClr val="19177C"/>
+                </a:solidFill>
+                <a:latin typeface="Arial" pitchFamily="18"/>
+                <a:ea typeface="Microsoft YaHei" pitchFamily="18"/>
+                <a:cs typeface="Arial" pitchFamily="18"/>
+              </a:rPr>
+              <a:t>$_FILES</a:t>
+            </a:r>
+            <a:r>
+              <a:rPr lang="nl-BE" sz="1200" dirty="0">
+                <a:latin typeface="Arial" pitchFamily="18"/>
+                <a:ea typeface="Microsoft YaHei" pitchFamily="18"/>
+                <a:cs typeface="Arial" pitchFamily="18"/>
+              </a:rPr>
+              <a:t>[</a:t>
+            </a:r>
+            <a:r>
+              <a:rPr lang="nl-BE" sz="1200" dirty="0">
+                <a:solidFill>
+                  <a:srgbClr val="BA2121"/>
+                </a:solidFill>
+                <a:latin typeface="Arial" pitchFamily="18"/>
+                <a:ea typeface="Microsoft YaHei" pitchFamily="18"/>
+                <a:cs typeface="Arial" pitchFamily="18"/>
+              </a:rPr>
+              <a:t>"image"</a:t>
+            </a:r>
+            <a:r>
+              <a:rPr lang="nl-BE" sz="1200" dirty="0">
+                <a:latin typeface="Arial" pitchFamily="18"/>
+                <a:ea typeface="Microsoft YaHei" pitchFamily="18"/>
+                <a:cs typeface="Arial" pitchFamily="18"/>
+              </a:rPr>
+              <a:t>][</a:t>
+            </a:r>
+            <a:r>
+              <a:rPr lang="nl-BE" sz="1200" dirty="0">
+                <a:solidFill>
+                  <a:srgbClr val="BA2121"/>
+                </a:solidFill>
+                <a:latin typeface="Arial" pitchFamily="18"/>
+                <a:ea typeface="Microsoft YaHei" pitchFamily="18"/>
+                <a:cs typeface="Arial" pitchFamily="18"/>
+              </a:rPr>
+              <a:t>"error"</a:t>
+            </a:r>
+            <a:r>
+              <a:rPr lang="nl-BE" sz="1200" dirty="0">
+                <a:latin typeface="Arial" pitchFamily="18"/>
+                <a:ea typeface="Microsoft YaHei" pitchFamily="18"/>
+                <a:cs typeface="Arial" pitchFamily="18"/>
+              </a:rPr>
+              <a:t>];</a:t>
+            </a:r>
+          </a:p>
+          <a:p>
+            <a:pPr lvl="0">
+              <a:lnSpc>
+                <a:spcPct val="100000"/>
+              </a:lnSpc>
+              <a:spcBef>
+                <a:spcPts val="0"/>
+              </a:spcBef>
+              <a:spcAft>
+                <a:spcPts val="1417"/>
+              </a:spcAft>
+              <a:buNone/>
+            </a:pPr>
+            <a:r>
+              <a:rPr lang="nl-BE" sz="1200" dirty="0">
+                <a:latin typeface="Arial" pitchFamily="18"/>
+                <a:ea typeface="Microsoft YaHei" pitchFamily="18"/>
+                <a:cs typeface="Arial" pitchFamily="18"/>
+              </a:rPr>
+              <a:t>        </a:t>
+            </a:r>
+            <a:r>
+              <a:rPr lang="nl-BE" sz="1200" b="1" dirty="0">
+                <a:solidFill>
+                  <a:srgbClr val="008000"/>
+                </a:solidFill>
+                <a:latin typeface="Arial" pitchFamily="18"/>
+                <a:ea typeface="Microsoft YaHei" pitchFamily="18"/>
+                <a:cs typeface="Arial" pitchFamily="18"/>
+              </a:rPr>
+              <a:t>echo</a:t>
+            </a:r>
+            <a:r>
+              <a:rPr lang="nl-BE" sz="1200" dirty="0">
+                <a:latin typeface="Arial" pitchFamily="18"/>
+                <a:ea typeface="Microsoft YaHei" pitchFamily="18"/>
+                <a:cs typeface="Arial" pitchFamily="18"/>
+              </a:rPr>
+              <a:t> </a:t>
+            </a:r>
+            <a:r>
+              <a:rPr lang="nl-BE" sz="1200" dirty="0">
+                <a:solidFill>
+                  <a:srgbClr val="BA2121"/>
+                </a:solidFill>
+                <a:latin typeface="Arial" pitchFamily="18"/>
+                <a:ea typeface="Microsoft YaHei" pitchFamily="18"/>
+                <a:cs typeface="Arial" pitchFamily="18"/>
+              </a:rPr>
+              <a:t>'&lt;script type="</a:t>
+            </a:r>
+            <a:r>
+              <a:rPr lang="nl-BE" sz="1200" dirty="0" err="1">
+                <a:solidFill>
+                  <a:srgbClr val="BA2121"/>
+                </a:solidFill>
+                <a:latin typeface="Arial" pitchFamily="18"/>
+                <a:ea typeface="Microsoft YaHei" pitchFamily="18"/>
+                <a:cs typeface="Arial" pitchFamily="18"/>
+              </a:rPr>
+              <a:t>text</a:t>
+            </a:r>
+            <a:r>
+              <a:rPr lang="nl-BE" sz="1200" dirty="0">
+                <a:solidFill>
+                  <a:srgbClr val="BA2121"/>
+                </a:solidFill>
+                <a:latin typeface="Arial" pitchFamily="18"/>
+                <a:ea typeface="Microsoft YaHei" pitchFamily="18"/>
+                <a:cs typeface="Arial" pitchFamily="18"/>
+              </a:rPr>
+              <a:t>/javascript"&gt; alert("&lt;?</a:t>
+            </a:r>
+            <a:r>
+              <a:rPr lang="nl-BE" sz="1200" dirty="0" err="1">
+                <a:solidFill>
+                  <a:srgbClr val="BA2121"/>
+                </a:solidFill>
+                <a:latin typeface="Arial" pitchFamily="18"/>
+                <a:ea typeface="Microsoft YaHei" pitchFamily="18"/>
+                <a:cs typeface="Arial" pitchFamily="18"/>
+              </a:rPr>
+              <a:t>php</a:t>
+            </a:r>
+            <a:r>
+              <a:rPr lang="nl-BE" sz="1200" dirty="0">
+                <a:solidFill>
+                  <a:srgbClr val="BA2121"/>
+                </a:solidFill>
+                <a:latin typeface="Arial" pitchFamily="18"/>
+                <a:ea typeface="Microsoft YaHei" pitchFamily="18"/>
+                <a:cs typeface="Arial" pitchFamily="18"/>
+              </a:rPr>
+              <a:t> echo $error ?&gt;"); &lt;/script&gt;'</a:t>
+            </a:r>
+            <a:r>
+              <a:rPr lang="nl-BE" sz="1200" dirty="0">
+                <a:latin typeface="Arial" pitchFamily="18"/>
+                <a:ea typeface="Microsoft YaHei" pitchFamily="18"/>
+                <a:cs typeface="Arial" pitchFamily="18"/>
+              </a:rPr>
+              <a:t>;</a:t>
+            </a:r>
+          </a:p>
+          <a:p>
+            <a:pPr lvl="0">
+              <a:lnSpc>
+                <a:spcPct val="100000"/>
+              </a:lnSpc>
+              <a:spcBef>
+                <a:spcPts val="0"/>
+              </a:spcBef>
+              <a:spcAft>
+                <a:spcPts val="1417"/>
+              </a:spcAft>
+              <a:buNone/>
+            </a:pPr>
+            <a:r>
+              <a:rPr lang="nl-BE" sz="1200" dirty="0">
+                <a:latin typeface="Arial" pitchFamily="18"/>
+                <a:ea typeface="Microsoft YaHei" pitchFamily="18"/>
+                <a:cs typeface="Arial" pitchFamily="18"/>
+              </a:rPr>
+              <a:t>}</a:t>
+            </a:r>
+            <a:r>
+              <a:rPr lang="nl-BE" sz="1200" b="1" dirty="0" err="1">
+                <a:solidFill>
+                  <a:srgbClr val="008000"/>
+                </a:solidFill>
+                <a:latin typeface="Arial" pitchFamily="18"/>
+                <a:ea typeface="Microsoft YaHei" pitchFamily="18"/>
+                <a:cs typeface="Arial" pitchFamily="18"/>
+              </a:rPr>
+              <a:t>else</a:t>
+            </a:r>
+            <a:r>
+              <a:rPr lang="nl-BE" sz="1200" dirty="0">
+                <a:latin typeface="Arial" pitchFamily="18"/>
+                <a:ea typeface="Microsoft YaHei" pitchFamily="18"/>
+                <a:cs typeface="Arial" pitchFamily="18"/>
+              </a:rPr>
+              <a:t>{</a:t>
+            </a:r>
+          </a:p>
+          <a:p>
+            <a:pPr lvl="0">
+              <a:lnSpc>
+                <a:spcPct val="100000"/>
+              </a:lnSpc>
+              <a:spcBef>
+                <a:spcPts val="0"/>
+              </a:spcBef>
+              <a:spcAft>
+                <a:spcPts val="1417"/>
+              </a:spcAft>
+              <a:buNone/>
+            </a:pPr>
+            <a:r>
+              <a:rPr lang="nl-BE" sz="1200" i="1" dirty="0">
+                <a:solidFill>
+                  <a:srgbClr val="408080"/>
+                </a:solidFill>
+                <a:latin typeface="Arial" pitchFamily="18"/>
+                <a:ea typeface="Microsoft YaHei" pitchFamily="18"/>
+                <a:cs typeface="Arial" pitchFamily="18"/>
+              </a:rPr>
+              <a:t>// Upload </a:t>
+            </a:r>
+            <a:r>
+              <a:rPr lang="nl-BE" sz="1200" i="1" dirty="0" err="1">
+                <a:solidFill>
+                  <a:srgbClr val="408080"/>
+                </a:solidFill>
+                <a:latin typeface="Arial" pitchFamily="18"/>
+                <a:ea typeface="Microsoft YaHei" pitchFamily="18"/>
+                <a:cs typeface="Arial" pitchFamily="18"/>
+              </a:rPr>
+              <a:t>it</a:t>
+            </a:r>
+            <a:r>
+              <a:rPr lang="nl-BE" sz="1200" i="1" dirty="0">
+                <a:solidFill>
+                  <a:srgbClr val="408080"/>
+                </a:solidFill>
+                <a:latin typeface="Arial" pitchFamily="18"/>
+                <a:ea typeface="Microsoft YaHei" pitchFamily="18"/>
+                <a:cs typeface="Arial" pitchFamily="18"/>
+              </a:rPr>
+              <a:t> </a:t>
+            </a:r>
+            <a:r>
+              <a:rPr lang="nl-BE" sz="1200" i="1" dirty="0" err="1">
+                <a:solidFill>
+                  <a:srgbClr val="408080"/>
+                </a:solidFill>
+                <a:latin typeface="Arial" pitchFamily="18"/>
+                <a:ea typeface="Microsoft YaHei" pitchFamily="18"/>
+                <a:cs typeface="Arial" pitchFamily="18"/>
+              </a:rPr>
+              <a:t>to</a:t>
+            </a:r>
+            <a:r>
+              <a:rPr lang="nl-BE" sz="1200" i="1" dirty="0">
+                <a:solidFill>
+                  <a:srgbClr val="408080"/>
+                </a:solidFill>
+                <a:latin typeface="Arial" pitchFamily="18"/>
+                <a:ea typeface="Microsoft YaHei" pitchFamily="18"/>
+                <a:cs typeface="Arial" pitchFamily="18"/>
+              </a:rPr>
+              <a:t> server </a:t>
+            </a:r>
+            <a:r>
+              <a:rPr lang="nl-BE" sz="1200" i="1" dirty="0" err="1">
+                <a:solidFill>
+                  <a:srgbClr val="408080"/>
+                </a:solidFill>
+                <a:latin typeface="Arial" pitchFamily="18"/>
+                <a:ea typeface="Microsoft YaHei" pitchFamily="18"/>
+                <a:cs typeface="Arial" pitchFamily="18"/>
+              </a:rPr>
+              <a:t>and</a:t>
+            </a:r>
+            <a:r>
+              <a:rPr lang="nl-BE" sz="1200" i="1" dirty="0">
+                <a:solidFill>
+                  <a:srgbClr val="408080"/>
+                </a:solidFill>
+                <a:latin typeface="Arial" pitchFamily="18"/>
+                <a:ea typeface="Microsoft YaHei" pitchFamily="18"/>
+                <a:cs typeface="Arial" pitchFamily="18"/>
+              </a:rPr>
+              <a:t> </a:t>
+            </a:r>
+            <a:r>
+              <a:rPr lang="nl-BE" sz="1200" i="1" dirty="0" err="1">
+                <a:solidFill>
+                  <a:srgbClr val="408080"/>
+                </a:solidFill>
+                <a:latin typeface="Arial" pitchFamily="18"/>
+                <a:ea typeface="Microsoft YaHei" pitchFamily="18"/>
+                <a:cs typeface="Arial" pitchFamily="18"/>
+              </a:rPr>
+              <a:t>insert</a:t>
+            </a:r>
+            <a:r>
+              <a:rPr lang="nl-BE" sz="1200" i="1" dirty="0">
+                <a:solidFill>
+                  <a:srgbClr val="408080"/>
+                </a:solidFill>
+                <a:latin typeface="Arial" pitchFamily="18"/>
+                <a:ea typeface="Microsoft YaHei" pitchFamily="18"/>
+                <a:cs typeface="Arial" pitchFamily="18"/>
+              </a:rPr>
+              <a:t> </a:t>
+            </a:r>
+            <a:r>
+              <a:rPr lang="nl-BE" sz="1200" i="1" dirty="0" err="1">
+                <a:solidFill>
+                  <a:srgbClr val="408080"/>
+                </a:solidFill>
+                <a:latin typeface="Arial" pitchFamily="18"/>
+                <a:ea typeface="Microsoft YaHei" pitchFamily="18"/>
+                <a:cs typeface="Arial" pitchFamily="18"/>
+              </a:rPr>
+              <a:t>into</a:t>
+            </a:r>
+            <a:r>
+              <a:rPr lang="nl-BE" sz="1200" i="1" dirty="0">
+                <a:solidFill>
+                  <a:srgbClr val="408080"/>
+                </a:solidFill>
+                <a:latin typeface="Arial" pitchFamily="18"/>
+                <a:ea typeface="Microsoft YaHei" pitchFamily="18"/>
+                <a:cs typeface="Arial" pitchFamily="18"/>
+              </a:rPr>
+              <a:t> database</a:t>
+            </a:r>
+          </a:p>
+          <a:p>
+            <a:pPr lvl="0">
+              <a:lnSpc>
+                <a:spcPct val="100000"/>
+              </a:lnSpc>
+              <a:spcBef>
+                <a:spcPts val="0"/>
+              </a:spcBef>
+              <a:spcAft>
+                <a:spcPts val="1417"/>
+              </a:spcAft>
+              <a:buNone/>
+            </a:pPr>
+            <a:r>
+              <a:rPr lang="nl-BE" sz="1200" dirty="0">
+                <a:solidFill>
+                  <a:srgbClr val="666666"/>
+                </a:solidFill>
+                <a:latin typeface="Arial" pitchFamily="18"/>
+                <a:ea typeface="Microsoft YaHei" pitchFamily="18"/>
+                <a:cs typeface="Arial" pitchFamily="18"/>
+              </a:rPr>
+              <a:t>...</a:t>
+            </a:r>
+          </a:p>
+          <a:p>
+            <a:pPr lvl="0">
+              <a:lnSpc>
+                <a:spcPct val="100000"/>
+              </a:lnSpc>
+              <a:spcBef>
+                <a:spcPts val="0"/>
+              </a:spcBef>
+              <a:spcAft>
+                <a:spcPts val="1417"/>
+              </a:spcAft>
+              <a:buNone/>
+            </a:pPr>
+            <a:r>
+              <a:rPr lang="nl-BE" sz="1200" dirty="0">
+                <a:latin typeface="Arial" pitchFamily="18"/>
+                <a:ea typeface="Microsoft YaHei" pitchFamily="18"/>
+                <a:cs typeface="Arial" pitchFamily="18"/>
+              </a:rPr>
+              <a:t>}</a:t>
+            </a:r>
+          </a:p>
+          <a:p>
+            <a:pPr lvl="0">
+              <a:lnSpc>
+                <a:spcPct val="100000"/>
+              </a:lnSpc>
+              <a:spcBef>
+                <a:spcPts val="0"/>
+              </a:spcBef>
+              <a:spcAft>
+                <a:spcPts val="1417"/>
+              </a:spcAft>
+              <a:buNone/>
+            </a:pPr>
+            <a:r>
+              <a:rPr lang="nl-BE" sz="1200" dirty="0">
+                <a:latin typeface="Arial" pitchFamily="18"/>
+                <a:ea typeface="Microsoft YaHei" pitchFamily="18"/>
+                <a:cs typeface="Arial" pitchFamily="18"/>
+              </a:rPr>
+              <a:t>} </a:t>
+            </a:r>
+            <a:r>
+              <a:rPr lang="nl-BE" sz="1200" b="1" dirty="0" err="1">
+                <a:solidFill>
+                  <a:srgbClr val="008000"/>
+                </a:solidFill>
+                <a:latin typeface="Arial" pitchFamily="18"/>
+                <a:ea typeface="Microsoft YaHei" pitchFamily="18"/>
+                <a:cs typeface="Arial" pitchFamily="18"/>
+              </a:rPr>
+              <a:t>else</a:t>
+            </a:r>
+            <a:r>
+              <a:rPr lang="nl-BE" sz="1200" dirty="0">
+                <a:latin typeface="Arial" pitchFamily="18"/>
+                <a:ea typeface="Microsoft YaHei" pitchFamily="18"/>
+                <a:cs typeface="Arial" pitchFamily="18"/>
+              </a:rPr>
+              <a:t> {</a:t>
+            </a:r>
+          </a:p>
+          <a:p>
+            <a:pPr lvl="0">
+              <a:lnSpc>
+                <a:spcPct val="100000"/>
+              </a:lnSpc>
+              <a:spcBef>
+                <a:spcPts val="0"/>
+              </a:spcBef>
+              <a:spcAft>
+                <a:spcPts val="1417"/>
+              </a:spcAft>
+              <a:buNone/>
+            </a:pPr>
+            <a:r>
+              <a:rPr lang="nl-BE" sz="1200" i="1" dirty="0">
+                <a:solidFill>
+                  <a:srgbClr val="408080"/>
+                </a:solidFill>
+                <a:latin typeface="Arial" pitchFamily="18"/>
+                <a:ea typeface="Microsoft YaHei" pitchFamily="18"/>
+                <a:cs typeface="Arial" pitchFamily="18"/>
+              </a:rPr>
+              <a:t>// </a:t>
+            </a:r>
+            <a:r>
+              <a:rPr lang="nl-BE" sz="1200" i="1" dirty="0" err="1">
+                <a:solidFill>
+                  <a:srgbClr val="408080"/>
+                </a:solidFill>
+                <a:latin typeface="Arial" pitchFamily="18"/>
+                <a:ea typeface="Microsoft YaHei" pitchFamily="18"/>
+                <a:cs typeface="Arial" pitchFamily="18"/>
+              </a:rPr>
+              <a:t>Invalid</a:t>
+            </a:r>
+            <a:r>
+              <a:rPr lang="nl-BE" sz="1200" i="1" dirty="0">
+                <a:solidFill>
+                  <a:srgbClr val="408080"/>
+                </a:solidFill>
+                <a:latin typeface="Arial" pitchFamily="18"/>
+                <a:ea typeface="Microsoft YaHei" pitchFamily="18"/>
+                <a:cs typeface="Arial" pitchFamily="18"/>
+              </a:rPr>
+              <a:t> file</a:t>
+            </a:r>
+          </a:p>
+          <a:p>
+            <a:pPr lvl="0">
+              <a:lnSpc>
+                <a:spcPct val="100000"/>
+              </a:lnSpc>
+              <a:spcBef>
+                <a:spcPts val="0"/>
+              </a:spcBef>
+              <a:spcAft>
+                <a:spcPts val="1417"/>
+              </a:spcAft>
+              <a:buNone/>
+            </a:pPr>
+            <a:r>
+              <a:rPr lang="nl-BE" sz="1200" dirty="0">
+                <a:solidFill>
+                  <a:srgbClr val="666666"/>
+                </a:solidFill>
+                <a:latin typeface="Arial" pitchFamily="18"/>
+                <a:ea typeface="Microsoft YaHei" pitchFamily="18"/>
+                <a:cs typeface="Arial" pitchFamily="18"/>
+              </a:rPr>
+              <a:t>...</a:t>
+            </a:r>
+          </a:p>
+          <a:p>
+            <a:pPr lvl="0">
+              <a:lnSpc>
+                <a:spcPct val="100000"/>
+              </a:lnSpc>
+              <a:spcBef>
+                <a:spcPts val="0"/>
+              </a:spcBef>
+              <a:spcAft>
+                <a:spcPts val="1417"/>
+              </a:spcAft>
+              <a:buNone/>
+            </a:pPr>
+            <a:r>
+              <a:rPr lang="nl-BE" dirty="0">
+                <a:latin typeface="Arial" pitchFamily="18"/>
+                <a:ea typeface="Microsoft YaHei" pitchFamily="18"/>
+                <a:cs typeface="Arial" pitchFamily="18"/>
+              </a:rPr>
+              <a:t>}</a:t>
+            </a:r>
+          </a:p>
+          <a:p>
+            <a:endParaRPr lang="nl-BE" dirty="0" smtClean="0"/>
+          </a:p>
+        </p:txBody>
+      </p:sp>
+    </p:spTree>
+    <p:extLst>
+      <p:ext uri="{BB962C8B-B14F-4D97-AF65-F5344CB8AC3E}">
+        <p14:creationId xmlns:p14="http://schemas.microsoft.com/office/powerpoint/2010/main" val="4289116015"/>
+      </p:ext>
+    </p:extLst>
+  </p:cSld>
+  <p:clrMapOvr>
+    <a:masterClrMapping/>
+  </p:clrMapOvr>
+</p:sld>
+</file>
+
+<file path=ppt/slides/slide21.xml><?xml version="1.0" encoding="utf-8"?>
+<p:sld xmlns:a="http://schemas.openxmlformats.org/drawingml/2006/main" xmlns:r="http://schemas.openxmlformats.org/officeDocument/2006/relationships" xmlns:p="http://schemas.openxmlformats.org/presentationml/2006/main">
+  <p:cSld>
+    <p:spTree>
+      <p:nvGrpSpPr>
+        <p:cNvPr id="1" name=""/>
+        <p:cNvGrpSpPr/>
+        <p:nvPr/>
+      </p:nvGrpSpPr>
+      <p:grpSpPr>
+        <a:xfrm>
+          <a:off x="0" y="0"/>
+          <a:ext cx="0" cy="0"/>
+          <a:chOff x="0" y="0"/>
+          <a:chExt cx="0" cy="0"/>
+        </a:xfrm>
+      </p:grpSpPr>
+      <p:sp>
+        <p:nvSpPr>
+          <p:cNvPr id="2" name="Titel 1"/>
+          <p:cNvSpPr>
+            <a:spLocks noGrp="1"/>
+          </p:cNvSpPr>
+          <p:nvPr>
+            <p:ph type="title"/>
+          </p:nvPr>
+        </p:nvSpPr>
+        <p:spPr/>
+        <p:txBody>
+          <a:bodyPr/>
+          <a:lstStyle/>
+          <a:p>
+            <a:r>
+              <a:rPr lang="nl-BE" dirty="0"/>
+              <a:t>3. Softwarebeschrijving</a:t>
+            </a:r>
+          </a:p>
+        </p:txBody>
+      </p:sp>
+      <p:sp>
+        <p:nvSpPr>
+          <p:cNvPr id="3" name="Tijdelijke aanduiding voor dianummer 2"/>
+          <p:cNvSpPr>
+            <a:spLocks noGrp="1"/>
+          </p:cNvSpPr>
+          <p:nvPr>
+            <p:ph type="sldNum" sz="quarter" idx="12"/>
+          </p:nvPr>
+        </p:nvSpPr>
+        <p:spPr/>
+        <p:txBody>
+          <a:bodyPr/>
+          <a:lstStyle/>
+          <a:p>
+            <a:fld id="{F35D8031-C8E5-48F8-A3B6-81643B27A3AF}" type="slidenum">
+              <a:rPr lang="nl-BE" smtClean="0"/>
+              <a:pPr/>
+              <a:t>21</a:t>
+            </a:fld>
+            <a:endParaRPr lang="nl-BE" dirty="0"/>
+          </a:p>
+        </p:txBody>
+      </p:sp>
+      <p:sp>
+        <p:nvSpPr>
+          <p:cNvPr id="4" name="Tijdelijke aanduiding voor inhoud 3"/>
+          <p:cNvSpPr>
+            <a:spLocks noGrp="1"/>
+          </p:cNvSpPr>
+          <p:nvPr>
+            <p:ph idx="1"/>
+          </p:nvPr>
+        </p:nvSpPr>
+        <p:spPr>
+          <a:xfrm>
+            <a:off x="526948" y="1196752"/>
+            <a:ext cx="8208464" cy="4851248"/>
+          </a:xfrm>
+        </p:spPr>
+        <p:txBody>
+          <a:bodyPr numCol="2"/>
+          <a:lstStyle/>
+          <a:p>
+            <a:pPr lvl="0">
+              <a:lnSpc>
+                <a:spcPct val="100000"/>
+              </a:lnSpc>
+              <a:spcBef>
+                <a:spcPts val="0"/>
+              </a:spcBef>
+              <a:spcAft>
+                <a:spcPts val="1417"/>
+              </a:spcAft>
+              <a:buNone/>
+            </a:pPr>
+            <a:r>
+              <a:rPr lang="nl-BE" dirty="0"/>
+              <a:t>Conversion </a:t>
+            </a:r>
+            <a:r>
+              <a:rPr lang="nl-BE" dirty="0" smtClean="0"/>
+              <a:t>afbeelding</a:t>
+            </a:r>
+          </a:p>
+          <a:p>
+            <a:pPr lvl="0" indent="0">
+              <a:lnSpc>
+                <a:spcPct val="100000"/>
+              </a:lnSpc>
+              <a:spcBef>
+                <a:spcPts val="0"/>
+              </a:spcBef>
+              <a:spcAft>
+                <a:spcPts val="1417"/>
+              </a:spcAft>
+              <a:buNone/>
+            </a:pPr>
+            <a:r>
+              <a:rPr lang="nl-BE" sz="1200" b="1" dirty="0" err="1">
+                <a:solidFill>
+                  <a:srgbClr val="008000"/>
+                </a:solidFill>
+                <a:latin typeface="Arial" pitchFamily="18"/>
+                <a:ea typeface="Microsoft YaHei" pitchFamily="18"/>
+                <a:cs typeface="Arial" pitchFamily="18"/>
+              </a:rPr>
+              <a:t>function</a:t>
+            </a:r>
+            <a:r>
+              <a:rPr lang="nl-BE" sz="1200" dirty="0">
+                <a:latin typeface="Arial" pitchFamily="18"/>
+                <a:ea typeface="Microsoft YaHei" pitchFamily="18"/>
+                <a:cs typeface="Arial" pitchFamily="18"/>
+              </a:rPr>
+              <a:t> </a:t>
+            </a:r>
+            <a:r>
+              <a:rPr lang="nl-BE" sz="1200" dirty="0" err="1">
+                <a:solidFill>
+                  <a:srgbClr val="0000FF"/>
+                </a:solidFill>
+                <a:latin typeface="Arial" pitchFamily="18"/>
+                <a:ea typeface="Microsoft YaHei" pitchFamily="18"/>
+                <a:cs typeface="Arial" pitchFamily="18"/>
+              </a:rPr>
+              <a:t>ak_img_resize</a:t>
+            </a:r>
+            <a:r>
+              <a:rPr lang="nl-BE" sz="1200" dirty="0">
+                <a:latin typeface="Arial" pitchFamily="18"/>
+                <a:ea typeface="Microsoft YaHei" pitchFamily="18"/>
+                <a:cs typeface="Arial" pitchFamily="18"/>
+              </a:rPr>
+              <a:t>(</a:t>
+            </a:r>
+            <a:r>
+              <a:rPr lang="nl-BE" sz="1200" dirty="0">
+                <a:solidFill>
+                  <a:srgbClr val="19177C"/>
+                </a:solidFill>
+                <a:latin typeface="Arial" pitchFamily="18"/>
+                <a:ea typeface="Microsoft YaHei" pitchFamily="18"/>
+                <a:cs typeface="Arial" pitchFamily="18"/>
+              </a:rPr>
+              <a:t>$target</a:t>
+            </a:r>
+            <a:r>
+              <a:rPr lang="nl-BE" sz="1200" dirty="0">
+                <a:latin typeface="Arial" pitchFamily="18"/>
+                <a:ea typeface="Microsoft YaHei" pitchFamily="18"/>
+                <a:cs typeface="Arial" pitchFamily="18"/>
+              </a:rPr>
+              <a:t>, </a:t>
+            </a:r>
+            <a:r>
+              <a:rPr lang="nl-BE" sz="1200" dirty="0">
+                <a:solidFill>
+                  <a:srgbClr val="19177C"/>
+                </a:solidFill>
+                <a:latin typeface="Arial" pitchFamily="18"/>
+                <a:ea typeface="Microsoft YaHei" pitchFamily="18"/>
+                <a:cs typeface="Arial" pitchFamily="18"/>
+              </a:rPr>
+              <a:t>$</a:t>
+            </a:r>
+            <a:r>
+              <a:rPr lang="nl-BE" sz="1200" dirty="0" err="1">
+                <a:solidFill>
+                  <a:srgbClr val="19177C"/>
+                </a:solidFill>
+                <a:latin typeface="Arial" pitchFamily="18"/>
+                <a:ea typeface="Microsoft YaHei" pitchFamily="18"/>
+                <a:cs typeface="Arial" pitchFamily="18"/>
+              </a:rPr>
+              <a:t>newcopy</a:t>
+            </a:r>
+            <a:r>
+              <a:rPr lang="nl-BE" sz="1200" dirty="0">
+                <a:latin typeface="Arial" pitchFamily="18"/>
+                <a:ea typeface="Microsoft YaHei" pitchFamily="18"/>
+                <a:cs typeface="Arial" pitchFamily="18"/>
+              </a:rPr>
+              <a:t>, </a:t>
+            </a:r>
+            <a:r>
+              <a:rPr lang="nl-BE" sz="1200" dirty="0">
+                <a:solidFill>
+                  <a:srgbClr val="19177C"/>
+                </a:solidFill>
+                <a:latin typeface="Arial" pitchFamily="18"/>
+                <a:ea typeface="Microsoft YaHei" pitchFamily="18"/>
+                <a:cs typeface="Arial" pitchFamily="18"/>
+              </a:rPr>
+              <a:t>$w</a:t>
+            </a:r>
+            <a:r>
+              <a:rPr lang="nl-BE" sz="1200" dirty="0">
+                <a:latin typeface="Arial" pitchFamily="18"/>
+                <a:ea typeface="Microsoft YaHei" pitchFamily="18"/>
+                <a:cs typeface="Arial" pitchFamily="18"/>
+              </a:rPr>
+              <a:t>, </a:t>
+            </a:r>
+            <a:r>
+              <a:rPr lang="nl-BE" sz="1200" dirty="0">
+                <a:solidFill>
+                  <a:srgbClr val="19177C"/>
+                </a:solidFill>
+                <a:latin typeface="Arial" pitchFamily="18"/>
+                <a:ea typeface="Microsoft YaHei" pitchFamily="18"/>
+                <a:cs typeface="Arial" pitchFamily="18"/>
+              </a:rPr>
+              <a:t>$h</a:t>
+            </a:r>
+            <a:r>
+              <a:rPr lang="nl-BE" sz="1200" dirty="0">
+                <a:latin typeface="Arial" pitchFamily="18"/>
+                <a:ea typeface="Microsoft YaHei" pitchFamily="18"/>
+                <a:cs typeface="Arial" pitchFamily="18"/>
+              </a:rPr>
+              <a:t>, </a:t>
+            </a:r>
+            <a:r>
+              <a:rPr lang="nl-BE" sz="1200" dirty="0">
+                <a:solidFill>
+                  <a:srgbClr val="19177C"/>
+                </a:solidFill>
+                <a:latin typeface="Arial" pitchFamily="18"/>
+                <a:ea typeface="Microsoft YaHei" pitchFamily="18"/>
+                <a:cs typeface="Arial" pitchFamily="18"/>
+              </a:rPr>
+              <a:t>$</a:t>
+            </a:r>
+            <a:r>
+              <a:rPr lang="nl-BE" sz="1200" dirty="0" err="1">
+                <a:solidFill>
+                  <a:srgbClr val="19177C"/>
+                </a:solidFill>
+                <a:latin typeface="Arial" pitchFamily="18"/>
+                <a:ea typeface="Microsoft YaHei" pitchFamily="18"/>
+                <a:cs typeface="Arial" pitchFamily="18"/>
+              </a:rPr>
+              <a:t>ext</a:t>
+            </a:r>
+            <a:r>
+              <a:rPr lang="nl-BE" sz="1200" dirty="0">
+                <a:latin typeface="Arial" pitchFamily="18"/>
+                <a:ea typeface="Microsoft YaHei" pitchFamily="18"/>
+                <a:cs typeface="Arial" pitchFamily="18"/>
+              </a:rPr>
+              <a:t>) {</a:t>
+            </a:r>
+          </a:p>
+          <a:p>
+            <a:pPr lvl="0" indent="0">
+              <a:lnSpc>
+                <a:spcPct val="100000"/>
+              </a:lnSpc>
+              <a:spcBef>
+                <a:spcPts val="0"/>
+              </a:spcBef>
+              <a:spcAft>
+                <a:spcPts val="1417"/>
+              </a:spcAft>
+              <a:buNone/>
+            </a:pPr>
+            <a:r>
+              <a:rPr lang="nl-BE" sz="1200" dirty="0">
+                <a:latin typeface="Arial" pitchFamily="18"/>
+                <a:ea typeface="Microsoft YaHei" pitchFamily="18"/>
+                <a:cs typeface="Arial" pitchFamily="18"/>
+              </a:rPr>
+              <a:t>    </a:t>
+            </a:r>
+            <a:r>
+              <a:rPr lang="nl-BE" sz="1200" dirty="0">
+                <a:solidFill>
+                  <a:srgbClr val="19177C"/>
+                </a:solidFill>
+                <a:latin typeface="Arial" pitchFamily="18"/>
+                <a:ea typeface="Microsoft YaHei" pitchFamily="18"/>
+                <a:cs typeface="Arial" pitchFamily="18"/>
+              </a:rPr>
+              <a:t>$</a:t>
+            </a:r>
+            <a:r>
+              <a:rPr lang="nl-BE" sz="1200" dirty="0" err="1">
+                <a:solidFill>
+                  <a:srgbClr val="19177C"/>
+                </a:solidFill>
+                <a:latin typeface="Arial" pitchFamily="18"/>
+                <a:ea typeface="Microsoft YaHei" pitchFamily="18"/>
+                <a:cs typeface="Arial" pitchFamily="18"/>
+              </a:rPr>
+              <a:t>img</a:t>
+            </a:r>
+            <a:r>
+              <a:rPr lang="nl-BE" sz="1200" dirty="0">
+                <a:latin typeface="Arial" pitchFamily="18"/>
+                <a:ea typeface="Microsoft YaHei" pitchFamily="18"/>
+                <a:cs typeface="Arial" pitchFamily="18"/>
+              </a:rPr>
+              <a:t> </a:t>
+            </a:r>
+            <a:r>
+              <a:rPr lang="nl-BE" sz="1200" dirty="0">
+                <a:solidFill>
+                  <a:srgbClr val="666666"/>
+                </a:solidFill>
+                <a:latin typeface="Arial" pitchFamily="18"/>
+                <a:ea typeface="Microsoft YaHei" pitchFamily="18"/>
+                <a:cs typeface="Arial" pitchFamily="18"/>
+              </a:rPr>
+              <a:t>=</a:t>
+            </a:r>
+            <a:r>
+              <a:rPr lang="nl-BE" sz="1200" dirty="0">
+                <a:latin typeface="Arial" pitchFamily="18"/>
+                <a:ea typeface="Microsoft YaHei" pitchFamily="18"/>
+                <a:cs typeface="Arial" pitchFamily="18"/>
+              </a:rPr>
+              <a:t> </a:t>
+            </a:r>
+            <a:r>
+              <a:rPr lang="nl-BE" sz="1200" dirty="0" err="1">
+                <a:solidFill>
+                  <a:srgbClr val="008000"/>
+                </a:solidFill>
+                <a:latin typeface="Arial" pitchFamily="18"/>
+                <a:ea typeface="Microsoft YaHei" pitchFamily="18"/>
+                <a:cs typeface="Arial" pitchFamily="18"/>
+              </a:rPr>
+              <a:t>getimagesize</a:t>
+            </a:r>
+            <a:r>
+              <a:rPr lang="nl-BE" sz="1200" dirty="0">
+                <a:latin typeface="Arial" pitchFamily="18"/>
+                <a:ea typeface="Microsoft YaHei" pitchFamily="18"/>
+                <a:cs typeface="Arial" pitchFamily="18"/>
+              </a:rPr>
+              <a:t>(</a:t>
+            </a:r>
+            <a:r>
+              <a:rPr lang="nl-BE" sz="1200" dirty="0">
+                <a:solidFill>
+                  <a:srgbClr val="19177C"/>
+                </a:solidFill>
+                <a:latin typeface="Arial" pitchFamily="18"/>
+                <a:ea typeface="Microsoft YaHei" pitchFamily="18"/>
+                <a:cs typeface="Arial" pitchFamily="18"/>
+              </a:rPr>
+              <a:t>$target</a:t>
+            </a:r>
+            <a:r>
+              <a:rPr lang="nl-BE" sz="1200" dirty="0" smtClean="0">
+                <a:latin typeface="Arial" pitchFamily="18"/>
+                <a:ea typeface="Microsoft YaHei" pitchFamily="18"/>
+                <a:cs typeface="Arial" pitchFamily="18"/>
+              </a:rPr>
+              <a:t>);</a:t>
+            </a:r>
+          </a:p>
+          <a:p>
+            <a:pPr lvl="0" indent="0">
+              <a:lnSpc>
+                <a:spcPct val="100000"/>
+              </a:lnSpc>
+              <a:spcBef>
+                <a:spcPts val="0"/>
+              </a:spcBef>
+              <a:spcAft>
+                <a:spcPts val="1417"/>
+              </a:spcAft>
+              <a:buNone/>
+            </a:pPr>
+            <a:r>
+              <a:rPr lang="nl-BE" sz="1200" dirty="0" smtClean="0">
+                <a:latin typeface="Arial" pitchFamily="18"/>
+                <a:ea typeface="Microsoft YaHei" pitchFamily="18"/>
+                <a:cs typeface="Arial" pitchFamily="18"/>
+              </a:rPr>
+              <a:t>    </a:t>
+            </a:r>
+            <a:r>
+              <a:rPr lang="nl-BE" sz="1200" dirty="0">
+                <a:solidFill>
+                  <a:srgbClr val="19177C"/>
+                </a:solidFill>
+                <a:latin typeface="Arial" pitchFamily="18"/>
+                <a:ea typeface="Microsoft YaHei" pitchFamily="18"/>
+                <a:cs typeface="Arial" pitchFamily="18"/>
+              </a:rPr>
+              <a:t>$</a:t>
+            </a:r>
+            <a:r>
+              <a:rPr lang="nl-BE" sz="1200" dirty="0" err="1">
+                <a:solidFill>
+                  <a:srgbClr val="19177C"/>
+                </a:solidFill>
+                <a:latin typeface="Arial" pitchFamily="18"/>
+                <a:ea typeface="Microsoft YaHei" pitchFamily="18"/>
+                <a:cs typeface="Arial" pitchFamily="18"/>
+              </a:rPr>
+              <a:t>width</a:t>
+            </a:r>
+            <a:r>
+              <a:rPr lang="nl-BE" sz="1200" dirty="0">
+                <a:latin typeface="Arial" pitchFamily="18"/>
+                <a:ea typeface="Microsoft YaHei" pitchFamily="18"/>
+                <a:cs typeface="Arial" pitchFamily="18"/>
+              </a:rPr>
+              <a:t> </a:t>
+            </a:r>
+            <a:r>
+              <a:rPr lang="nl-BE" sz="1200" dirty="0">
+                <a:solidFill>
+                  <a:srgbClr val="666666"/>
+                </a:solidFill>
+                <a:latin typeface="Arial" pitchFamily="18"/>
+                <a:ea typeface="Microsoft YaHei" pitchFamily="18"/>
+                <a:cs typeface="Arial" pitchFamily="18"/>
+              </a:rPr>
+              <a:t>=</a:t>
+            </a:r>
+            <a:r>
+              <a:rPr lang="nl-BE" sz="1200" dirty="0">
+                <a:latin typeface="Arial" pitchFamily="18"/>
+                <a:ea typeface="Microsoft YaHei" pitchFamily="18"/>
+                <a:cs typeface="Arial" pitchFamily="18"/>
+              </a:rPr>
+              <a:t> </a:t>
+            </a:r>
+            <a:r>
+              <a:rPr lang="nl-BE" sz="1200" dirty="0">
+                <a:solidFill>
+                  <a:srgbClr val="19177C"/>
+                </a:solidFill>
+                <a:latin typeface="Arial" pitchFamily="18"/>
+                <a:ea typeface="Microsoft YaHei" pitchFamily="18"/>
+                <a:cs typeface="Arial" pitchFamily="18"/>
+              </a:rPr>
+              <a:t>$</a:t>
+            </a:r>
+            <a:r>
+              <a:rPr lang="nl-BE" sz="1200" dirty="0" err="1">
+                <a:solidFill>
+                  <a:srgbClr val="19177C"/>
+                </a:solidFill>
+                <a:latin typeface="Arial" pitchFamily="18"/>
+                <a:ea typeface="Microsoft YaHei" pitchFamily="18"/>
+                <a:cs typeface="Arial" pitchFamily="18"/>
+              </a:rPr>
+              <a:t>img</a:t>
+            </a:r>
+            <a:r>
+              <a:rPr lang="nl-BE" sz="1200" dirty="0">
+                <a:latin typeface="Arial" pitchFamily="18"/>
+                <a:ea typeface="Microsoft YaHei" pitchFamily="18"/>
+                <a:cs typeface="Arial" pitchFamily="18"/>
+              </a:rPr>
+              <a:t>[</a:t>
+            </a:r>
+            <a:r>
+              <a:rPr lang="nl-BE" sz="1200" dirty="0">
+                <a:solidFill>
+                  <a:srgbClr val="666666"/>
+                </a:solidFill>
+                <a:latin typeface="Arial" pitchFamily="18"/>
+                <a:ea typeface="Microsoft YaHei" pitchFamily="18"/>
+                <a:cs typeface="Arial" pitchFamily="18"/>
+              </a:rPr>
+              <a:t>0</a:t>
+            </a:r>
+            <a:r>
+              <a:rPr lang="nl-BE" sz="1200" dirty="0">
+                <a:latin typeface="Arial" pitchFamily="18"/>
+                <a:ea typeface="Microsoft YaHei" pitchFamily="18"/>
+                <a:cs typeface="Arial" pitchFamily="18"/>
+              </a:rPr>
+              <a:t>];</a:t>
+            </a:r>
+          </a:p>
+          <a:p>
+            <a:pPr lvl="0" indent="0">
+              <a:lnSpc>
+                <a:spcPct val="100000"/>
+              </a:lnSpc>
+              <a:spcBef>
+                <a:spcPts val="0"/>
+              </a:spcBef>
+              <a:spcAft>
+                <a:spcPts val="1417"/>
+              </a:spcAft>
+              <a:buNone/>
+            </a:pPr>
+            <a:r>
+              <a:rPr lang="nl-BE" sz="1200" dirty="0">
+                <a:latin typeface="Arial" pitchFamily="18"/>
+                <a:ea typeface="Microsoft YaHei" pitchFamily="18"/>
+                <a:cs typeface="Arial" pitchFamily="18"/>
+              </a:rPr>
+              <a:t>    </a:t>
+            </a:r>
+            <a:r>
+              <a:rPr lang="nl-BE" sz="1200" dirty="0">
+                <a:solidFill>
+                  <a:srgbClr val="19177C"/>
+                </a:solidFill>
+                <a:latin typeface="Arial" pitchFamily="18"/>
+                <a:ea typeface="Microsoft YaHei" pitchFamily="18"/>
+                <a:cs typeface="Arial" pitchFamily="18"/>
+              </a:rPr>
+              <a:t>$</a:t>
+            </a:r>
+            <a:r>
+              <a:rPr lang="nl-BE" sz="1200" dirty="0" err="1">
+                <a:solidFill>
+                  <a:srgbClr val="19177C"/>
+                </a:solidFill>
+                <a:latin typeface="Arial" pitchFamily="18"/>
+                <a:ea typeface="Microsoft YaHei" pitchFamily="18"/>
+                <a:cs typeface="Arial" pitchFamily="18"/>
+              </a:rPr>
+              <a:t>height</a:t>
+            </a:r>
+            <a:r>
+              <a:rPr lang="nl-BE" sz="1200" dirty="0">
+                <a:latin typeface="Arial" pitchFamily="18"/>
+                <a:ea typeface="Microsoft YaHei" pitchFamily="18"/>
+                <a:cs typeface="Arial" pitchFamily="18"/>
+              </a:rPr>
+              <a:t> </a:t>
+            </a:r>
+            <a:r>
+              <a:rPr lang="nl-BE" sz="1200" dirty="0">
+                <a:solidFill>
+                  <a:srgbClr val="666666"/>
+                </a:solidFill>
+                <a:latin typeface="Arial" pitchFamily="18"/>
+                <a:ea typeface="Microsoft YaHei" pitchFamily="18"/>
+                <a:cs typeface="Arial" pitchFamily="18"/>
+              </a:rPr>
+              <a:t>=</a:t>
+            </a:r>
+            <a:r>
+              <a:rPr lang="nl-BE" sz="1200" dirty="0">
+                <a:latin typeface="Arial" pitchFamily="18"/>
+                <a:ea typeface="Microsoft YaHei" pitchFamily="18"/>
+                <a:cs typeface="Arial" pitchFamily="18"/>
+              </a:rPr>
+              <a:t> </a:t>
+            </a:r>
+            <a:r>
+              <a:rPr lang="nl-BE" sz="1200" dirty="0">
+                <a:solidFill>
+                  <a:srgbClr val="19177C"/>
+                </a:solidFill>
+                <a:latin typeface="Arial" pitchFamily="18"/>
+                <a:ea typeface="Microsoft YaHei" pitchFamily="18"/>
+                <a:cs typeface="Arial" pitchFamily="18"/>
+              </a:rPr>
+              <a:t>$</a:t>
+            </a:r>
+            <a:r>
+              <a:rPr lang="nl-BE" sz="1200" dirty="0" err="1">
+                <a:solidFill>
+                  <a:srgbClr val="19177C"/>
+                </a:solidFill>
+                <a:latin typeface="Arial" pitchFamily="18"/>
+                <a:ea typeface="Microsoft YaHei" pitchFamily="18"/>
+                <a:cs typeface="Arial" pitchFamily="18"/>
+              </a:rPr>
+              <a:t>img</a:t>
+            </a:r>
+            <a:r>
+              <a:rPr lang="nl-BE" sz="1200" dirty="0">
+                <a:latin typeface="Arial" pitchFamily="18"/>
+                <a:ea typeface="Microsoft YaHei" pitchFamily="18"/>
+                <a:cs typeface="Arial" pitchFamily="18"/>
+              </a:rPr>
+              <a:t>[</a:t>
+            </a:r>
+            <a:r>
+              <a:rPr lang="nl-BE" sz="1200" dirty="0">
+                <a:solidFill>
+                  <a:srgbClr val="666666"/>
+                </a:solidFill>
+                <a:latin typeface="Arial" pitchFamily="18"/>
+                <a:ea typeface="Microsoft YaHei" pitchFamily="18"/>
+                <a:cs typeface="Arial" pitchFamily="18"/>
+              </a:rPr>
+              <a:t>1</a:t>
+            </a:r>
+            <a:r>
+              <a:rPr lang="nl-BE" sz="1200" dirty="0">
+                <a:latin typeface="Arial" pitchFamily="18"/>
+                <a:ea typeface="Microsoft YaHei" pitchFamily="18"/>
+                <a:cs typeface="Arial" pitchFamily="18"/>
+              </a:rPr>
+              <a:t>];</a:t>
+            </a:r>
+          </a:p>
+          <a:p>
+            <a:pPr lvl="0" indent="0">
+              <a:lnSpc>
+                <a:spcPct val="100000"/>
+              </a:lnSpc>
+              <a:spcBef>
+                <a:spcPts val="0"/>
+              </a:spcBef>
+              <a:spcAft>
+                <a:spcPts val="1417"/>
+              </a:spcAft>
+              <a:buNone/>
+            </a:pPr>
+            <a:endParaRPr lang="nl-BE" sz="1200" dirty="0">
+              <a:latin typeface="Arial" pitchFamily="18"/>
+              <a:ea typeface="Microsoft YaHei" pitchFamily="18"/>
+              <a:cs typeface="Arial" pitchFamily="18"/>
+            </a:endParaRPr>
+          </a:p>
+          <a:p>
+            <a:pPr lvl="0" indent="0">
+              <a:lnSpc>
+                <a:spcPct val="100000"/>
+              </a:lnSpc>
+              <a:spcBef>
+                <a:spcPts val="0"/>
+              </a:spcBef>
+              <a:spcAft>
+                <a:spcPts val="1417"/>
+              </a:spcAft>
+              <a:buNone/>
+            </a:pPr>
+            <a:r>
+              <a:rPr lang="nl-BE" sz="1200" dirty="0">
+                <a:latin typeface="Arial" pitchFamily="18"/>
+                <a:ea typeface="Microsoft YaHei" pitchFamily="18"/>
+                <a:cs typeface="Arial" pitchFamily="18"/>
+              </a:rPr>
+              <a:t>    </a:t>
+            </a:r>
+            <a:r>
+              <a:rPr lang="nl-BE" sz="1200" dirty="0">
+                <a:solidFill>
+                  <a:srgbClr val="19177C"/>
+                </a:solidFill>
+                <a:latin typeface="Arial" pitchFamily="18"/>
+                <a:ea typeface="Microsoft YaHei" pitchFamily="18"/>
+                <a:cs typeface="Arial" pitchFamily="18"/>
+              </a:rPr>
+              <a:t>$</a:t>
+            </a:r>
+            <a:r>
+              <a:rPr lang="nl-BE" sz="1200" dirty="0" err="1">
+                <a:solidFill>
+                  <a:srgbClr val="19177C"/>
+                </a:solidFill>
+                <a:latin typeface="Arial" pitchFamily="18"/>
+                <a:ea typeface="Microsoft YaHei" pitchFamily="18"/>
+                <a:cs typeface="Arial" pitchFamily="18"/>
+              </a:rPr>
+              <a:t>ext</a:t>
+            </a:r>
+            <a:r>
+              <a:rPr lang="nl-BE" sz="1200" dirty="0">
+                <a:latin typeface="Arial" pitchFamily="18"/>
+                <a:ea typeface="Microsoft YaHei" pitchFamily="18"/>
+                <a:cs typeface="Arial" pitchFamily="18"/>
+              </a:rPr>
+              <a:t> </a:t>
+            </a:r>
+            <a:r>
+              <a:rPr lang="nl-BE" sz="1200" dirty="0">
+                <a:solidFill>
+                  <a:srgbClr val="666666"/>
+                </a:solidFill>
+                <a:latin typeface="Arial" pitchFamily="18"/>
+                <a:ea typeface="Microsoft YaHei" pitchFamily="18"/>
+                <a:cs typeface="Arial" pitchFamily="18"/>
+              </a:rPr>
+              <a:t>=</a:t>
+            </a:r>
+            <a:r>
+              <a:rPr lang="nl-BE" sz="1200" dirty="0">
+                <a:latin typeface="Arial" pitchFamily="18"/>
+                <a:ea typeface="Microsoft YaHei" pitchFamily="18"/>
+                <a:cs typeface="Arial" pitchFamily="18"/>
+              </a:rPr>
+              <a:t> </a:t>
+            </a:r>
+            <a:r>
+              <a:rPr lang="nl-BE" sz="1200" dirty="0" err="1">
+                <a:latin typeface="Arial" pitchFamily="18"/>
+                <a:ea typeface="Microsoft YaHei" pitchFamily="18"/>
+                <a:cs typeface="Arial" pitchFamily="18"/>
+              </a:rPr>
+              <a:t>strtolower</a:t>
+            </a:r>
+            <a:r>
+              <a:rPr lang="nl-BE" sz="1200" dirty="0">
+                <a:latin typeface="Arial" pitchFamily="18"/>
+                <a:ea typeface="Microsoft YaHei" pitchFamily="18"/>
+                <a:cs typeface="Arial" pitchFamily="18"/>
+              </a:rPr>
+              <a:t>(</a:t>
+            </a:r>
+            <a:r>
+              <a:rPr lang="nl-BE" sz="1200" dirty="0">
+                <a:solidFill>
+                  <a:srgbClr val="19177C"/>
+                </a:solidFill>
+                <a:latin typeface="Arial" pitchFamily="18"/>
+                <a:ea typeface="Microsoft YaHei" pitchFamily="18"/>
+                <a:cs typeface="Arial" pitchFamily="18"/>
+              </a:rPr>
+              <a:t>$</a:t>
+            </a:r>
+            <a:r>
+              <a:rPr lang="nl-BE" sz="1200" dirty="0" err="1">
+                <a:solidFill>
+                  <a:srgbClr val="19177C"/>
+                </a:solidFill>
+                <a:latin typeface="Arial" pitchFamily="18"/>
+                <a:ea typeface="Microsoft YaHei" pitchFamily="18"/>
+                <a:cs typeface="Arial" pitchFamily="18"/>
+              </a:rPr>
+              <a:t>ext</a:t>
+            </a:r>
+            <a:r>
+              <a:rPr lang="nl-BE" sz="1200" dirty="0">
+                <a:latin typeface="Arial" pitchFamily="18"/>
+                <a:ea typeface="Microsoft YaHei" pitchFamily="18"/>
+                <a:cs typeface="Arial" pitchFamily="18"/>
+              </a:rPr>
+              <a:t>);</a:t>
+            </a:r>
+          </a:p>
+          <a:p>
+            <a:pPr lvl="0" indent="0">
+              <a:lnSpc>
+                <a:spcPct val="100000"/>
+              </a:lnSpc>
+              <a:spcBef>
+                <a:spcPts val="0"/>
+              </a:spcBef>
+              <a:spcAft>
+                <a:spcPts val="1417"/>
+              </a:spcAft>
+              <a:buNone/>
+            </a:pPr>
+            <a:r>
+              <a:rPr lang="nl-BE" sz="1200" dirty="0">
+                <a:latin typeface="Arial" pitchFamily="18"/>
+                <a:ea typeface="Microsoft YaHei" pitchFamily="18"/>
+                <a:cs typeface="Arial" pitchFamily="18"/>
+              </a:rPr>
+              <a:t>    </a:t>
+            </a:r>
+            <a:r>
+              <a:rPr lang="nl-BE" sz="1200" b="1" dirty="0" err="1">
+                <a:solidFill>
+                  <a:srgbClr val="008000"/>
+                </a:solidFill>
+                <a:latin typeface="Arial" pitchFamily="18"/>
+                <a:ea typeface="Microsoft YaHei" pitchFamily="18"/>
+                <a:cs typeface="Arial" pitchFamily="18"/>
+              </a:rPr>
+              <a:t>if</a:t>
+            </a:r>
+            <a:r>
+              <a:rPr lang="nl-BE" sz="1200" dirty="0">
+                <a:latin typeface="Arial" pitchFamily="18"/>
+                <a:ea typeface="Microsoft YaHei" pitchFamily="18"/>
+                <a:cs typeface="Arial" pitchFamily="18"/>
+              </a:rPr>
+              <a:t> (</a:t>
+            </a:r>
+            <a:r>
+              <a:rPr lang="nl-BE" sz="1200" dirty="0">
+                <a:solidFill>
+                  <a:srgbClr val="19177C"/>
+                </a:solidFill>
+                <a:latin typeface="Arial" pitchFamily="18"/>
+                <a:ea typeface="Microsoft YaHei" pitchFamily="18"/>
+                <a:cs typeface="Arial" pitchFamily="18"/>
+              </a:rPr>
+              <a:t>$</a:t>
+            </a:r>
+            <a:r>
+              <a:rPr lang="nl-BE" sz="1200" dirty="0" err="1">
+                <a:solidFill>
+                  <a:srgbClr val="19177C"/>
+                </a:solidFill>
+                <a:latin typeface="Arial" pitchFamily="18"/>
+                <a:ea typeface="Microsoft YaHei" pitchFamily="18"/>
+                <a:cs typeface="Arial" pitchFamily="18"/>
+              </a:rPr>
+              <a:t>ext</a:t>
+            </a:r>
+            <a:r>
+              <a:rPr lang="nl-BE" sz="1200" dirty="0">
+                <a:latin typeface="Arial" pitchFamily="18"/>
+                <a:ea typeface="Microsoft YaHei" pitchFamily="18"/>
+                <a:cs typeface="Arial" pitchFamily="18"/>
+              </a:rPr>
+              <a:t> </a:t>
+            </a:r>
+            <a:r>
+              <a:rPr lang="nl-BE" sz="1200" dirty="0">
+                <a:solidFill>
+                  <a:srgbClr val="666666"/>
+                </a:solidFill>
+                <a:latin typeface="Arial" pitchFamily="18"/>
+                <a:ea typeface="Microsoft YaHei" pitchFamily="18"/>
+                <a:cs typeface="Arial" pitchFamily="18"/>
+              </a:rPr>
+              <a:t>==</a:t>
+            </a:r>
+            <a:r>
+              <a:rPr lang="nl-BE" sz="1200" dirty="0">
+                <a:latin typeface="Arial" pitchFamily="18"/>
+                <a:ea typeface="Microsoft YaHei" pitchFamily="18"/>
+                <a:cs typeface="Arial" pitchFamily="18"/>
+              </a:rPr>
+              <a:t> </a:t>
+            </a:r>
+            <a:r>
+              <a:rPr lang="nl-BE" sz="1200" dirty="0">
+                <a:solidFill>
+                  <a:srgbClr val="BA2121"/>
+                </a:solidFill>
+                <a:latin typeface="Arial" pitchFamily="18"/>
+                <a:ea typeface="Microsoft YaHei" pitchFamily="18"/>
+                <a:cs typeface="Arial" pitchFamily="18"/>
+              </a:rPr>
+              <a:t>"gif"</a:t>
+            </a:r>
+            <a:r>
+              <a:rPr lang="nl-BE" sz="1200" dirty="0">
+                <a:latin typeface="Arial" pitchFamily="18"/>
+                <a:ea typeface="Microsoft YaHei" pitchFamily="18"/>
+                <a:cs typeface="Arial" pitchFamily="18"/>
+              </a:rPr>
+              <a:t>){</a:t>
+            </a:r>
+          </a:p>
+          <a:p>
+            <a:pPr lvl="0" indent="0">
+              <a:lnSpc>
+                <a:spcPct val="100000"/>
+              </a:lnSpc>
+              <a:spcBef>
+                <a:spcPts val="0"/>
+              </a:spcBef>
+              <a:spcAft>
+                <a:spcPts val="1417"/>
+              </a:spcAft>
+              <a:buNone/>
+            </a:pPr>
+            <a:r>
+              <a:rPr lang="nl-BE" sz="1200" dirty="0">
+                <a:latin typeface="Arial" pitchFamily="18"/>
+                <a:ea typeface="Microsoft YaHei" pitchFamily="18"/>
+                <a:cs typeface="Arial" pitchFamily="18"/>
+              </a:rPr>
+              <a:t>      </a:t>
+            </a:r>
+            <a:r>
+              <a:rPr lang="nl-BE" sz="1200" dirty="0">
+                <a:solidFill>
+                  <a:srgbClr val="19177C"/>
+                </a:solidFill>
+                <a:latin typeface="Arial" pitchFamily="18"/>
+                <a:ea typeface="Microsoft YaHei" pitchFamily="18"/>
+                <a:cs typeface="Arial" pitchFamily="18"/>
+              </a:rPr>
+              <a:t>$</a:t>
+            </a:r>
+            <a:r>
+              <a:rPr lang="nl-BE" sz="1200" dirty="0" err="1">
+                <a:solidFill>
+                  <a:srgbClr val="19177C"/>
+                </a:solidFill>
+                <a:latin typeface="Arial" pitchFamily="18"/>
+                <a:ea typeface="Microsoft YaHei" pitchFamily="18"/>
+                <a:cs typeface="Arial" pitchFamily="18"/>
+              </a:rPr>
+              <a:t>old</a:t>
+            </a:r>
+            <a:r>
+              <a:rPr lang="nl-BE" sz="1200" dirty="0">
+                <a:latin typeface="Arial" pitchFamily="18"/>
+                <a:ea typeface="Microsoft YaHei" pitchFamily="18"/>
+                <a:cs typeface="Arial" pitchFamily="18"/>
+              </a:rPr>
+              <a:t> </a:t>
+            </a:r>
+            <a:r>
+              <a:rPr lang="nl-BE" sz="1200" dirty="0">
+                <a:solidFill>
+                  <a:srgbClr val="666666"/>
+                </a:solidFill>
+                <a:latin typeface="Arial" pitchFamily="18"/>
+                <a:ea typeface="Microsoft YaHei" pitchFamily="18"/>
+                <a:cs typeface="Arial" pitchFamily="18"/>
+              </a:rPr>
+              <a:t>=</a:t>
+            </a:r>
+            <a:r>
+              <a:rPr lang="nl-BE" sz="1200" dirty="0">
+                <a:latin typeface="Arial" pitchFamily="18"/>
+                <a:ea typeface="Microsoft YaHei" pitchFamily="18"/>
+                <a:cs typeface="Arial" pitchFamily="18"/>
+              </a:rPr>
+              <a:t> </a:t>
+            </a:r>
+            <a:r>
+              <a:rPr lang="nl-BE" sz="1200" dirty="0" err="1">
+                <a:latin typeface="Arial" pitchFamily="18"/>
+                <a:ea typeface="Microsoft YaHei" pitchFamily="18"/>
+                <a:cs typeface="Arial" pitchFamily="18"/>
+              </a:rPr>
+              <a:t>imagecreatefromgif</a:t>
+            </a:r>
+            <a:r>
+              <a:rPr lang="nl-BE" sz="1200" dirty="0">
+                <a:latin typeface="Arial" pitchFamily="18"/>
+                <a:ea typeface="Microsoft YaHei" pitchFamily="18"/>
+                <a:cs typeface="Arial" pitchFamily="18"/>
+              </a:rPr>
+              <a:t>(</a:t>
+            </a:r>
+            <a:r>
+              <a:rPr lang="nl-BE" sz="1200" dirty="0">
+                <a:solidFill>
+                  <a:srgbClr val="19177C"/>
+                </a:solidFill>
+                <a:latin typeface="Arial" pitchFamily="18"/>
+                <a:ea typeface="Microsoft YaHei" pitchFamily="18"/>
+                <a:cs typeface="Arial" pitchFamily="18"/>
+              </a:rPr>
+              <a:t>$target</a:t>
+            </a:r>
+            <a:r>
+              <a:rPr lang="nl-BE" sz="1200" dirty="0">
+                <a:latin typeface="Arial" pitchFamily="18"/>
+                <a:ea typeface="Microsoft YaHei" pitchFamily="18"/>
+                <a:cs typeface="Arial" pitchFamily="18"/>
+              </a:rPr>
+              <a:t>);</a:t>
+            </a:r>
+          </a:p>
+          <a:p>
+            <a:pPr lvl="0" indent="0">
+              <a:lnSpc>
+                <a:spcPct val="100000"/>
+              </a:lnSpc>
+              <a:spcBef>
+                <a:spcPts val="0"/>
+              </a:spcBef>
+              <a:spcAft>
+                <a:spcPts val="1417"/>
+              </a:spcAft>
+              <a:buNone/>
+            </a:pPr>
+            <a:r>
+              <a:rPr lang="nl-BE" sz="1200" dirty="0">
+                <a:latin typeface="Arial" pitchFamily="18"/>
+                <a:ea typeface="Microsoft YaHei" pitchFamily="18"/>
+                <a:cs typeface="Arial" pitchFamily="18"/>
+              </a:rPr>
+              <a:t>    } </a:t>
+            </a:r>
+            <a:r>
+              <a:rPr lang="nl-BE" sz="1200" b="1" dirty="0" err="1">
+                <a:solidFill>
+                  <a:srgbClr val="008000"/>
+                </a:solidFill>
+                <a:latin typeface="Arial" pitchFamily="18"/>
+                <a:ea typeface="Microsoft YaHei" pitchFamily="18"/>
+                <a:cs typeface="Arial" pitchFamily="18"/>
+              </a:rPr>
+              <a:t>else</a:t>
+            </a:r>
+            <a:r>
+              <a:rPr lang="nl-BE" sz="1200" dirty="0">
+                <a:latin typeface="Arial" pitchFamily="18"/>
+                <a:ea typeface="Microsoft YaHei" pitchFamily="18"/>
+                <a:cs typeface="Arial" pitchFamily="18"/>
+              </a:rPr>
+              <a:t> </a:t>
+            </a:r>
+            <a:r>
+              <a:rPr lang="nl-BE" sz="1200" b="1" dirty="0" err="1">
+                <a:solidFill>
+                  <a:srgbClr val="008000"/>
+                </a:solidFill>
+                <a:latin typeface="Arial" pitchFamily="18"/>
+                <a:ea typeface="Microsoft YaHei" pitchFamily="18"/>
+                <a:cs typeface="Arial" pitchFamily="18"/>
+              </a:rPr>
+              <a:t>if</a:t>
+            </a:r>
+            <a:r>
+              <a:rPr lang="nl-BE" sz="1200" dirty="0">
+                <a:latin typeface="Arial" pitchFamily="18"/>
+                <a:ea typeface="Microsoft YaHei" pitchFamily="18"/>
+                <a:cs typeface="Arial" pitchFamily="18"/>
+              </a:rPr>
+              <a:t>(</a:t>
+            </a:r>
+            <a:r>
+              <a:rPr lang="nl-BE" sz="1200" dirty="0">
+                <a:solidFill>
+                  <a:srgbClr val="19177C"/>
+                </a:solidFill>
+                <a:latin typeface="Arial" pitchFamily="18"/>
+                <a:ea typeface="Microsoft YaHei" pitchFamily="18"/>
+                <a:cs typeface="Arial" pitchFamily="18"/>
+              </a:rPr>
+              <a:t>$</a:t>
+            </a:r>
+            <a:r>
+              <a:rPr lang="nl-BE" sz="1200" dirty="0" err="1">
+                <a:solidFill>
+                  <a:srgbClr val="19177C"/>
+                </a:solidFill>
+                <a:latin typeface="Arial" pitchFamily="18"/>
+                <a:ea typeface="Microsoft YaHei" pitchFamily="18"/>
+                <a:cs typeface="Arial" pitchFamily="18"/>
+              </a:rPr>
+              <a:t>ext</a:t>
+            </a:r>
+            <a:r>
+              <a:rPr lang="nl-BE" sz="1200" dirty="0">
+                <a:latin typeface="Arial" pitchFamily="18"/>
+                <a:ea typeface="Microsoft YaHei" pitchFamily="18"/>
+                <a:cs typeface="Arial" pitchFamily="18"/>
+              </a:rPr>
+              <a:t> </a:t>
+            </a:r>
+            <a:r>
+              <a:rPr lang="nl-BE" sz="1200" dirty="0">
+                <a:solidFill>
+                  <a:srgbClr val="666666"/>
+                </a:solidFill>
+                <a:latin typeface="Arial" pitchFamily="18"/>
+                <a:ea typeface="Microsoft YaHei" pitchFamily="18"/>
+                <a:cs typeface="Arial" pitchFamily="18"/>
+              </a:rPr>
+              <a:t>==</a:t>
+            </a:r>
+            <a:r>
+              <a:rPr lang="nl-BE" sz="1200" dirty="0">
+                <a:solidFill>
+                  <a:srgbClr val="BA2121"/>
+                </a:solidFill>
+                <a:latin typeface="Arial" pitchFamily="18"/>
+                <a:ea typeface="Microsoft YaHei" pitchFamily="18"/>
+                <a:cs typeface="Arial" pitchFamily="18"/>
+              </a:rPr>
+              <a:t>"</a:t>
+            </a:r>
+            <a:r>
+              <a:rPr lang="nl-BE" sz="1200" dirty="0" err="1">
+                <a:solidFill>
+                  <a:srgbClr val="BA2121"/>
+                </a:solidFill>
+                <a:latin typeface="Arial" pitchFamily="18"/>
+                <a:ea typeface="Microsoft YaHei" pitchFamily="18"/>
+                <a:cs typeface="Arial" pitchFamily="18"/>
+              </a:rPr>
+              <a:t>png</a:t>
+            </a:r>
+            <a:r>
+              <a:rPr lang="nl-BE" sz="1200" dirty="0">
+                <a:solidFill>
+                  <a:srgbClr val="BA2121"/>
+                </a:solidFill>
+                <a:latin typeface="Arial" pitchFamily="18"/>
+                <a:ea typeface="Microsoft YaHei" pitchFamily="18"/>
+                <a:cs typeface="Arial" pitchFamily="18"/>
+              </a:rPr>
+              <a:t>"</a:t>
+            </a:r>
+            <a:r>
+              <a:rPr lang="nl-BE" sz="1200" dirty="0">
+                <a:latin typeface="Arial" pitchFamily="18"/>
+                <a:ea typeface="Microsoft YaHei" pitchFamily="18"/>
+                <a:cs typeface="Arial" pitchFamily="18"/>
+              </a:rPr>
+              <a:t>){</a:t>
+            </a:r>
+          </a:p>
+          <a:p>
+            <a:pPr lvl="0" indent="0">
+              <a:lnSpc>
+                <a:spcPct val="100000"/>
+              </a:lnSpc>
+              <a:spcBef>
+                <a:spcPts val="0"/>
+              </a:spcBef>
+              <a:spcAft>
+                <a:spcPts val="1417"/>
+              </a:spcAft>
+              <a:buNone/>
+            </a:pPr>
+            <a:r>
+              <a:rPr lang="nl-BE" sz="1200" dirty="0">
+                <a:latin typeface="Arial" pitchFamily="18"/>
+                <a:ea typeface="Microsoft YaHei" pitchFamily="18"/>
+                <a:cs typeface="Arial" pitchFamily="18"/>
+              </a:rPr>
+              <a:t>      </a:t>
+            </a:r>
+            <a:r>
+              <a:rPr lang="nl-BE" sz="1200" dirty="0">
+                <a:solidFill>
+                  <a:srgbClr val="19177C"/>
+                </a:solidFill>
+                <a:latin typeface="Arial" pitchFamily="18"/>
+                <a:ea typeface="Microsoft YaHei" pitchFamily="18"/>
+                <a:cs typeface="Arial" pitchFamily="18"/>
+              </a:rPr>
+              <a:t>$</a:t>
+            </a:r>
+            <a:r>
+              <a:rPr lang="nl-BE" sz="1200" dirty="0" err="1">
+                <a:solidFill>
+                  <a:srgbClr val="19177C"/>
+                </a:solidFill>
+                <a:latin typeface="Arial" pitchFamily="18"/>
+                <a:ea typeface="Microsoft YaHei" pitchFamily="18"/>
+                <a:cs typeface="Arial" pitchFamily="18"/>
+              </a:rPr>
+              <a:t>old</a:t>
+            </a:r>
+            <a:r>
+              <a:rPr lang="nl-BE" sz="1200" dirty="0">
+                <a:latin typeface="Arial" pitchFamily="18"/>
+                <a:ea typeface="Microsoft YaHei" pitchFamily="18"/>
+                <a:cs typeface="Arial" pitchFamily="18"/>
+              </a:rPr>
+              <a:t> </a:t>
+            </a:r>
+            <a:r>
+              <a:rPr lang="nl-BE" sz="1200" dirty="0">
+                <a:solidFill>
+                  <a:srgbClr val="666666"/>
+                </a:solidFill>
+                <a:latin typeface="Arial" pitchFamily="18"/>
+                <a:ea typeface="Microsoft YaHei" pitchFamily="18"/>
+                <a:cs typeface="Arial" pitchFamily="18"/>
+              </a:rPr>
+              <a:t>=</a:t>
+            </a:r>
+            <a:r>
+              <a:rPr lang="nl-BE" sz="1200" dirty="0">
+                <a:latin typeface="Arial" pitchFamily="18"/>
+                <a:ea typeface="Microsoft YaHei" pitchFamily="18"/>
+                <a:cs typeface="Arial" pitchFamily="18"/>
+              </a:rPr>
+              <a:t> </a:t>
+            </a:r>
+            <a:r>
+              <a:rPr lang="nl-BE" sz="1200" dirty="0" err="1">
+                <a:latin typeface="Arial" pitchFamily="18"/>
+                <a:ea typeface="Microsoft YaHei" pitchFamily="18"/>
+                <a:cs typeface="Arial" pitchFamily="18"/>
+              </a:rPr>
+              <a:t>imagecreatefrompng</a:t>
+            </a:r>
+            <a:r>
+              <a:rPr lang="nl-BE" sz="1200" dirty="0">
+                <a:latin typeface="Arial" pitchFamily="18"/>
+                <a:ea typeface="Microsoft YaHei" pitchFamily="18"/>
+                <a:cs typeface="Arial" pitchFamily="18"/>
+              </a:rPr>
+              <a:t>(</a:t>
+            </a:r>
+            <a:r>
+              <a:rPr lang="nl-BE" sz="1200" dirty="0">
+                <a:solidFill>
+                  <a:srgbClr val="19177C"/>
+                </a:solidFill>
+                <a:latin typeface="Arial" pitchFamily="18"/>
+                <a:ea typeface="Microsoft YaHei" pitchFamily="18"/>
+                <a:cs typeface="Arial" pitchFamily="18"/>
+              </a:rPr>
+              <a:t>$target</a:t>
+            </a:r>
+            <a:r>
+              <a:rPr lang="nl-BE" sz="1200" dirty="0">
+                <a:latin typeface="Arial" pitchFamily="18"/>
+                <a:ea typeface="Microsoft YaHei" pitchFamily="18"/>
+                <a:cs typeface="Arial" pitchFamily="18"/>
+              </a:rPr>
+              <a:t>);</a:t>
+            </a:r>
+          </a:p>
+          <a:p>
+            <a:pPr lvl="0" indent="0">
+              <a:lnSpc>
+                <a:spcPct val="100000"/>
+              </a:lnSpc>
+              <a:spcBef>
+                <a:spcPts val="0"/>
+              </a:spcBef>
+              <a:spcAft>
+                <a:spcPts val="1417"/>
+              </a:spcAft>
+              <a:buNone/>
+            </a:pPr>
+            <a:r>
+              <a:rPr lang="nl-BE" sz="1200" dirty="0">
+                <a:latin typeface="Arial" pitchFamily="18"/>
+                <a:ea typeface="Microsoft YaHei" pitchFamily="18"/>
+                <a:cs typeface="Arial" pitchFamily="18"/>
+              </a:rPr>
+              <a:t>    } </a:t>
+            </a:r>
+            <a:r>
+              <a:rPr lang="nl-BE" sz="1200" b="1" dirty="0" err="1">
+                <a:solidFill>
+                  <a:srgbClr val="008000"/>
+                </a:solidFill>
+                <a:latin typeface="Arial" pitchFamily="18"/>
+                <a:ea typeface="Microsoft YaHei" pitchFamily="18"/>
+                <a:cs typeface="Arial" pitchFamily="18"/>
+              </a:rPr>
+              <a:t>else</a:t>
+            </a:r>
+            <a:r>
+              <a:rPr lang="nl-BE" sz="1200" dirty="0">
+                <a:latin typeface="Arial" pitchFamily="18"/>
+                <a:ea typeface="Microsoft YaHei" pitchFamily="18"/>
+                <a:cs typeface="Arial" pitchFamily="18"/>
+              </a:rPr>
+              <a:t> {</a:t>
+            </a:r>
+          </a:p>
+          <a:p>
+            <a:pPr lvl="0" indent="0">
+              <a:lnSpc>
+                <a:spcPct val="100000"/>
+              </a:lnSpc>
+              <a:spcBef>
+                <a:spcPts val="0"/>
+              </a:spcBef>
+              <a:spcAft>
+                <a:spcPts val="1417"/>
+              </a:spcAft>
+              <a:buNone/>
+            </a:pPr>
+            <a:endParaRPr lang="nl-BE" sz="1200" dirty="0" smtClean="0">
+              <a:latin typeface="Arial" pitchFamily="18"/>
+              <a:ea typeface="Microsoft YaHei" pitchFamily="18"/>
+              <a:cs typeface="Arial" pitchFamily="18"/>
+            </a:endParaRPr>
+          </a:p>
+          <a:p>
+            <a:pPr lvl="0" indent="0">
+              <a:lnSpc>
+                <a:spcPct val="100000"/>
+              </a:lnSpc>
+              <a:spcBef>
+                <a:spcPts val="0"/>
+              </a:spcBef>
+              <a:spcAft>
+                <a:spcPts val="1417"/>
+              </a:spcAft>
+              <a:buNone/>
+            </a:pPr>
+            <a:endParaRPr lang="nl-BE" sz="1200" dirty="0">
+              <a:latin typeface="Arial" pitchFamily="18"/>
+              <a:ea typeface="Microsoft YaHei" pitchFamily="18"/>
+              <a:cs typeface="Arial" pitchFamily="18"/>
+            </a:endParaRPr>
+          </a:p>
+          <a:p>
+            <a:pPr lvl="0" indent="0">
+              <a:lnSpc>
+                <a:spcPct val="100000"/>
+              </a:lnSpc>
+              <a:spcBef>
+                <a:spcPts val="0"/>
+              </a:spcBef>
+              <a:spcAft>
+                <a:spcPts val="1417"/>
+              </a:spcAft>
+              <a:buNone/>
+            </a:pPr>
+            <a:endParaRPr lang="nl-BE" sz="1200" dirty="0" smtClean="0">
+              <a:latin typeface="Arial" pitchFamily="18"/>
+              <a:ea typeface="Microsoft YaHei" pitchFamily="18"/>
+              <a:cs typeface="Arial" pitchFamily="18"/>
+            </a:endParaRPr>
+          </a:p>
+          <a:p>
+            <a:pPr lvl="0" indent="0">
+              <a:lnSpc>
+                <a:spcPct val="100000"/>
+              </a:lnSpc>
+              <a:spcBef>
+                <a:spcPts val="0"/>
+              </a:spcBef>
+              <a:spcAft>
+                <a:spcPts val="1417"/>
+              </a:spcAft>
+              <a:buNone/>
+            </a:pPr>
+            <a:r>
+              <a:rPr lang="nl-BE" sz="1200" dirty="0" smtClean="0">
+                <a:latin typeface="Arial" pitchFamily="18"/>
+                <a:ea typeface="Microsoft YaHei" pitchFamily="18"/>
+                <a:cs typeface="Arial" pitchFamily="18"/>
+              </a:rPr>
+              <a:t>      </a:t>
+            </a:r>
+            <a:r>
+              <a:rPr lang="nl-BE" sz="1200" dirty="0">
+                <a:solidFill>
+                  <a:srgbClr val="19177C"/>
+                </a:solidFill>
+                <a:latin typeface="Arial" pitchFamily="18"/>
+                <a:ea typeface="Microsoft YaHei" pitchFamily="18"/>
+                <a:cs typeface="Arial" pitchFamily="18"/>
+              </a:rPr>
+              <a:t>$</a:t>
+            </a:r>
+            <a:r>
+              <a:rPr lang="nl-BE" sz="1200" dirty="0" err="1">
+                <a:solidFill>
+                  <a:srgbClr val="19177C"/>
+                </a:solidFill>
+                <a:latin typeface="Arial" pitchFamily="18"/>
+                <a:ea typeface="Microsoft YaHei" pitchFamily="18"/>
+                <a:cs typeface="Arial" pitchFamily="18"/>
+              </a:rPr>
+              <a:t>old</a:t>
+            </a:r>
+            <a:r>
+              <a:rPr lang="nl-BE" sz="1200" dirty="0">
+                <a:latin typeface="Arial" pitchFamily="18"/>
+                <a:ea typeface="Microsoft YaHei" pitchFamily="18"/>
+                <a:cs typeface="Arial" pitchFamily="18"/>
+              </a:rPr>
+              <a:t> </a:t>
+            </a:r>
+            <a:r>
+              <a:rPr lang="nl-BE" sz="1200" dirty="0">
+                <a:solidFill>
+                  <a:srgbClr val="666666"/>
+                </a:solidFill>
+                <a:latin typeface="Arial" pitchFamily="18"/>
+                <a:ea typeface="Microsoft YaHei" pitchFamily="18"/>
+                <a:cs typeface="Arial" pitchFamily="18"/>
+              </a:rPr>
+              <a:t>=</a:t>
+            </a:r>
+            <a:r>
+              <a:rPr lang="nl-BE" sz="1200" dirty="0">
+                <a:latin typeface="Arial" pitchFamily="18"/>
+                <a:ea typeface="Microsoft YaHei" pitchFamily="18"/>
+                <a:cs typeface="Arial" pitchFamily="18"/>
+              </a:rPr>
+              <a:t> </a:t>
+            </a:r>
+            <a:r>
+              <a:rPr lang="nl-BE" sz="1200" dirty="0" err="1">
+                <a:latin typeface="Arial" pitchFamily="18"/>
+                <a:ea typeface="Microsoft YaHei" pitchFamily="18"/>
+                <a:cs typeface="Arial" pitchFamily="18"/>
+              </a:rPr>
+              <a:t>imagecreatefromjpeg</a:t>
+            </a:r>
+            <a:r>
+              <a:rPr lang="nl-BE" sz="1200" dirty="0">
+                <a:latin typeface="Arial" pitchFamily="18"/>
+                <a:ea typeface="Microsoft YaHei" pitchFamily="18"/>
+                <a:cs typeface="Arial" pitchFamily="18"/>
+              </a:rPr>
+              <a:t>(</a:t>
+            </a:r>
+            <a:r>
+              <a:rPr lang="nl-BE" sz="1200" dirty="0">
+                <a:solidFill>
+                  <a:srgbClr val="19177C"/>
+                </a:solidFill>
+                <a:latin typeface="Arial" pitchFamily="18"/>
+                <a:ea typeface="Microsoft YaHei" pitchFamily="18"/>
+                <a:cs typeface="Arial" pitchFamily="18"/>
+              </a:rPr>
+              <a:t>$target</a:t>
+            </a:r>
+            <a:r>
+              <a:rPr lang="nl-BE" sz="1200" dirty="0">
+                <a:latin typeface="Arial" pitchFamily="18"/>
+                <a:ea typeface="Microsoft YaHei" pitchFamily="18"/>
+                <a:cs typeface="Arial" pitchFamily="18"/>
+              </a:rPr>
+              <a:t>);</a:t>
+            </a:r>
+          </a:p>
+          <a:p>
+            <a:pPr lvl="0" indent="0">
+              <a:lnSpc>
+                <a:spcPct val="100000"/>
+              </a:lnSpc>
+              <a:spcBef>
+                <a:spcPts val="0"/>
+              </a:spcBef>
+              <a:spcAft>
+                <a:spcPts val="1417"/>
+              </a:spcAft>
+              <a:buNone/>
+            </a:pPr>
+            <a:r>
+              <a:rPr lang="nl-BE" sz="1200" dirty="0">
+                <a:latin typeface="Arial" pitchFamily="18"/>
+                <a:ea typeface="Microsoft YaHei" pitchFamily="18"/>
+                <a:cs typeface="Arial" pitchFamily="18"/>
+              </a:rPr>
+              <a:t>    }</a:t>
+            </a:r>
+          </a:p>
+          <a:p>
+            <a:pPr lvl="0" indent="0">
+              <a:lnSpc>
+                <a:spcPct val="100000"/>
+              </a:lnSpc>
+              <a:spcBef>
+                <a:spcPts val="0"/>
+              </a:spcBef>
+              <a:spcAft>
+                <a:spcPts val="1417"/>
+              </a:spcAft>
+              <a:buNone/>
+            </a:pPr>
+            <a:r>
+              <a:rPr lang="nl-BE" sz="1200" dirty="0">
+                <a:latin typeface="Arial" pitchFamily="18"/>
+                <a:ea typeface="Microsoft YaHei" pitchFamily="18"/>
+                <a:cs typeface="Arial" pitchFamily="18"/>
+              </a:rPr>
+              <a:t>    </a:t>
+            </a:r>
+            <a:r>
+              <a:rPr lang="nl-BE" sz="1200" dirty="0">
+                <a:solidFill>
+                  <a:srgbClr val="19177C"/>
+                </a:solidFill>
+                <a:latin typeface="Arial" pitchFamily="18"/>
+                <a:ea typeface="Microsoft YaHei" pitchFamily="18"/>
+                <a:cs typeface="Arial" pitchFamily="18"/>
+              </a:rPr>
+              <a:t>$new</a:t>
+            </a:r>
+            <a:r>
+              <a:rPr lang="nl-BE" sz="1200" dirty="0">
+                <a:latin typeface="Arial" pitchFamily="18"/>
+                <a:ea typeface="Microsoft YaHei" pitchFamily="18"/>
+                <a:cs typeface="Arial" pitchFamily="18"/>
+              </a:rPr>
+              <a:t> </a:t>
+            </a:r>
+            <a:r>
+              <a:rPr lang="nl-BE" sz="1200" dirty="0">
+                <a:solidFill>
+                  <a:srgbClr val="666666"/>
+                </a:solidFill>
+                <a:latin typeface="Arial" pitchFamily="18"/>
+                <a:ea typeface="Microsoft YaHei" pitchFamily="18"/>
+                <a:cs typeface="Arial" pitchFamily="18"/>
+              </a:rPr>
+              <a:t>=</a:t>
+            </a:r>
+            <a:r>
+              <a:rPr lang="nl-BE" sz="1200" dirty="0">
+                <a:latin typeface="Arial" pitchFamily="18"/>
+                <a:ea typeface="Microsoft YaHei" pitchFamily="18"/>
+                <a:cs typeface="Arial" pitchFamily="18"/>
+              </a:rPr>
+              <a:t> </a:t>
+            </a:r>
+            <a:r>
+              <a:rPr lang="nl-BE" sz="1200" dirty="0" err="1">
+                <a:latin typeface="Arial" pitchFamily="18"/>
+                <a:ea typeface="Microsoft YaHei" pitchFamily="18"/>
+                <a:cs typeface="Arial" pitchFamily="18"/>
+              </a:rPr>
+              <a:t>imagecreatetruecolor</a:t>
+            </a:r>
+            <a:r>
+              <a:rPr lang="nl-BE" sz="1200" dirty="0">
+                <a:latin typeface="Arial" pitchFamily="18"/>
+                <a:ea typeface="Microsoft YaHei" pitchFamily="18"/>
+                <a:cs typeface="Arial" pitchFamily="18"/>
+              </a:rPr>
+              <a:t>(</a:t>
+            </a:r>
+            <a:r>
+              <a:rPr lang="nl-BE" sz="1200" dirty="0">
+                <a:solidFill>
+                  <a:srgbClr val="19177C"/>
+                </a:solidFill>
+                <a:latin typeface="Arial" pitchFamily="18"/>
+                <a:ea typeface="Microsoft YaHei" pitchFamily="18"/>
+                <a:cs typeface="Arial" pitchFamily="18"/>
+              </a:rPr>
+              <a:t>$w</a:t>
+            </a:r>
+            <a:r>
+              <a:rPr lang="nl-BE" sz="1200" dirty="0">
+                <a:latin typeface="Arial" pitchFamily="18"/>
+                <a:ea typeface="Microsoft YaHei" pitchFamily="18"/>
+                <a:cs typeface="Arial" pitchFamily="18"/>
+              </a:rPr>
+              <a:t>, </a:t>
+            </a:r>
+            <a:r>
+              <a:rPr lang="nl-BE" sz="1200" dirty="0">
+                <a:solidFill>
+                  <a:srgbClr val="19177C"/>
+                </a:solidFill>
+                <a:latin typeface="Arial" pitchFamily="18"/>
+                <a:ea typeface="Microsoft YaHei" pitchFamily="18"/>
+                <a:cs typeface="Arial" pitchFamily="18"/>
+              </a:rPr>
+              <a:t>$h</a:t>
+            </a:r>
+            <a:r>
+              <a:rPr lang="nl-BE" sz="1200" dirty="0">
+                <a:latin typeface="Arial" pitchFamily="18"/>
+                <a:ea typeface="Microsoft YaHei" pitchFamily="18"/>
+                <a:cs typeface="Arial" pitchFamily="18"/>
+              </a:rPr>
+              <a:t>);</a:t>
+            </a:r>
+          </a:p>
+          <a:p>
+            <a:pPr lvl="0" indent="0">
+              <a:lnSpc>
+                <a:spcPct val="100000"/>
+              </a:lnSpc>
+              <a:spcBef>
+                <a:spcPts val="0"/>
+              </a:spcBef>
+              <a:spcAft>
+                <a:spcPts val="1417"/>
+              </a:spcAft>
+              <a:buNone/>
+            </a:pPr>
+            <a:endParaRPr lang="nl-BE" sz="1200" dirty="0">
+              <a:latin typeface="Arial" pitchFamily="18"/>
+              <a:ea typeface="Microsoft YaHei" pitchFamily="18"/>
+              <a:cs typeface="Arial" pitchFamily="18"/>
+            </a:endParaRPr>
+          </a:p>
+          <a:p>
+            <a:pPr lvl="0" indent="0">
+              <a:lnSpc>
+                <a:spcPct val="100000"/>
+              </a:lnSpc>
+              <a:spcBef>
+                <a:spcPts val="0"/>
+              </a:spcBef>
+              <a:spcAft>
+                <a:spcPts val="1417"/>
+              </a:spcAft>
+              <a:buNone/>
+            </a:pPr>
+            <a:r>
+              <a:rPr lang="nl-BE" sz="1200" dirty="0">
+                <a:latin typeface="Arial" pitchFamily="18"/>
+                <a:ea typeface="Microsoft YaHei" pitchFamily="18"/>
+                <a:cs typeface="Arial" pitchFamily="18"/>
+              </a:rPr>
+              <a:t>    </a:t>
+            </a:r>
+            <a:r>
+              <a:rPr lang="nl-BE" sz="1200" dirty="0" err="1">
+                <a:latin typeface="Arial" pitchFamily="18"/>
+                <a:ea typeface="Microsoft YaHei" pitchFamily="18"/>
+                <a:cs typeface="Arial" pitchFamily="18"/>
+              </a:rPr>
+              <a:t>imagecopyresampled</a:t>
+            </a:r>
+            <a:r>
+              <a:rPr lang="nl-BE" sz="1200" dirty="0">
+                <a:latin typeface="Arial" pitchFamily="18"/>
+                <a:ea typeface="Microsoft YaHei" pitchFamily="18"/>
+                <a:cs typeface="Arial" pitchFamily="18"/>
+              </a:rPr>
+              <a:t>(</a:t>
+            </a:r>
+            <a:r>
+              <a:rPr lang="nl-BE" sz="1200" dirty="0">
+                <a:solidFill>
+                  <a:srgbClr val="19177C"/>
+                </a:solidFill>
+                <a:latin typeface="Arial" pitchFamily="18"/>
+                <a:ea typeface="Microsoft YaHei" pitchFamily="18"/>
+                <a:cs typeface="Arial" pitchFamily="18"/>
+              </a:rPr>
+              <a:t>$new</a:t>
+            </a:r>
+            <a:r>
+              <a:rPr lang="nl-BE" sz="1200" dirty="0">
+                <a:latin typeface="Arial" pitchFamily="18"/>
+                <a:ea typeface="Microsoft YaHei" pitchFamily="18"/>
+                <a:cs typeface="Arial" pitchFamily="18"/>
+              </a:rPr>
+              <a:t>, </a:t>
+            </a:r>
+            <a:r>
+              <a:rPr lang="nl-BE" sz="1200" dirty="0">
+                <a:solidFill>
+                  <a:srgbClr val="19177C"/>
+                </a:solidFill>
+                <a:latin typeface="Arial" pitchFamily="18"/>
+                <a:ea typeface="Microsoft YaHei" pitchFamily="18"/>
+                <a:cs typeface="Arial" pitchFamily="18"/>
+              </a:rPr>
+              <a:t>$</a:t>
+            </a:r>
+            <a:r>
+              <a:rPr lang="nl-BE" sz="1200" dirty="0" err="1">
+                <a:solidFill>
+                  <a:srgbClr val="19177C"/>
+                </a:solidFill>
+                <a:latin typeface="Arial" pitchFamily="18"/>
+                <a:ea typeface="Microsoft YaHei" pitchFamily="18"/>
+                <a:cs typeface="Arial" pitchFamily="18"/>
+              </a:rPr>
+              <a:t>old</a:t>
+            </a:r>
+            <a:r>
+              <a:rPr lang="nl-BE" sz="1200" dirty="0">
+                <a:latin typeface="Arial" pitchFamily="18"/>
+                <a:ea typeface="Microsoft YaHei" pitchFamily="18"/>
+                <a:cs typeface="Arial" pitchFamily="18"/>
+              </a:rPr>
+              <a:t>, </a:t>
+            </a:r>
+            <a:r>
+              <a:rPr lang="nl-BE" sz="1200" dirty="0">
+                <a:solidFill>
+                  <a:srgbClr val="666666"/>
+                </a:solidFill>
+                <a:latin typeface="Arial" pitchFamily="18"/>
+                <a:ea typeface="Microsoft YaHei" pitchFamily="18"/>
+                <a:cs typeface="Arial" pitchFamily="18"/>
+              </a:rPr>
+              <a:t>0</a:t>
+            </a:r>
+            <a:r>
+              <a:rPr lang="nl-BE" sz="1200" dirty="0">
+                <a:latin typeface="Arial" pitchFamily="18"/>
+                <a:ea typeface="Microsoft YaHei" pitchFamily="18"/>
+                <a:cs typeface="Arial" pitchFamily="18"/>
+              </a:rPr>
+              <a:t>, </a:t>
+            </a:r>
+            <a:r>
+              <a:rPr lang="nl-BE" sz="1200" dirty="0">
+                <a:solidFill>
+                  <a:srgbClr val="666666"/>
+                </a:solidFill>
+                <a:latin typeface="Arial" pitchFamily="18"/>
+                <a:ea typeface="Microsoft YaHei" pitchFamily="18"/>
+                <a:cs typeface="Arial" pitchFamily="18"/>
+              </a:rPr>
+              <a:t>0</a:t>
+            </a:r>
+            <a:r>
+              <a:rPr lang="nl-BE" sz="1200" dirty="0">
+                <a:latin typeface="Arial" pitchFamily="18"/>
+                <a:ea typeface="Microsoft YaHei" pitchFamily="18"/>
+                <a:cs typeface="Arial" pitchFamily="18"/>
+              </a:rPr>
+              <a:t>, </a:t>
+            </a:r>
+            <a:r>
+              <a:rPr lang="nl-BE" sz="1200" dirty="0">
+                <a:solidFill>
+                  <a:srgbClr val="666666"/>
+                </a:solidFill>
+                <a:latin typeface="Arial" pitchFamily="18"/>
+                <a:ea typeface="Microsoft YaHei" pitchFamily="18"/>
+                <a:cs typeface="Arial" pitchFamily="18"/>
+              </a:rPr>
+              <a:t>0</a:t>
+            </a:r>
+            <a:r>
+              <a:rPr lang="nl-BE" sz="1200" dirty="0">
+                <a:latin typeface="Arial" pitchFamily="18"/>
+                <a:ea typeface="Microsoft YaHei" pitchFamily="18"/>
+                <a:cs typeface="Arial" pitchFamily="18"/>
+              </a:rPr>
+              <a:t>, </a:t>
+            </a:r>
+            <a:r>
+              <a:rPr lang="nl-BE" sz="1200" dirty="0">
+                <a:solidFill>
+                  <a:srgbClr val="666666"/>
+                </a:solidFill>
+                <a:latin typeface="Arial" pitchFamily="18"/>
+                <a:ea typeface="Microsoft YaHei" pitchFamily="18"/>
+                <a:cs typeface="Arial" pitchFamily="18"/>
+              </a:rPr>
+              <a:t>0</a:t>
+            </a:r>
+            <a:r>
+              <a:rPr lang="nl-BE" sz="1200" dirty="0">
+                <a:latin typeface="Arial" pitchFamily="18"/>
+                <a:ea typeface="Microsoft YaHei" pitchFamily="18"/>
+                <a:cs typeface="Arial" pitchFamily="18"/>
+              </a:rPr>
+              <a:t>, </a:t>
+            </a:r>
+            <a:r>
+              <a:rPr lang="nl-BE" sz="1200" dirty="0">
+                <a:solidFill>
+                  <a:srgbClr val="19177C"/>
+                </a:solidFill>
+                <a:latin typeface="Arial" pitchFamily="18"/>
+                <a:ea typeface="Microsoft YaHei" pitchFamily="18"/>
+                <a:cs typeface="Arial" pitchFamily="18"/>
+              </a:rPr>
+              <a:t>$w</a:t>
+            </a:r>
+            <a:r>
+              <a:rPr lang="nl-BE" sz="1200" dirty="0">
+                <a:latin typeface="Arial" pitchFamily="18"/>
+                <a:ea typeface="Microsoft YaHei" pitchFamily="18"/>
+                <a:cs typeface="Arial" pitchFamily="18"/>
+              </a:rPr>
+              <a:t>, </a:t>
+            </a:r>
+            <a:r>
+              <a:rPr lang="nl-BE" sz="1200" dirty="0">
+                <a:solidFill>
+                  <a:srgbClr val="19177C"/>
+                </a:solidFill>
+                <a:latin typeface="Arial" pitchFamily="18"/>
+                <a:ea typeface="Microsoft YaHei" pitchFamily="18"/>
+                <a:cs typeface="Arial" pitchFamily="18"/>
+              </a:rPr>
+              <a:t>$h</a:t>
+            </a:r>
+            <a:r>
+              <a:rPr lang="nl-BE" sz="1200" dirty="0">
+                <a:latin typeface="Arial" pitchFamily="18"/>
+                <a:ea typeface="Microsoft YaHei" pitchFamily="18"/>
+                <a:cs typeface="Arial" pitchFamily="18"/>
+              </a:rPr>
+              <a:t>, </a:t>
+            </a:r>
+            <a:r>
+              <a:rPr lang="nl-BE" sz="1200" dirty="0">
+                <a:solidFill>
+                  <a:srgbClr val="19177C"/>
+                </a:solidFill>
+                <a:latin typeface="Arial" pitchFamily="18"/>
+                <a:ea typeface="Microsoft YaHei" pitchFamily="18"/>
+                <a:cs typeface="Arial" pitchFamily="18"/>
+              </a:rPr>
+              <a:t>$</a:t>
+            </a:r>
+            <a:r>
+              <a:rPr lang="nl-BE" sz="1200" dirty="0" err="1">
+                <a:solidFill>
+                  <a:srgbClr val="19177C"/>
+                </a:solidFill>
+                <a:latin typeface="Arial" pitchFamily="18"/>
+                <a:ea typeface="Microsoft YaHei" pitchFamily="18"/>
+                <a:cs typeface="Arial" pitchFamily="18"/>
+              </a:rPr>
+              <a:t>width</a:t>
+            </a:r>
+            <a:r>
+              <a:rPr lang="nl-BE" sz="1200" dirty="0">
+                <a:latin typeface="Arial" pitchFamily="18"/>
+                <a:ea typeface="Microsoft YaHei" pitchFamily="18"/>
+                <a:cs typeface="Arial" pitchFamily="18"/>
+              </a:rPr>
+              <a:t>, </a:t>
+            </a:r>
+            <a:r>
+              <a:rPr lang="nl-BE" sz="1200" dirty="0">
+                <a:solidFill>
+                  <a:srgbClr val="19177C"/>
+                </a:solidFill>
+                <a:latin typeface="Arial" pitchFamily="18"/>
+                <a:ea typeface="Microsoft YaHei" pitchFamily="18"/>
+                <a:cs typeface="Arial" pitchFamily="18"/>
+              </a:rPr>
+              <a:t>$</a:t>
+            </a:r>
+            <a:r>
+              <a:rPr lang="nl-BE" sz="1200" dirty="0" err="1">
+                <a:solidFill>
+                  <a:srgbClr val="19177C"/>
+                </a:solidFill>
+                <a:latin typeface="Arial" pitchFamily="18"/>
+                <a:ea typeface="Microsoft YaHei" pitchFamily="18"/>
+                <a:cs typeface="Arial" pitchFamily="18"/>
+              </a:rPr>
+              <a:t>height</a:t>
+            </a:r>
+            <a:r>
+              <a:rPr lang="nl-BE" sz="1200" dirty="0">
+                <a:latin typeface="Arial" pitchFamily="18"/>
+                <a:ea typeface="Microsoft YaHei" pitchFamily="18"/>
+                <a:cs typeface="Arial" pitchFamily="18"/>
+              </a:rPr>
+              <a:t>);</a:t>
+            </a:r>
+          </a:p>
+          <a:p>
+            <a:pPr lvl="0" indent="0">
+              <a:lnSpc>
+                <a:spcPct val="100000"/>
+              </a:lnSpc>
+              <a:spcBef>
+                <a:spcPts val="0"/>
+              </a:spcBef>
+              <a:spcAft>
+                <a:spcPts val="1417"/>
+              </a:spcAft>
+              <a:buNone/>
+            </a:pPr>
+            <a:r>
+              <a:rPr lang="nl-BE" sz="1200" dirty="0">
+                <a:latin typeface="Arial" pitchFamily="18"/>
+                <a:ea typeface="Microsoft YaHei" pitchFamily="18"/>
+                <a:cs typeface="Arial" pitchFamily="18"/>
+              </a:rPr>
+              <a:t>    </a:t>
+            </a:r>
+            <a:r>
+              <a:rPr lang="nl-BE" sz="1200" dirty="0" err="1">
+                <a:latin typeface="Arial" pitchFamily="18"/>
+                <a:ea typeface="Microsoft YaHei" pitchFamily="18"/>
+                <a:cs typeface="Arial" pitchFamily="18"/>
+              </a:rPr>
+              <a:t>imagejpeg</a:t>
+            </a:r>
+            <a:r>
+              <a:rPr lang="nl-BE" sz="1200" dirty="0">
+                <a:latin typeface="Arial" pitchFamily="18"/>
+                <a:ea typeface="Microsoft YaHei" pitchFamily="18"/>
+                <a:cs typeface="Arial" pitchFamily="18"/>
+              </a:rPr>
+              <a:t>(</a:t>
+            </a:r>
+            <a:r>
+              <a:rPr lang="nl-BE" sz="1200" dirty="0">
+                <a:solidFill>
+                  <a:srgbClr val="19177C"/>
+                </a:solidFill>
+                <a:latin typeface="Arial" pitchFamily="18"/>
+                <a:ea typeface="Microsoft YaHei" pitchFamily="18"/>
+                <a:cs typeface="Arial" pitchFamily="18"/>
+              </a:rPr>
+              <a:t>$new</a:t>
+            </a:r>
+            <a:r>
+              <a:rPr lang="nl-BE" sz="1200" dirty="0">
+                <a:latin typeface="Arial" pitchFamily="18"/>
+                <a:ea typeface="Microsoft YaHei" pitchFamily="18"/>
+                <a:cs typeface="Arial" pitchFamily="18"/>
+              </a:rPr>
+              <a:t>, </a:t>
+            </a:r>
+            <a:r>
+              <a:rPr lang="nl-BE" sz="1200" dirty="0">
+                <a:solidFill>
+                  <a:srgbClr val="19177C"/>
+                </a:solidFill>
+                <a:latin typeface="Arial" pitchFamily="18"/>
+                <a:ea typeface="Microsoft YaHei" pitchFamily="18"/>
+                <a:cs typeface="Arial" pitchFamily="18"/>
+              </a:rPr>
+              <a:t>$</a:t>
+            </a:r>
+            <a:r>
+              <a:rPr lang="nl-BE" sz="1200" dirty="0" err="1">
+                <a:solidFill>
+                  <a:srgbClr val="19177C"/>
+                </a:solidFill>
+                <a:latin typeface="Arial" pitchFamily="18"/>
+                <a:ea typeface="Microsoft YaHei" pitchFamily="18"/>
+                <a:cs typeface="Arial" pitchFamily="18"/>
+              </a:rPr>
+              <a:t>newcopy</a:t>
+            </a:r>
+            <a:r>
+              <a:rPr lang="nl-BE" sz="1200" dirty="0">
+                <a:latin typeface="Arial" pitchFamily="18"/>
+                <a:ea typeface="Microsoft YaHei" pitchFamily="18"/>
+                <a:cs typeface="Arial" pitchFamily="18"/>
+              </a:rPr>
+              <a:t>, </a:t>
+            </a:r>
+            <a:r>
+              <a:rPr lang="nl-BE" sz="1200" dirty="0">
+                <a:solidFill>
+                  <a:srgbClr val="666666"/>
+                </a:solidFill>
+                <a:latin typeface="Arial" pitchFamily="18"/>
+                <a:ea typeface="Microsoft YaHei" pitchFamily="18"/>
+                <a:cs typeface="Arial" pitchFamily="18"/>
+              </a:rPr>
+              <a:t>100</a:t>
+            </a:r>
+            <a:r>
+              <a:rPr lang="nl-BE" sz="1200" dirty="0">
+                <a:latin typeface="Arial" pitchFamily="18"/>
+                <a:ea typeface="Microsoft YaHei" pitchFamily="18"/>
+                <a:cs typeface="Arial" pitchFamily="18"/>
+              </a:rPr>
+              <a:t>);</a:t>
+            </a:r>
+          </a:p>
+          <a:p>
+            <a:pPr lvl="0" indent="0">
+              <a:lnSpc>
+                <a:spcPct val="100000"/>
+              </a:lnSpc>
+              <a:spcBef>
+                <a:spcPts val="0"/>
+              </a:spcBef>
+              <a:spcAft>
+                <a:spcPts val="1417"/>
+              </a:spcAft>
+              <a:buNone/>
+            </a:pPr>
+            <a:endParaRPr lang="nl-BE" sz="1200" dirty="0">
+              <a:latin typeface="Arial" pitchFamily="18"/>
+              <a:ea typeface="Microsoft YaHei" pitchFamily="18"/>
+              <a:cs typeface="Arial" pitchFamily="18"/>
+            </a:endParaRPr>
+          </a:p>
+          <a:p>
+            <a:pPr lvl="0" indent="0">
+              <a:lnSpc>
+                <a:spcPct val="100000"/>
+              </a:lnSpc>
+              <a:spcBef>
+                <a:spcPts val="0"/>
+              </a:spcBef>
+              <a:spcAft>
+                <a:spcPts val="1417"/>
+              </a:spcAft>
+              <a:buNone/>
+            </a:pPr>
+            <a:r>
+              <a:rPr lang="nl-BE" sz="1200" dirty="0">
+                <a:latin typeface="Arial" pitchFamily="18"/>
+                <a:ea typeface="Microsoft YaHei" pitchFamily="18"/>
+                <a:cs typeface="Arial" pitchFamily="18"/>
+              </a:rPr>
+              <a:t>    </a:t>
+            </a:r>
+            <a:r>
+              <a:rPr lang="nl-BE" sz="1200" dirty="0" err="1">
+                <a:latin typeface="Arial" pitchFamily="18"/>
+                <a:ea typeface="Microsoft YaHei" pitchFamily="18"/>
+                <a:cs typeface="Arial" pitchFamily="18"/>
+              </a:rPr>
+              <a:t>imagedestroy</a:t>
+            </a:r>
+            <a:r>
+              <a:rPr lang="nl-BE" sz="1200" dirty="0">
+                <a:latin typeface="Arial" pitchFamily="18"/>
+                <a:ea typeface="Microsoft YaHei" pitchFamily="18"/>
+                <a:cs typeface="Arial" pitchFamily="18"/>
+              </a:rPr>
+              <a:t>(</a:t>
+            </a:r>
+            <a:r>
+              <a:rPr lang="nl-BE" sz="1200" dirty="0">
+                <a:solidFill>
+                  <a:srgbClr val="19177C"/>
+                </a:solidFill>
+                <a:latin typeface="Arial" pitchFamily="18"/>
+                <a:ea typeface="Microsoft YaHei" pitchFamily="18"/>
+                <a:cs typeface="Arial" pitchFamily="18"/>
+              </a:rPr>
+              <a:t>$new</a:t>
+            </a:r>
+            <a:r>
+              <a:rPr lang="nl-BE" sz="1200" dirty="0">
+                <a:latin typeface="Arial" pitchFamily="18"/>
+                <a:ea typeface="Microsoft YaHei" pitchFamily="18"/>
+                <a:cs typeface="Arial" pitchFamily="18"/>
+              </a:rPr>
+              <a:t>);</a:t>
+            </a:r>
+          </a:p>
+          <a:p>
+            <a:pPr lvl="0" indent="0">
+              <a:lnSpc>
+                <a:spcPct val="100000"/>
+              </a:lnSpc>
+              <a:spcBef>
+                <a:spcPts val="0"/>
+              </a:spcBef>
+              <a:spcAft>
+                <a:spcPts val="1417"/>
+              </a:spcAft>
+              <a:buNone/>
+            </a:pPr>
+            <a:r>
+              <a:rPr lang="nl-BE" sz="1200" dirty="0">
+                <a:latin typeface="Arial" pitchFamily="18"/>
+                <a:ea typeface="Microsoft YaHei" pitchFamily="18"/>
+                <a:cs typeface="Arial" pitchFamily="18"/>
+              </a:rPr>
+              <a:t>    </a:t>
+            </a:r>
+            <a:r>
+              <a:rPr lang="nl-BE" sz="1200" dirty="0" err="1">
+                <a:latin typeface="Arial" pitchFamily="18"/>
+                <a:ea typeface="Microsoft YaHei" pitchFamily="18"/>
+                <a:cs typeface="Arial" pitchFamily="18"/>
+              </a:rPr>
+              <a:t>imagedestroy</a:t>
+            </a:r>
+            <a:r>
+              <a:rPr lang="nl-BE" sz="1200" dirty="0">
+                <a:latin typeface="Arial" pitchFamily="18"/>
+                <a:ea typeface="Microsoft YaHei" pitchFamily="18"/>
+                <a:cs typeface="Arial" pitchFamily="18"/>
+              </a:rPr>
+              <a:t>(</a:t>
+            </a:r>
+            <a:r>
+              <a:rPr lang="nl-BE" sz="1200" dirty="0">
+                <a:solidFill>
+                  <a:srgbClr val="19177C"/>
+                </a:solidFill>
+                <a:latin typeface="Arial" pitchFamily="18"/>
+                <a:ea typeface="Microsoft YaHei" pitchFamily="18"/>
+                <a:cs typeface="Arial" pitchFamily="18"/>
+              </a:rPr>
+              <a:t>$</a:t>
+            </a:r>
+            <a:r>
+              <a:rPr lang="nl-BE" sz="1200" dirty="0" err="1">
+                <a:solidFill>
+                  <a:srgbClr val="19177C"/>
+                </a:solidFill>
+                <a:latin typeface="Arial" pitchFamily="18"/>
+                <a:ea typeface="Microsoft YaHei" pitchFamily="18"/>
+                <a:cs typeface="Arial" pitchFamily="18"/>
+              </a:rPr>
+              <a:t>old</a:t>
+            </a:r>
+            <a:r>
+              <a:rPr lang="nl-BE" sz="1200" dirty="0">
+                <a:latin typeface="Arial" pitchFamily="18"/>
+                <a:ea typeface="Microsoft YaHei" pitchFamily="18"/>
+                <a:cs typeface="Arial" pitchFamily="18"/>
+              </a:rPr>
+              <a:t>);</a:t>
+            </a:r>
+          </a:p>
+          <a:p>
+            <a:pPr lvl="0" indent="0">
+              <a:lnSpc>
+                <a:spcPct val="100000"/>
+              </a:lnSpc>
+              <a:spcBef>
+                <a:spcPts val="0"/>
+              </a:spcBef>
+              <a:spcAft>
+                <a:spcPts val="1417"/>
+              </a:spcAft>
+              <a:buNone/>
+            </a:pPr>
+            <a:r>
+              <a:rPr lang="nl-BE" sz="1200" dirty="0">
+                <a:latin typeface="Arial" pitchFamily="18"/>
+                <a:ea typeface="Microsoft YaHei" pitchFamily="18"/>
+                <a:cs typeface="Arial" pitchFamily="18"/>
+              </a:rPr>
+              <a:t>}</a:t>
+            </a:r>
+          </a:p>
+          <a:p>
+            <a:pPr lvl="0">
+              <a:lnSpc>
+                <a:spcPct val="100000"/>
+              </a:lnSpc>
+              <a:spcBef>
+                <a:spcPts val="0"/>
+              </a:spcBef>
+              <a:spcAft>
+                <a:spcPts val="1417"/>
+              </a:spcAft>
+              <a:buNone/>
+            </a:pPr>
+            <a:endParaRPr lang="nl-BE" dirty="0" smtClean="0"/>
+          </a:p>
+        </p:txBody>
+      </p:sp>
+    </p:spTree>
+    <p:extLst>
+      <p:ext uri="{BB962C8B-B14F-4D97-AF65-F5344CB8AC3E}">
+        <p14:creationId xmlns:p14="http://schemas.microsoft.com/office/powerpoint/2010/main" val="702025774"/>
+      </p:ext>
+    </p:extLst>
+  </p:cSld>
+  <p:clrMapOvr>
+    <a:masterClrMapping/>
+  </p:clrMapOvr>
+</p:sld>
+</file>
+
+<file path=ppt/slides/slide22.xml><?xml version="1.0" encoding="utf-8"?>
+<p:sld xmlns:a="http://schemas.openxmlformats.org/drawingml/2006/main" xmlns:r="http://schemas.openxmlformats.org/officeDocument/2006/relationships" xmlns:p="http://schemas.openxmlformats.org/presentationml/2006/main">
+  <p:cSld>
+    <p:spTree>
+      <p:nvGrpSpPr>
+        <p:cNvPr id="1" name=""/>
+        <p:cNvGrpSpPr/>
+        <p:nvPr/>
+      </p:nvGrpSpPr>
+      <p:grpSpPr>
+        <a:xfrm>
+          <a:off x="0" y="0"/>
+          <a:ext cx="0" cy="0"/>
+          <a:chOff x="0" y="0"/>
+          <a:chExt cx="0" cy="0"/>
+        </a:xfrm>
+      </p:grpSpPr>
+      <p:sp>
+        <p:nvSpPr>
+          <p:cNvPr id="2" name="Titel 1"/>
+          <p:cNvSpPr>
+            <a:spLocks noGrp="1"/>
+          </p:cNvSpPr>
+          <p:nvPr>
+            <p:ph type="title"/>
+          </p:nvPr>
+        </p:nvSpPr>
+        <p:spPr/>
+        <p:txBody>
+          <a:bodyPr/>
+          <a:lstStyle/>
+          <a:p>
+            <a:r>
+              <a:rPr lang="nl-BE" dirty="0"/>
+              <a:t>3. Softwarebeschrijving</a:t>
+            </a:r>
+          </a:p>
+        </p:txBody>
+      </p:sp>
+      <p:sp>
+        <p:nvSpPr>
+          <p:cNvPr id="3" name="Tijdelijke aanduiding voor dianummer 2"/>
+          <p:cNvSpPr>
+            <a:spLocks noGrp="1"/>
+          </p:cNvSpPr>
+          <p:nvPr>
+            <p:ph type="sldNum" sz="quarter" idx="12"/>
+          </p:nvPr>
+        </p:nvSpPr>
+        <p:spPr/>
+        <p:txBody>
+          <a:bodyPr/>
+          <a:lstStyle/>
+          <a:p>
+            <a:fld id="{F35D8031-C8E5-48F8-A3B6-81643B27A3AF}" type="slidenum">
+              <a:rPr lang="nl-BE" smtClean="0"/>
+              <a:pPr/>
+              <a:t>22</a:t>
+            </a:fld>
+            <a:endParaRPr lang="nl-BE" dirty="0"/>
+          </a:p>
+        </p:txBody>
+      </p:sp>
+      <p:sp>
+        <p:nvSpPr>
+          <p:cNvPr id="4" name="Tijdelijke aanduiding voor inhoud 3"/>
+          <p:cNvSpPr>
+            <a:spLocks noGrp="1"/>
+          </p:cNvSpPr>
+          <p:nvPr>
+            <p:ph idx="1"/>
+          </p:nvPr>
+        </p:nvSpPr>
+        <p:spPr/>
+        <p:txBody>
+          <a:bodyPr/>
+          <a:lstStyle/>
+          <a:p>
+            <a:r>
+              <a:rPr lang="nl-BE" dirty="0" smtClean="0"/>
+              <a:t>Stuurprogramma Microcontroller</a:t>
+            </a:r>
+            <a:endParaRPr lang="nl-BE" dirty="0"/>
+          </a:p>
+        </p:txBody>
+      </p:sp>
+      <p:graphicFrame>
+        <p:nvGraphicFramePr>
+          <p:cNvPr id="5" name="Object 4"/>
+          <p:cNvGraphicFramePr>
+            <a:graphicFrameLocks noChangeAspect="1"/>
+          </p:cNvGraphicFramePr>
+          <p:nvPr>
+            <p:extLst>
+              <p:ext uri="{D42A27DB-BD31-4B8C-83A1-F6EECF244321}">
+                <p14:modId xmlns:p14="http://schemas.microsoft.com/office/powerpoint/2010/main" val="1076581015"/>
+              </p:ext>
+            </p:extLst>
+          </p:nvPr>
+        </p:nvGraphicFramePr>
+        <p:xfrm>
+          <a:off x="1159500" y="1772816"/>
+          <a:ext cx="4953000" cy="4854575"/>
+        </p:xfrm>
+        <a:graphic>
+          <a:graphicData uri="http://schemas.openxmlformats.org/presentationml/2006/ole">
+            <mc:AlternateContent xmlns:mc="http://schemas.openxmlformats.org/markup-compatibility/2006">
+              <mc:Choice xmlns:v="urn:schemas-microsoft-com:vml" Requires="v">
+                <p:oleObj spid="_x0000_s1027" name="Visio" r:id="rId3" imgW="6240900" imgH="6118995" progId="Visio.Drawing.15">
+                  <p:embed/>
+                </p:oleObj>
+              </mc:Choice>
+              <mc:Fallback>
+                <p:oleObj name="Visio" r:id="rId3" imgW="6240900" imgH="6118995" progId="Visio.Drawing.15">
+                  <p:embed/>
+                  <p:pic>
+                    <p:nvPicPr>
+                      <p:cNvPr id="0" name=""/>
+                      <p:cNvPicPr>
+                        <a:picLocks noChangeAspect="1" noChangeArrowheads="1"/>
+                      </p:cNvPicPr>
+                      <p:nvPr/>
+                    </p:nvPicPr>
+                    <p:blipFill>
+                      <a:blip r:embed="rId4">
+                        <a:extLst>
+                          <a:ext uri="{28A0092B-C50C-407E-A947-70E740481C1C}">
+                            <a14:useLocalDpi xmlns:a14="http://schemas.microsoft.com/office/drawing/2010/main" val="0"/>
+                          </a:ext>
+                        </a:extLst>
+                      </a:blip>
+                      <a:srcRect/>
+                      <a:stretch>
+                        <a:fillRect/>
+                      </a:stretch>
+                    </p:blipFill>
+                    <p:spPr bwMode="auto">
+                      <a:xfrm>
+                        <a:off x="1159500" y="1772816"/>
+                        <a:ext cx="4953000" cy="4854575"/>
+                      </a:xfrm>
+                      <a:prstGeom prst="rect">
+                        <a:avLst/>
+                      </a:prstGeom>
+                      <a:noFill/>
+                      <a:extLst>
+                        <a:ext uri="{909E8E84-426E-40DD-AFC4-6F175D3DCCD1}">
+                          <a14:hiddenFill xmlns:a14="http://schemas.microsoft.com/office/drawing/2010/main">
+                            <a:solidFill>
+                              <a:srgbClr val="FFFFFF"/>
+                            </a:solidFill>
+                          </a14:hiddenFill>
+                        </a:ext>
+                      </a:extLst>
+                    </p:spPr>
+                  </p:pic>
+                </p:oleObj>
+              </mc:Fallback>
+            </mc:AlternateContent>
+          </a:graphicData>
+        </a:graphic>
+      </p:graphicFrame>
+    </p:spTree>
+    <p:extLst>
+      <p:ext uri="{BB962C8B-B14F-4D97-AF65-F5344CB8AC3E}">
+        <p14:creationId xmlns:p14="http://schemas.microsoft.com/office/powerpoint/2010/main" val="309957759"/>
+      </p:ext>
+    </p:extLst>
+  </p:cSld>
+  <p:clrMapOvr>
+    <a:masterClrMapping/>
+  </p:clrMapOvr>
+  <p:timing>
+    <p:tnLst>
+      <p:par>
+        <p:cTn id="1" dur="indefinite" restart="never" nodeType="tmRoot"/>
+      </p:par>
+    </p:tnLst>
+  </p:timing>
+</p:sld>
+</file>
+
+<file path=ppt/slides/slide23.xml><?xml version="1.0" encoding="utf-8"?>
+<p:sld xmlns:a="http://schemas.openxmlformats.org/drawingml/2006/main" xmlns:r="http://schemas.openxmlformats.org/officeDocument/2006/relationships" xmlns:p="http://schemas.openxmlformats.org/presentationml/2006/main">
+  <p:cSld>
+    <p:spTree>
+      <p:nvGrpSpPr>
+        <p:cNvPr id="1" name=""/>
+        <p:cNvGrpSpPr/>
+        <p:nvPr/>
+      </p:nvGrpSpPr>
+      <p:grpSpPr>
+        <a:xfrm>
+          <a:off x="0" y="0"/>
+          <a:ext cx="0" cy="0"/>
+          <a:chOff x="0" y="0"/>
+          <a:chExt cx="0" cy="0"/>
+        </a:xfrm>
+      </p:grpSpPr>
+      <p:sp>
+        <p:nvSpPr>
+          <p:cNvPr id="2" name="Titel 1"/>
+          <p:cNvSpPr>
+            <a:spLocks noGrp="1"/>
+          </p:cNvSpPr>
+          <p:nvPr>
+            <p:ph type="title"/>
+          </p:nvPr>
+        </p:nvSpPr>
+        <p:spPr/>
+        <p:txBody>
+          <a:bodyPr/>
+          <a:lstStyle/>
+          <a:p>
+            <a:r>
+              <a:rPr lang="nl-BE" dirty="0"/>
+              <a:t>3. Softwarebeschrijving</a:t>
+            </a:r>
+          </a:p>
+        </p:txBody>
+      </p:sp>
+      <p:sp>
+        <p:nvSpPr>
+          <p:cNvPr id="3" name="Tijdelijke aanduiding voor dianummer 2"/>
+          <p:cNvSpPr>
+            <a:spLocks noGrp="1"/>
+          </p:cNvSpPr>
+          <p:nvPr>
+            <p:ph type="sldNum" sz="quarter" idx="12"/>
+          </p:nvPr>
+        </p:nvSpPr>
+        <p:spPr/>
+        <p:txBody>
+          <a:bodyPr/>
+          <a:lstStyle/>
+          <a:p>
+            <a:fld id="{F35D8031-C8E5-48F8-A3B6-81643B27A3AF}" type="slidenum">
+              <a:rPr lang="nl-BE" smtClean="0"/>
+              <a:pPr/>
+              <a:t>23</a:t>
+            </a:fld>
+            <a:endParaRPr lang="nl-BE" dirty="0"/>
+          </a:p>
+        </p:txBody>
+      </p:sp>
+      <p:sp>
+        <p:nvSpPr>
+          <p:cNvPr id="4" name="Tijdelijke aanduiding voor inhoud 3"/>
+          <p:cNvSpPr>
+            <a:spLocks noGrp="1"/>
+          </p:cNvSpPr>
+          <p:nvPr>
+            <p:ph idx="1"/>
+          </p:nvPr>
+        </p:nvSpPr>
+        <p:spPr/>
+        <p:txBody>
+          <a:bodyPr/>
+          <a:lstStyle/>
+          <a:p>
+            <a:r>
+              <a:rPr lang="nl-BE" dirty="0" smtClean="0"/>
+              <a:t>MCU testapplicatie</a:t>
+            </a:r>
+            <a:endParaRPr lang="nl-BE" dirty="0"/>
+          </a:p>
+        </p:txBody>
+      </p:sp>
+      <p:pic>
+        <p:nvPicPr>
+          <p:cNvPr id="6" name="Afbeelding 5"/>
+          <p:cNvPicPr/>
+          <p:nvPr/>
+        </p:nvPicPr>
+        <p:blipFill>
+          <a:blip r:embed="rId2"/>
+          <a:stretch>
+            <a:fillRect/>
+          </a:stretch>
+        </p:blipFill>
+        <p:spPr>
+          <a:xfrm>
+            <a:off x="323528" y="2132856"/>
+            <a:ext cx="8334000" cy="3456384"/>
+          </a:xfrm>
+          <a:prstGeom prst="rect">
+            <a:avLst/>
+          </a:prstGeom>
+        </p:spPr>
+      </p:pic>
+    </p:spTree>
+    <p:extLst>
+      <p:ext uri="{BB962C8B-B14F-4D97-AF65-F5344CB8AC3E}">
+        <p14:creationId xmlns:p14="http://schemas.microsoft.com/office/powerpoint/2010/main" val="863063156"/>
+      </p:ext>
+    </p:extLst>
+  </p:cSld>
+  <p:clrMapOvr>
+    <a:masterClrMapping/>
+  </p:clrMapOvr>
+  <p:timing>
+    <p:tnLst>
+      <p:par>
+        <p:cTn id="1" dur="indefinite" restart="never" nodeType="tmRoot"/>
+      </p:par>
+    </p:tnLst>
+  </p:timing>
+</p:sld>
+</file>
+
+<file path=ppt/slides/slide24.xml><?xml version="1.0" encoding="utf-8"?>
+<p:sld xmlns:a="http://schemas.openxmlformats.org/drawingml/2006/main" xmlns:r="http://schemas.openxmlformats.org/officeDocument/2006/relationships" xmlns:p="http://schemas.openxmlformats.org/presentationml/2006/main">
+  <p:cSld>
+    <p:spTree>
+      <p:nvGrpSpPr>
+        <p:cNvPr id="1" name=""/>
+        <p:cNvGrpSpPr/>
+        <p:nvPr/>
+      </p:nvGrpSpPr>
+      <p:grpSpPr>
+        <a:xfrm>
+          <a:off x="0" y="0"/>
+          <a:ext cx="0" cy="0"/>
+          <a:chOff x="0" y="0"/>
+          <a:chExt cx="0" cy="0"/>
+        </a:xfrm>
+      </p:grpSpPr>
+      <p:sp>
+        <p:nvSpPr>
+          <p:cNvPr id="2" name="Titel 1"/>
+          <p:cNvSpPr>
+            <a:spLocks noGrp="1"/>
+          </p:cNvSpPr>
+          <p:nvPr>
+            <p:ph type="title"/>
+          </p:nvPr>
+        </p:nvSpPr>
+        <p:spPr/>
+        <p:txBody>
+          <a:bodyPr/>
+          <a:lstStyle/>
+          <a:p>
+            <a:r>
+              <a:rPr lang="nl-BE" dirty="0" smtClean="0"/>
+              <a:t>4. Toekomstig Werk</a:t>
+            </a:r>
+            <a:endParaRPr lang="nl-BE" dirty="0"/>
+          </a:p>
+        </p:txBody>
+      </p:sp>
+      <p:sp>
+        <p:nvSpPr>
+          <p:cNvPr id="3" name="Tijdelijke aanduiding voor dianummer 2"/>
+          <p:cNvSpPr>
+            <a:spLocks noGrp="1"/>
+          </p:cNvSpPr>
+          <p:nvPr>
+            <p:ph type="sldNum" sz="quarter" idx="12"/>
+          </p:nvPr>
+        </p:nvSpPr>
+        <p:spPr/>
+        <p:txBody>
+          <a:bodyPr/>
+          <a:lstStyle/>
+          <a:p>
+            <a:fld id="{F35D8031-C8E5-48F8-A3B6-81643B27A3AF}" type="slidenum">
+              <a:rPr lang="nl-BE" smtClean="0"/>
+              <a:pPr/>
+              <a:t>24</a:t>
+            </a:fld>
+            <a:endParaRPr lang="nl-BE" dirty="0"/>
+          </a:p>
+        </p:txBody>
+      </p:sp>
+      <p:sp>
+        <p:nvSpPr>
+          <p:cNvPr id="4" name="Tijdelijke aanduiding voor inhoud 3"/>
+          <p:cNvSpPr>
+            <a:spLocks noGrp="1"/>
+          </p:cNvSpPr>
+          <p:nvPr>
+            <p:ph idx="1"/>
+          </p:nvPr>
+        </p:nvSpPr>
+        <p:spPr/>
+        <p:txBody>
+          <a:bodyPr/>
+          <a:lstStyle/>
+          <a:p>
+            <a:r>
+              <a:rPr lang="nl-BE" dirty="0" smtClean="0"/>
+              <a:t>Beveiliging</a:t>
+            </a:r>
+            <a:endParaRPr lang="nl-BE" dirty="0"/>
+          </a:p>
+        </p:txBody>
+      </p:sp>
+    </p:spTree>
+    <p:extLst>
+      <p:ext uri="{BB962C8B-B14F-4D97-AF65-F5344CB8AC3E}">
+        <p14:creationId xmlns:p14="http://schemas.microsoft.com/office/powerpoint/2010/main" val="3825730000"/>
+      </p:ext>
+    </p:extLst>
+  </p:cSld>
+  <p:clrMapOvr>
+    <a:masterClrMapping/>
+  </p:clrMapOvr>
+  <p:timing>
+    <p:tnLst>
+      <p:par>
+        <p:cTn id="1" dur="indefinite" restart="never" nodeType="tmRoot"/>
+      </p:par>
+    </p:tnLst>
+  </p:timing>
+</p:sld>
+</file>
+
+<file path=ppt/slides/slide25.xml><?xml version="1.0" encoding="utf-8"?>
+<p:sld xmlns:a="http://schemas.openxmlformats.org/drawingml/2006/main" xmlns:r="http://schemas.openxmlformats.org/officeDocument/2006/relationships" xmlns:p="http://schemas.openxmlformats.org/presentationml/2006/main">
+  <p:cSld>
+    <p:spTree>
+      <p:nvGrpSpPr>
+        <p:cNvPr id="1" name=""/>
+        <p:cNvGrpSpPr/>
+        <p:nvPr/>
+      </p:nvGrpSpPr>
+      <p:grpSpPr>
+        <a:xfrm>
+          <a:off x="0" y="0"/>
+          <a:ext cx="0" cy="0"/>
+          <a:chOff x="0" y="0"/>
+          <a:chExt cx="0" cy="0"/>
+        </a:xfrm>
+      </p:grpSpPr>
+      <p:sp>
+        <p:nvSpPr>
+          <p:cNvPr id="2" name="Titel 1"/>
+          <p:cNvSpPr>
+            <a:spLocks noGrp="1"/>
+          </p:cNvSpPr>
+          <p:nvPr>
+            <p:ph type="title"/>
+          </p:nvPr>
+        </p:nvSpPr>
+        <p:spPr/>
+        <p:txBody>
+          <a:bodyPr/>
+          <a:lstStyle/>
+          <a:p>
+            <a:r>
+              <a:rPr lang="nl-BE" dirty="0"/>
+              <a:t>4. Toekomstig Werk</a:t>
+            </a:r>
+          </a:p>
+        </p:txBody>
+      </p:sp>
+      <p:sp>
+        <p:nvSpPr>
+          <p:cNvPr id="3" name="Tijdelijke aanduiding voor dianummer 2"/>
+          <p:cNvSpPr>
+            <a:spLocks noGrp="1"/>
+          </p:cNvSpPr>
+          <p:nvPr>
+            <p:ph type="sldNum" sz="quarter" idx="12"/>
+          </p:nvPr>
+        </p:nvSpPr>
+        <p:spPr/>
+        <p:txBody>
+          <a:bodyPr/>
+          <a:lstStyle/>
+          <a:p>
+            <a:fld id="{F35D8031-C8E5-48F8-A3B6-81643B27A3AF}" type="slidenum">
+              <a:rPr lang="nl-BE" smtClean="0"/>
+              <a:pPr/>
+              <a:t>25</a:t>
             </a:fld>
             <a:endParaRPr lang="nl-BE" dirty="0"/>
           </a:p>
@@ -4247,7 +11367,7 @@
 </p:sld>
 </file>
 
-<file path=ppt/slides/slide14.xml><?xml version="1.0" encoding="utf-8"?>
+<file path=ppt/slides/slide26.xml><?xml version="1.0" encoding="utf-8"?>
 <p:sld xmlns:a="http://schemas.openxmlformats.org/drawingml/2006/main" xmlns:r="http://schemas.openxmlformats.org/officeDocument/2006/relationships" xmlns:p="http://schemas.openxmlformats.org/presentationml/2006/main">
   <p:cSld>
     <p:spTree>
@@ -4305,7 +11425,7 @@
             <a:fld id="{F35D8031-C8E5-48F8-A3B6-81643B27A3AF}" type="slidenum">
               <a:rPr lang="nl-BE" smtClean="0"/>
               <a:pPr/>
-              <a:t>14</a:t>
+              <a:t>26</a:t>
             </a:fld>
             <a:endParaRPr lang="nl-BE" dirty="0"/>
           </a:p>
@@ -4334,718 +11454,6 @@
     <p:extLst>
       <p:ext uri="{BB962C8B-B14F-4D97-AF65-F5344CB8AC3E}">
         <p14:creationId xmlns:p14="http://schemas.microsoft.com/office/powerpoint/2010/main" val="471091294"/>
-      </p:ext>
-    </p:extLst>
-  </p:cSld>
-  <p:clrMapOvr>
-    <a:masterClrMapping/>
-  </p:clrMapOvr>
-  <p:timing>
-    <p:tnLst>
-      <p:par>
-        <p:cTn id="1" dur="indefinite" restart="never" nodeType="tmRoot"/>
-      </p:par>
-    </p:tnLst>
-  </p:timing>
-</p:sld>
-</file>
-
-<file path=ppt/slides/slide2.xml><?xml version="1.0" encoding="utf-8"?>
-<p:sld xmlns:a="http://schemas.openxmlformats.org/drawingml/2006/main" xmlns:r="http://schemas.openxmlformats.org/officeDocument/2006/relationships" xmlns:p="http://schemas.openxmlformats.org/presentationml/2006/main">
-  <p:cSld>
-    <p:spTree>
-      <p:nvGrpSpPr>
-        <p:cNvPr id="1" name=""/>
-        <p:cNvGrpSpPr/>
-        <p:nvPr/>
-      </p:nvGrpSpPr>
-      <p:grpSpPr>
-        <a:xfrm>
-          <a:off x="0" y="0"/>
-          <a:ext cx="0" cy="0"/>
-          <a:chOff x="0" y="0"/>
-          <a:chExt cx="0" cy="0"/>
-        </a:xfrm>
-      </p:grpSpPr>
-      <p:sp>
-        <p:nvSpPr>
-          <p:cNvPr id="4" name="Rectangle 1"/>
-          <p:cNvSpPr>
-            <a:spLocks noGrp="1" noChangeArrowheads="1"/>
-          </p:cNvSpPr>
-          <p:nvPr>
-            <p:ph type="subTitle" idx="1"/>
-          </p:nvPr>
-        </p:nvSpPr>
-        <p:spPr bwMode="auto">
-          <a:xfrm>
-            <a:off x="179512" y="1988840"/>
-            <a:ext cx="2762295" cy="4801314"/>
-          </a:xfrm>
-          <a:prstGeom prst="rect">
-            <a:avLst/>
-          </a:prstGeom>
-          <a:noFill/>
-          <a:ln>
-            <a:noFill/>
-          </a:ln>
-          <a:effectLst/>
-          <a:extLst>
-            <a:ext uri="{909E8E84-426E-40DD-AFC4-6F175D3DCCD1}">
-              <a14:hiddenFill xmlns:a14="http://schemas.microsoft.com/office/drawing/2010/main">
-                <a:solidFill>
-                  <a:schemeClr val="accent1"/>
-                </a:solidFill>
-              </a14:hiddenFill>
-            </a:ext>
-            <a:ext uri="{91240B29-F687-4F45-9708-019B960494DF}">
-              <a14:hiddenLine xmlns:a14="http://schemas.microsoft.com/office/drawing/2010/main" w="9525">
-                <a:solidFill>
-                  <a:schemeClr val="tx1"/>
-                </a:solidFill>
-                <a:miter lim="800000"/>
-                <a:headEnd/>
-                <a:tailEnd/>
-              </a14:hiddenLine>
-            </a:ext>
-            <a:ext uri="{AF507438-7753-43E0-B8FC-AC1667EBCBE1}">
-              <a14:hiddenEffects xmlns:a14="http://schemas.microsoft.com/office/drawing/2010/main">
-                <a:effectLst>
-                  <a:outerShdw dist="35921" dir="2700000" algn="ctr" rotWithShape="0">
-                    <a:schemeClr val="bg2"/>
-                  </a:outerShdw>
-                </a:effectLst>
-              </a14:hiddenEffects>
-            </a:ext>
-          </a:extLst>
-        </p:spPr>
-        <p:txBody>
-          <a:bodyPr vert="horz" wrap="none" lIns="91440" tIns="45720" rIns="91440" bIns="45720" numCol="1" anchor="ctr" anchorCtr="0" compatLnSpc="1">
-            <a:prstTxWarp prst="textNoShape">
-              <a:avLst/>
-            </a:prstTxWarp>
-            <a:spAutoFit/>
-          </a:bodyPr>
-          <a:lstStyle/>
-          <a:p>
-            <a:pPr marL="285750" marR="0" lvl="0" indent="-285750" algn="l" defTabSz="914400" rtl="0" eaLnBrk="0" fontAlgn="base" latinLnBrk="0" hangingPunct="0">
-              <a:lnSpc>
-                <a:spcPct val="100000"/>
-              </a:lnSpc>
-              <a:spcBef>
-                <a:spcPct val="0"/>
-              </a:spcBef>
-              <a:spcAft>
-                <a:spcPct val="0"/>
-              </a:spcAft>
-              <a:buClrTx/>
-              <a:buSzTx/>
-              <a:buFont typeface="Arial" panose="020B0604020202020204" pitchFamily="34" charset="0"/>
-              <a:buChar char="•"/>
-              <a:tabLst/>
-            </a:pPr>
-            <a:r>
-              <a:rPr kumimoji="0" lang="nl-NL" altLang="nl-BE" sz="1800" b="0" i="0" u="none" strike="noStrike" cap="none" normalizeH="0" baseline="0" dirty="0" smtClean="0">
-                <a:ln>
-                  <a:noFill/>
-                </a:ln>
-                <a:solidFill>
-                  <a:srgbClr val="595959"/>
-                </a:solidFill>
-                <a:effectLst/>
-                <a:latin typeface="+mj-lt"/>
-                <a:ea typeface="Cambria" panose="02040503050406030204" pitchFamily="18" charset="0"/>
-                <a:cs typeface="Times New Roman" panose="02020603050405020304" pitchFamily="18" charset="0"/>
-              </a:rPr>
-              <a:t>Francis Hoste</a:t>
-            </a:r>
-            <a:endParaRPr kumimoji="0" lang="nl-BE" altLang="nl-BE" sz="1800" b="0" i="0" u="none" strike="noStrike" cap="none" normalizeH="0" baseline="0" dirty="0" smtClean="0">
-              <a:ln>
-                <a:noFill/>
-              </a:ln>
-              <a:solidFill>
-                <a:schemeClr val="tx1"/>
-              </a:solidFill>
-              <a:effectLst/>
-              <a:latin typeface="+mj-lt"/>
-            </a:endParaRPr>
-          </a:p>
-          <a:p>
-            <a:pPr marL="285750" marR="0" lvl="0" indent="-285750" algn="l" defTabSz="914400" rtl="0" eaLnBrk="0" fontAlgn="base" latinLnBrk="0" hangingPunct="0">
-              <a:lnSpc>
-                <a:spcPct val="100000"/>
-              </a:lnSpc>
-              <a:spcBef>
-                <a:spcPct val="0"/>
-              </a:spcBef>
-              <a:spcAft>
-                <a:spcPct val="0"/>
-              </a:spcAft>
-              <a:buClrTx/>
-              <a:buSzTx/>
-              <a:buFont typeface="Arial" panose="020B0604020202020204" pitchFamily="34" charset="0"/>
-              <a:buChar char="•"/>
-              <a:tabLst/>
-            </a:pPr>
-            <a:r>
-              <a:rPr kumimoji="0" lang="nl-NL" altLang="nl-BE" sz="1800" b="0" i="0" u="none" strike="noStrike" cap="none" normalizeH="0" baseline="0" dirty="0" err="1" smtClean="0">
-                <a:ln>
-                  <a:noFill/>
-                </a:ln>
-                <a:solidFill>
-                  <a:srgbClr val="595959"/>
-                </a:solidFill>
-                <a:effectLst/>
-                <a:latin typeface="+mj-lt"/>
-                <a:ea typeface="Cambria" panose="02040503050406030204" pitchFamily="18" charset="0"/>
-                <a:cs typeface="Times New Roman" panose="02020603050405020304" pitchFamily="18" charset="0"/>
-              </a:rPr>
-              <a:t>Gerd</a:t>
-            </a:r>
-            <a:r>
-              <a:rPr kumimoji="0" lang="nl-NL" altLang="nl-BE" sz="1800" b="0" i="0" u="none" strike="noStrike" cap="none" normalizeH="0" baseline="0" dirty="0" smtClean="0">
-                <a:ln>
-                  <a:noFill/>
-                </a:ln>
-                <a:solidFill>
-                  <a:srgbClr val="595959"/>
-                </a:solidFill>
-                <a:effectLst/>
-                <a:latin typeface="+mj-lt"/>
-                <a:ea typeface="Cambria" panose="02040503050406030204" pitchFamily="18" charset="0"/>
-                <a:cs typeface="Times New Roman" panose="02020603050405020304" pitchFamily="18" charset="0"/>
-              </a:rPr>
-              <a:t> Van Buggenhout</a:t>
-            </a:r>
-            <a:endParaRPr kumimoji="0" lang="nl-BE" altLang="nl-BE" sz="1800" b="0" i="0" u="none" strike="noStrike" cap="none" normalizeH="0" baseline="0" dirty="0" smtClean="0">
-              <a:ln>
-                <a:noFill/>
-              </a:ln>
-              <a:solidFill>
-                <a:schemeClr val="tx1"/>
-              </a:solidFill>
-              <a:effectLst/>
-              <a:latin typeface="+mj-lt"/>
-            </a:endParaRPr>
-          </a:p>
-          <a:p>
-            <a:pPr marL="285750" marR="0" lvl="0" indent="-285750" algn="l" defTabSz="914400" rtl="0" eaLnBrk="0" fontAlgn="base" latinLnBrk="0" hangingPunct="0">
-              <a:lnSpc>
-                <a:spcPct val="100000"/>
-              </a:lnSpc>
-              <a:spcBef>
-                <a:spcPct val="0"/>
-              </a:spcBef>
-              <a:spcAft>
-                <a:spcPct val="0"/>
-              </a:spcAft>
-              <a:buClrTx/>
-              <a:buSzTx/>
-              <a:buFont typeface="Arial" panose="020B0604020202020204" pitchFamily="34" charset="0"/>
-              <a:buChar char="•"/>
-              <a:tabLst/>
-            </a:pPr>
-            <a:r>
-              <a:rPr kumimoji="0" lang="nl-NL" altLang="nl-BE" sz="1800" b="0" i="0" u="none" strike="noStrike" cap="none" normalizeH="0" baseline="0" dirty="0" smtClean="0">
-                <a:ln>
-                  <a:noFill/>
-                </a:ln>
-                <a:solidFill>
-                  <a:srgbClr val="595959"/>
-                </a:solidFill>
-                <a:effectLst/>
-                <a:latin typeface="+mj-lt"/>
-                <a:ea typeface="Cambria" panose="02040503050406030204" pitchFamily="18" charset="0"/>
-                <a:cs typeface="Times New Roman" panose="02020603050405020304" pitchFamily="18" charset="0"/>
-              </a:rPr>
-              <a:t>Jonas Van </a:t>
-            </a:r>
-            <a:r>
-              <a:rPr kumimoji="0" lang="nl-NL" altLang="nl-BE" sz="1800" b="0" i="0" u="none" strike="noStrike" cap="none" normalizeH="0" baseline="0" dirty="0" err="1" smtClean="0">
-                <a:ln>
-                  <a:noFill/>
-                </a:ln>
-                <a:solidFill>
-                  <a:srgbClr val="595959"/>
-                </a:solidFill>
-                <a:effectLst/>
-                <a:latin typeface="+mj-lt"/>
-                <a:ea typeface="Cambria" panose="02040503050406030204" pitchFamily="18" charset="0"/>
-                <a:cs typeface="Times New Roman" panose="02020603050405020304" pitchFamily="18" charset="0"/>
-              </a:rPr>
-              <a:t>Waes</a:t>
-            </a:r>
-            <a:endParaRPr kumimoji="0" lang="nl-BE" altLang="nl-BE" sz="1800" b="0" i="0" u="none" strike="noStrike" cap="none" normalizeH="0" baseline="0" dirty="0" smtClean="0">
-              <a:ln>
-                <a:noFill/>
-              </a:ln>
-              <a:solidFill>
-                <a:schemeClr val="tx1"/>
-              </a:solidFill>
-              <a:effectLst/>
-              <a:latin typeface="+mj-lt"/>
-            </a:endParaRPr>
-          </a:p>
-          <a:p>
-            <a:pPr marL="285750" marR="0" lvl="0" indent="-285750" algn="l" defTabSz="914400" rtl="0" eaLnBrk="0" fontAlgn="base" latinLnBrk="0" hangingPunct="0">
-              <a:lnSpc>
-                <a:spcPct val="100000"/>
-              </a:lnSpc>
-              <a:spcBef>
-                <a:spcPct val="0"/>
-              </a:spcBef>
-              <a:spcAft>
-                <a:spcPct val="0"/>
-              </a:spcAft>
-              <a:buClrTx/>
-              <a:buSzTx/>
-              <a:buFont typeface="Arial" panose="020B0604020202020204" pitchFamily="34" charset="0"/>
-              <a:buChar char="•"/>
-              <a:tabLst/>
-            </a:pPr>
-            <a:r>
-              <a:rPr kumimoji="0" lang="nl-NL" altLang="nl-BE" sz="1800" b="0" i="0" u="none" strike="noStrike" cap="none" normalizeH="0" baseline="0" dirty="0" smtClean="0">
-                <a:ln>
-                  <a:noFill/>
-                </a:ln>
-                <a:solidFill>
-                  <a:srgbClr val="595959"/>
-                </a:solidFill>
-                <a:effectLst/>
-                <a:latin typeface="+mj-lt"/>
-                <a:ea typeface="Cambria" panose="02040503050406030204" pitchFamily="18" charset="0"/>
-                <a:cs typeface="Times New Roman" panose="02020603050405020304" pitchFamily="18" charset="0"/>
-              </a:rPr>
-              <a:t>Kevin Van Hee</a:t>
-            </a:r>
-            <a:endParaRPr kumimoji="0" lang="nl-BE" altLang="nl-BE" sz="1800" b="0" i="0" u="none" strike="noStrike" cap="none" normalizeH="0" baseline="0" dirty="0" smtClean="0">
-              <a:ln>
-                <a:noFill/>
-              </a:ln>
-              <a:solidFill>
-                <a:schemeClr val="tx1"/>
-              </a:solidFill>
-              <a:effectLst/>
-              <a:latin typeface="+mj-lt"/>
-            </a:endParaRPr>
-          </a:p>
-          <a:p>
-            <a:pPr marL="285750" marR="0" lvl="0" indent="-285750" algn="l" defTabSz="914400" rtl="0" eaLnBrk="0" fontAlgn="base" latinLnBrk="0" hangingPunct="0">
-              <a:lnSpc>
-                <a:spcPct val="100000"/>
-              </a:lnSpc>
-              <a:spcBef>
-                <a:spcPct val="0"/>
-              </a:spcBef>
-              <a:spcAft>
-                <a:spcPct val="0"/>
-              </a:spcAft>
-              <a:buClrTx/>
-              <a:buSzTx/>
-              <a:buFont typeface="Arial" panose="020B0604020202020204" pitchFamily="34" charset="0"/>
-              <a:buChar char="•"/>
-              <a:tabLst/>
-            </a:pPr>
-            <a:r>
-              <a:rPr kumimoji="0" lang="nl-NL" altLang="nl-BE" sz="1800" b="0" i="0" u="none" strike="noStrike" cap="none" normalizeH="0" baseline="0" dirty="0" smtClean="0">
-                <a:ln>
-                  <a:noFill/>
-                </a:ln>
-                <a:solidFill>
-                  <a:srgbClr val="595959"/>
-                </a:solidFill>
-                <a:effectLst/>
-                <a:latin typeface="+mj-lt"/>
-                <a:ea typeface="Cambria" panose="02040503050406030204" pitchFamily="18" charset="0"/>
-                <a:cs typeface="Times New Roman" panose="02020603050405020304" pitchFamily="18" charset="0"/>
-              </a:rPr>
-              <a:t>Tomas </a:t>
-            </a:r>
-            <a:r>
-              <a:rPr kumimoji="0" lang="nl-NL" altLang="nl-BE" sz="1800" b="0" i="0" u="none" strike="noStrike" cap="none" normalizeH="0" baseline="0" dirty="0" err="1" smtClean="0">
-                <a:ln>
-                  <a:noFill/>
-                </a:ln>
-                <a:solidFill>
-                  <a:srgbClr val="595959"/>
-                </a:solidFill>
-                <a:effectLst/>
-                <a:latin typeface="+mj-lt"/>
-                <a:ea typeface="Cambria" panose="02040503050406030204" pitchFamily="18" charset="0"/>
-                <a:cs typeface="Times New Roman" panose="02020603050405020304" pitchFamily="18" charset="0"/>
-              </a:rPr>
-              <a:t>Kello</a:t>
-            </a:r>
-            <a:endParaRPr kumimoji="0" lang="nl-BE" altLang="nl-BE" sz="1800" b="0" i="0" u="none" strike="noStrike" cap="none" normalizeH="0" baseline="0" dirty="0" smtClean="0">
-              <a:ln>
-                <a:noFill/>
-              </a:ln>
-              <a:solidFill>
-                <a:schemeClr val="tx1"/>
-              </a:solidFill>
-              <a:effectLst/>
-              <a:latin typeface="+mj-lt"/>
-            </a:endParaRPr>
-          </a:p>
-          <a:p>
-            <a:pPr marL="0" marR="0" lvl="0" indent="0" algn="l" defTabSz="914400" rtl="0" eaLnBrk="0" fontAlgn="base" latinLnBrk="0" hangingPunct="0">
-              <a:lnSpc>
-                <a:spcPct val="100000"/>
-              </a:lnSpc>
-              <a:spcBef>
-                <a:spcPct val="0"/>
-              </a:spcBef>
-              <a:spcAft>
-                <a:spcPct val="0"/>
-              </a:spcAft>
-              <a:buClrTx/>
-              <a:buSzTx/>
-              <a:buFontTx/>
-              <a:buNone/>
-              <a:tabLst/>
-            </a:pPr>
-            <a:endParaRPr kumimoji="0" lang="nl-NL" altLang="nl-BE" sz="1800" b="0" i="0" u="none" strike="noStrike" cap="none" normalizeH="0" baseline="0" dirty="0" smtClean="0">
-              <a:ln>
-                <a:noFill/>
-              </a:ln>
-              <a:solidFill>
-                <a:srgbClr val="595959"/>
-              </a:solidFill>
-              <a:effectLst/>
-              <a:latin typeface="+mj-lt"/>
-              <a:ea typeface="Cambria" panose="02040503050406030204" pitchFamily="18" charset="0"/>
-              <a:cs typeface="Times New Roman" panose="02020603050405020304" pitchFamily="18" charset="0"/>
-            </a:endParaRPr>
-          </a:p>
-          <a:p>
-            <a:pPr marL="0" marR="0" lvl="0" indent="0" algn="l" defTabSz="914400" rtl="0" eaLnBrk="0" fontAlgn="base" latinLnBrk="0" hangingPunct="0">
-              <a:lnSpc>
-                <a:spcPct val="100000"/>
-              </a:lnSpc>
-              <a:spcBef>
-                <a:spcPct val="0"/>
-              </a:spcBef>
-              <a:spcAft>
-                <a:spcPct val="0"/>
-              </a:spcAft>
-              <a:buClrTx/>
-              <a:buSzTx/>
-              <a:buFontTx/>
-              <a:buNone/>
-              <a:tabLst/>
-            </a:pPr>
-            <a:endParaRPr lang="nl-NL" altLang="nl-BE" sz="1800" dirty="0">
-              <a:solidFill>
-                <a:srgbClr val="595959"/>
-              </a:solidFill>
-              <a:latin typeface="+mj-lt"/>
-              <a:ea typeface="Cambria" panose="02040503050406030204" pitchFamily="18" charset="0"/>
-              <a:cs typeface="Times New Roman" panose="02020603050405020304" pitchFamily="18" charset="0"/>
-            </a:endParaRPr>
-          </a:p>
-          <a:p>
-            <a:pPr marL="0" marR="0" lvl="0" indent="0" algn="l" defTabSz="914400" rtl="0" eaLnBrk="0" fontAlgn="base" latinLnBrk="0" hangingPunct="0">
-              <a:lnSpc>
-                <a:spcPct val="100000"/>
-              </a:lnSpc>
-              <a:spcBef>
-                <a:spcPct val="0"/>
-              </a:spcBef>
-              <a:spcAft>
-                <a:spcPct val="0"/>
-              </a:spcAft>
-              <a:buClrTx/>
-              <a:buSzTx/>
-              <a:buFontTx/>
-              <a:buNone/>
-              <a:tabLst/>
-            </a:pPr>
-            <a:endParaRPr kumimoji="0" lang="nl-NL" altLang="nl-BE" sz="1800" b="0" i="0" u="none" strike="noStrike" cap="none" normalizeH="0" baseline="0" dirty="0" smtClean="0">
-              <a:ln>
-                <a:noFill/>
-              </a:ln>
-              <a:solidFill>
-                <a:srgbClr val="595959"/>
-              </a:solidFill>
-              <a:effectLst/>
-              <a:latin typeface="+mj-lt"/>
-              <a:ea typeface="Cambria" panose="02040503050406030204" pitchFamily="18" charset="0"/>
-              <a:cs typeface="Times New Roman" panose="02020603050405020304" pitchFamily="18" charset="0"/>
-            </a:endParaRPr>
-          </a:p>
-          <a:p>
-            <a:pPr marL="0" marR="0" lvl="0" indent="0" algn="l" defTabSz="914400" rtl="0" eaLnBrk="0" fontAlgn="base" latinLnBrk="0" hangingPunct="0">
-              <a:lnSpc>
-                <a:spcPct val="100000"/>
-              </a:lnSpc>
-              <a:spcBef>
-                <a:spcPct val="0"/>
-              </a:spcBef>
-              <a:spcAft>
-                <a:spcPct val="0"/>
-              </a:spcAft>
-              <a:buClrTx/>
-              <a:buSzTx/>
-              <a:buFontTx/>
-              <a:buNone/>
-              <a:tabLst/>
-            </a:pPr>
-            <a:endParaRPr lang="nl-NL" altLang="nl-BE" sz="1800" dirty="0">
-              <a:solidFill>
-                <a:srgbClr val="595959"/>
-              </a:solidFill>
-              <a:latin typeface="+mj-lt"/>
-              <a:ea typeface="Cambria" panose="02040503050406030204" pitchFamily="18" charset="0"/>
-              <a:cs typeface="Times New Roman" panose="02020603050405020304" pitchFamily="18" charset="0"/>
-            </a:endParaRPr>
-          </a:p>
-          <a:p>
-            <a:pPr marL="0" marR="0" lvl="0" indent="0" algn="l" defTabSz="914400" rtl="0" eaLnBrk="0" fontAlgn="base" latinLnBrk="0" hangingPunct="0">
-              <a:lnSpc>
-                <a:spcPct val="100000"/>
-              </a:lnSpc>
-              <a:spcBef>
-                <a:spcPct val="0"/>
-              </a:spcBef>
-              <a:spcAft>
-                <a:spcPct val="0"/>
-              </a:spcAft>
-              <a:buClrTx/>
-              <a:buSzTx/>
-              <a:buFontTx/>
-              <a:buNone/>
-              <a:tabLst/>
-            </a:pPr>
-            <a:endParaRPr kumimoji="0" lang="nl-NL" altLang="nl-BE" sz="1800" b="0" i="0" u="none" strike="noStrike" cap="none" normalizeH="0" baseline="0" dirty="0" smtClean="0">
-              <a:ln>
-                <a:noFill/>
-              </a:ln>
-              <a:solidFill>
-                <a:srgbClr val="595959"/>
-              </a:solidFill>
-              <a:effectLst/>
-              <a:latin typeface="+mj-lt"/>
-              <a:ea typeface="Cambria" panose="02040503050406030204" pitchFamily="18" charset="0"/>
-              <a:cs typeface="Times New Roman" panose="02020603050405020304" pitchFamily="18" charset="0"/>
-            </a:endParaRPr>
-          </a:p>
-          <a:p>
-            <a:pPr marL="0" marR="0" lvl="0" indent="0" algn="l" defTabSz="914400" rtl="0" eaLnBrk="0" fontAlgn="base" latinLnBrk="0" hangingPunct="0">
-              <a:lnSpc>
-                <a:spcPct val="100000"/>
-              </a:lnSpc>
-              <a:spcBef>
-                <a:spcPct val="0"/>
-              </a:spcBef>
-              <a:spcAft>
-                <a:spcPct val="0"/>
-              </a:spcAft>
-              <a:buClrTx/>
-              <a:buSzTx/>
-              <a:buFontTx/>
-              <a:buNone/>
-              <a:tabLst/>
-            </a:pPr>
-            <a:endParaRPr lang="nl-NL" altLang="nl-BE" sz="1800" dirty="0">
-              <a:solidFill>
-                <a:srgbClr val="595959"/>
-              </a:solidFill>
-              <a:latin typeface="+mj-lt"/>
-              <a:ea typeface="Cambria" panose="02040503050406030204" pitchFamily="18" charset="0"/>
-              <a:cs typeface="Times New Roman" panose="02020603050405020304" pitchFamily="18" charset="0"/>
-            </a:endParaRPr>
-          </a:p>
-          <a:p>
-            <a:pPr marL="0" marR="0" lvl="0" indent="0" algn="l" defTabSz="914400" rtl="0" eaLnBrk="0" fontAlgn="base" latinLnBrk="0" hangingPunct="0">
-              <a:lnSpc>
-                <a:spcPct val="100000"/>
-              </a:lnSpc>
-              <a:spcBef>
-                <a:spcPct val="0"/>
-              </a:spcBef>
-              <a:spcAft>
-                <a:spcPct val="0"/>
-              </a:spcAft>
-              <a:buClrTx/>
-              <a:buSzTx/>
-              <a:buFontTx/>
-              <a:buNone/>
-              <a:tabLst/>
-            </a:pPr>
-            <a:endParaRPr kumimoji="0" lang="nl-NL" altLang="nl-BE" sz="1800" b="0" i="0" u="none" strike="noStrike" cap="none" normalizeH="0" baseline="0" dirty="0" smtClean="0">
-              <a:ln>
-                <a:noFill/>
-              </a:ln>
-              <a:solidFill>
-                <a:srgbClr val="595959"/>
-              </a:solidFill>
-              <a:effectLst/>
-              <a:latin typeface="+mj-lt"/>
-              <a:ea typeface="Cambria" panose="02040503050406030204" pitchFamily="18" charset="0"/>
-              <a:cs typeface="Times New Roman" panose="02020603050405020304" pitchFamily="18" charset="0"/>
-            </a:endParaRPr>
-          </a:p>
-          <a:p>
-            <a:pPr marL="0" marR="0" lvl="0" indent="0" algn="l" defTabSz="914400" rtl="0" eaLnBrk="0" fontAlgn="base" latinLnBrk="0" hangingPunct="0">
-              <a:lnSpc>
-                <a:spcPct val="100000"/>
-              </a:lnSpc>
-              <a:spcBef>
-                <a:spcPct val="0"/>
-              </a:spcBef>
-              <a:spcAft>
-                <a:spcPct val="0"/>
-              </a:spcAft>
-              <a:buClrTx/>
-              <a:buSzTx/>
-              <a:buFontTx/>
-              <a:buNone/>
-              <a:tabLst/>
-            </a:pPr>
-            <a:endParaRPr lang="nl-NL" altLang="nl-BE" sz="1800" dirty="0">
-              <a:solidFill>
-                <a:srgbClr val="595959"/>
-              </a:solidFill>
-              <a:latin typeface="+mj-lt"/>
-              <a:ea typeface="Cambria" panose="02040503050406030204" pitchFamily="18" charset="0"/>
-              <a:cs typeface="Times New Roman" panose="02020603050405020304" pitchFamily="18" charset="0"/>
-            </a:endParaRPr>
-          </a:p>
-          <a:p>
-            <a:pPr marL="0" marR="0" lvl="0" indent="0" algn="l" defTabSz="914400" rtl="0" eaLnBrk="0" fontAlgn="base" latinLnBrk="0" hangingPunct="0">
-              <a:lnSpc>
-                <a:spcPct val="100000"/>
-              </a:lnSpc>
-              <a:spcBef>
-                <a:spcPct val="0"/>
-              </a:spcBef>
-              <a:spcAft>
-                <a:spcPct val="0"/>
-              </a:spcAft>
-              <a:buClrTx/>
-              <a:buSzTx/>
-              <a:buFontTx/>
-              <a:buNone/>
-              <a:tabLst/>
-            </a:pPr>
-            <a:endParaRPr kumimoji="0" lang="nl-NL" altLang="nl-BE" sz="1800" b="0" i="0" u="none" strike="noStrike" cap="none" normalizeH="0" baseline="0" dirty="0" smtClean="0">
-              <a:ln>
-                <a:noFill/>
-              </a:ln>
-              <a:solidFill>
-                <a:srgbClr val="595959"/>
-              </a:solidFill>
-              <a:effectLst/>
-              <a:latin typeface="+mj-lt"/>
-              <a:ea typeface="Cambria" panose="02040503050406030204" pitchFamily="18" charset="0"/>
-              <a:cs typeface="Times New Roman" panose="02020603050405020304" pitchFamily="18" charset="0"/>
-            </a:endParaRPr>
-          </a:p>
-          <a:p>
-            <a:pPr marL="0" marR="0" lvl="0" indent="0" algn="l" defTabSz="914400" rtl="0" eaLnBrk="0" fontAlgn="base" latinLnBrk="0" hangingPunct="0">
-              <a:lnSpc>
-                <a:spcPct val="100000"/>
-              </a:lnSpc>
-              <a:spcBef>
-                <a:spcPct val="0"/>
-              </a:spcBef>
-              <a:spcAft>
-                <a:spcPct val="0"/>
-              </a:spcAft>
-              <a:buClrTx/>
-              <a:buSzTx/>
-              <a:buFontTx/>
-              <a:buNone/>
-              <a:tabLst/>
-            </a:pPr>
-            <a:endParaRPr lang="nl-NL" altLang="nl-BE" sz="1800" dirty="0">
-              <a:solidFill>
-                <a:srgbClr val="595959"/>
-              </a:solidFill>
-              <a:latin typeface="+mj-lt"/>
-              <a:ea typeface="Cambria" panose="02040503050406030204" pitchFamily="18" charset="0"/>
-              <a:cs typeface="Times New Roman" panose="02020603050405020304" pitchFamily="18" charset="0"/>
-            </a:endParaRPr>
-          </a:p>
-          <a:p>
-            <a:pPr marL="0" marR="0" lvl="0" indent="0" algn="l" defTabSz="914400" rtl="0" eaLnBrk="0" fontAlgn="base" latinLnBrk="0" hangingPunct="0">
-              <a:lnSpc>
-                <a:spcPct val="100000"/>
-              </a:lnSpc>
-              <a:spcBef>
-                <a:spcPct val="0"/>
-              </a:spcBef>
-              <a:spcAft>
-                <a:spcPct val="0"/>
-              </a:spcAft>
-              <a:buClrTx/>
-              <a:buSzTx/>
-              <a:buFontTx/>
-              <a:buNone/>
-              <a:tabLst/>
-            </a:pPr>
-            <a:endParaRPr kumimoji="0" lang="nl-NL" altLang="nl-BE" sz="1800" b="0" i="0" u="none" strike="noStrike" cap="none" normalizeH="0" baseline="0" dirty="0" smtClean="0">
-              <a:ln>
-                <a:noFill/>
-              </a:ln>
-              <a:solidFill>
-                <a:srgbClr val="595959"/>
-              </a:solidFill>
-              <a:effectLst/>
-              <a:latin typeface="+mj-lt"/>
-              <a:ea typeface="Cambria" panose="02040503050406030204" pitchFamily="18" charset="0"/>
-              <a:cs typeface="Times New Roman" panose="02020603050405020304" pitchFamily="18" charset="0"/>
-            </a:endParaRPr>
-          </a:p>
-          <a:p>
-            <a:pPr marL="0" marR="0" lvl="0" indent="0" algn="l" defTabSz="914400" rtl="0" eaLnBrk="0" fontAlgn="base" latinLnBrk="0" hangingPunct="0">
-              <a:lnSpc>
-                <a:spcPct val="100000"/>
-              </a:lnSpc>
-              <a:spcBef>
-                <a:spcPct val="0"/>
-              </a:spcBef>
-              <a:spcAft>
-                <a:spcPct val="0"/>
-              </a:spcAft>
-              <a:buClrTx/>
-              <a:buSzTx/>
-              <a:buFontTx/>
-              <a:buNone/>
-              <a:tabLst/>
-            </a:pPr>
-            <a:r>
-              <a:rPr kumimoji="0" lang="nl-NL" altLang="nl-BE" sz="1800" b="0" i="0" u="none" strike="noStrike" cap="none" normalizeH="0" baseline="0" dirty="0" smtClean="0">
-                <a:ln>
-                  <a:noFill/>
-                </a:ln>
-                <a:solidFill>
-                  <a:srgbClr val="595959"/>
-                </a:solidFill>
-                <a:effectLst/>
-                <a:latin typeface="+mj-lt"/>
-                <a:ea typeface="Cambria" panose="02040503050406030204" pitchFamily="18" charset="0"/>
-                <a:cs typeface="Times New Roman" panose="02020603050405020304" pitchFamily="18" charset="0"/>
-              </a:rPr>
-              <a:t>Academiejaar 2014-2015</a:t>
-            </a:r>
-            <a:endParaRPr kumimoji="0" lang="nl-NL" altLang="nl-BE" sz="1800" b="0" i="0" u="none" strike="noStrike" cap="none" normalizeH="0" baseline="0" dirty="0" smtClean="0">
-              <a:ln>
-                <a:noFill/>
-              </a:ln>
-              <a:solidFill>
-                <a:schemeClr val="tx1"/>
-              </a:solidFill>
-              <a:effectLst/>
-              <a:latin typeface="+mj-lt"/>
-            </a:endParaRPr>
-          </a:p>
-        </p:txBody>
-      </p:sp>
-    </p:spTree>
-    <p:extLst>
-      <p:ext uri="{BB962C8B-B14F-4D97-AF65-F5344CB8AC3E}">
-        <p14:creationId xmlns:p14="http://schemas.microsoft.com/office/powerpoint/2010/main" val="3976927276"/>
       </p:ext>
     </p:extLst>
   </p:cSld>
@@ -5389,7 +11797,59 @@
               <a:rPr lang="nl-BE" dirty="0" smtClean="0"/>
               <a:t>Microcontroller</a:t>
             </a:r>
-            <a:endParaRPr lang="nl-BE" dirty="0"/>
+          </a:p>
+          <a:p>
+            <a:pPr lvl="1"/>
+            <a:r>
+              <a:rPr lang="nl-BE" sz="1800" dirty="0" err="1"/>
+              <a:t>Mbed</a:t>
+            </a:r>
+            <a:r>
+              <a:rPr lang="nl-BE" sz="1800" dirty="0"/>
+              <a:t> LPC1768</a:t>
+            </a:r>
+          </a:p>
+          <a:p>
+            <a:pPr lvl="1"/>
+            <a:r>
+              <a:rPr lang="nl-BE" sz="1800" dirty="0"/>
+              <a:t>ARM Cortex M3</a:t>
+            </a:r>
+          </a:p>
+          <a:p>
+            <a:pPr lvl="1"/>
+            <a:r>
+              <a:rPr lang="nl-BE" sz="1800" dirty="0"/>
+              <a:t>Ethernet</a:t>
+            </a:r>
+          </a:p>
+          <a:p>
+            <a:pPr lvl="1"/>
+            <a:r>
+              <a:rPr lang="nl-BE" sz="1800" dirty="0"/>
+              <a:t>Voldoende I/O </a:t>
+            </a:r>
+            <a:r>
+              <a:rPr lang="nl-BE" sz="1800" dirty="0" err="1"/>
+              <a:t>pins</a:t>
+            </a:r>
+            <a:endParaRPr lang="nl-BE" sz="1800" dirty="0"/>
+          </a:p>
+          <a:p>
+            <a:pPr lvl="1"/>
+            <a:r>
+              <a:rPr lang="nl-BE" sz="1800" dirty="0"/>
+              <a:t>Ingebouwde USB flash </a:t>
+            </a:r>
+            <a:r>
+              <a:rPr lang="nl-BE" sz="1800" dirty="0" err="1"/>
+              <a:t>programmer</a:t>
+            </a:r>
+            <a:endParaRPr lang="nl-BE" sz="1800" dirty="0"/>
+          </a:p>
+          <a:p>
+            <a:pPr lvl="1"/>
+            <a:endParaRPr lang="nl-BE" sz="1800" dirty="0"/>
           </a:p>
         </p:txBody>
       </p:sp>
@@ -5495,10 +11955,37 @@
               <a:rPr lang="nl-BE" dirty="0" smtClean="0"/>
               <a:t>Voeding</a:t>
             </a:r>
+          </a:p>
+          <a:p>
             <a:endParaRPr lang="nl-BE" dirty="0"/>
           </a:p>
-        </p:txBody>
-      </p:sp>
+          <a:p>
+            <a:endParaRPr lang="nl-BE" dirty="0"/>
+          </a:p>
+        </p:txBody>
+      </p:sp>
+      <p:pic>
+        <p:nvPicPr>
+          <p:cNvPr id="5" name="Afbeelding 4"/>
+          <p:cNvPicPr/>
+          <p:nvPr/>
+        </p:nvPicPr>
+        <p:blipFill>
+          <a:blip r:embed="rId2"/>
+          <a:stretch>
+            <a:fillRect/>
+          </a:stretch>
+        </p:blipFill>
+        <p:spPr>
+          <a:xfrm>
+            <a:off x="395536" y="1916832"/>
+            <a:ext cx="8136904" cy="3024336"/>
+          </a:xfrm>
+          <a:prstGeom prst="rect">
+            <a:avLst/>
+          </a:prstGeom>
+        </p:spPr>
+      </p:pic>
     </p:spTree>
     <p:extLst>
       <p:ext uri="{BB962C8B-B14F-4D97-AF65-F5344CB8AC3E}">
@@ -5812,9 +12299,73 @@
           <a:p>
             <a:r>
               <a:rPr lang="nl-BE" dirty="0" smtClean="0"/>
-              <a:t>Front-end</a:t>
-            </a:r>
-            <a:endParaRPr lang="nl-BE" dirty="0"/>
+              <a:t>Zend Framework</a:t>
+            </a:r>
+          </a:p>
+          <a:p>
+            <a:pPr marL="0" indent="0">
+              <a:buNone/>
+            </a:pPr>
+            <a:endParaRPr lang="nl-BE" dirty="0" smtClean="0"/>
+          </a:p>
+          <a:p>
+            <a:r>
+              <a:rPr lang="en-US" sz="1800" dirty="0" err="1" smtClean="0"/>
+              <a:t>Modulair</a:t>
+            </a:r>
+            <a:endParaRPr lang="en-US" sz="1800" dirty="0"/>
+          </a:p>
+          <a:p>
+            <a:r>
+              <a:rPr lang="en-US" sz="1800" dirty="0" err="1" smtClean="0"/>
+              <a:t>Uitbreidbaar</a:t>
+            </a:r>
+            <a:endParaRPr lang="en-US" sz="1800" dirty="0"/>
+          </a:p>
+          <a:p>
+            <a:r>
+              <a:rPr lang="en-US" sz="1800" dirty="0" smtClean="0"/>
+              <a:t>High </a:t>
+            </a:r>
+            <a:r>
+              <a:rPr lang="en-US" sz="1800" dirty="0"/>
+              <a:t>performing</a:t>
+            </a:r>
+          </a:p>
+          <a:p>
+            <a:r>
+              <a:rPr lang="en-US" sz="1800" dirty="0" smtClean="0"/>
+              <a:t>Secure</a:t>
+            </a:r>
+            <a:endParaRPr lang="en-US" sz="1800" dirty="0"/>
+          </a:p>
+          <a:p>
+            <a:r>
+              <a:rPr lang="en-US" sz="1800" dirty="0" smtClean="0"/>
+              <a:t>Community</a:t>
+            </a:r>
+            <a:endParaRPr lang="en-US" sz="1800" dirty="0"/>
+          </a:p>
+          <a:p>
+            <a:r>
+              <a:rPr lang="en-US" sz="1800" dirty="0" smtClean="0"/>
+              <a:t>Enterprise </a:t>
+            </a:r>
+            <a:r>
+              <a:rPr lang="en-US" sz="1800" dirty="0"/>
+              <a:t>ready</a:t>
+            </a:r>
+          </a:p>
+          <a:p>
+            <a:r>
+              <a:rPr lang="en-US" sz="1800" dirty="0" smtClean="0"/>
+              <a:t>Runtime </a:t>
+            </a:r>
+            <a:r>
+              <a:rPr lang="en-US" sz="1800" dirty="0"/>
+              <a:t>errors</a:t>
+            </a:r>
+            <a:endParaRPr lang="nl-BE" sz="1800" dirty="0"/>
           </a:p>
         </p:txBody>
       </p:sp>
